--- a/APK/Network Operating System.pptx
+++ b/APK/Network Operating System.pptx
@@ -1,36 +1,36 @@
 
 <file path=ppt/presentation.xml><?xml version="1.0" encoding="utf-8"?>
-<p:presentation xmlns:a="http://schemas.openxmlformats.org/drawingml/2006/main" xmlns:r="http://schemas.openxmlformats.org/officeDocument/2006/relationships" xmlns:mc="http://schemas.openxmlformats.org/markup-compatibility/2006" xmlns:mv="urn:schemas-microsoft-com:mac:vml" xmlns:p="http://schemas.openxmlformats.org/presentationml/2006/main" xmlns:c="http://schemas.openxmlformats.org/drawingml/2006/chart" xmlns:dgm="http://schemas.openxmlformats.org/drawingml/2006/diagram" xmlns:o="urn:schemas-microsoft-com:office:office" xmlns:v="urn:schemas-microsoft-com:vml" xmlns:pvml="urn:schemas-microsoft-com:office:powerpoint" xmlns:com="http://schemas.openxmlformats.org/drawingml/2006/compatibility" xmlns:p14="http://schemas.microsoft.com/office/powerpoint/2010/main" xmlns:p15="http://schemas.microsoft.com/office/powerpoint/2012/main" xmlns:ahyp="http://schemas.microsoft.com/office/drawing/2018/hyperlinkcolor" autoCompressPictures="0" embedTrueTypeFonts="1" strictFirstAndLastChars="0" saveSubsetFonts="1">
+<p:presentation xmlns:a="http://schemas.openxmlformats.org/drawingml/2006/main" xmlns:r="http://schemas.openxmlformats.org/officeDocument/2006/relationships" xmlns:p="http://schemas.openxmlformats.org/presentationml/2006/main" strictFirstAndLastChars="0" embedTrueTypeFonts="1" saveSubsetFonts="1" autoCompressPictures="0">
   <p:sldMasterIdLst>
-    <p:sldMasterId id="2147483659" r:id="rId4"/>
+    <p:sldMasterId id="2147483659" r:id="rId1"/>
   </p:sldMasterIdLst>
   <p:notesMasterIdLst>
-    <p:notesMasterId r:id="rId5"/>
+    <p:notesMasterId r:id="rId11"/>
   </p:notesMasterIdLst>
   <p:sldIdLst>
-    <p:sldId id="256" r:id="rId6"/>
-    <p:sldId id="257" r:id="rId7"/>
-    <p:sldId id="258" r:id="rId8"/>
-    <p:sldId id="259" r:id="rId9"/>
-    <p:sldId id="260" r:id="rId10"/>
-    <p:sldId id="261" r:id="rId11"/>
-    <p:sldId id="262" r:id="rId12"/>
-    <p:sldId id="263" r:id="rId13"/>
-    <p:sldId id="264" r:id="rId14"/>
+    <p:sldId id="256" r:id="rId2"/>
+    <p:sldId id="257" r:id="rId3"/>
+    <p:sldId id="258" r:id="rId4"/>
+    <p:sldId id="259" r:id="rId5"/>
+    <p:sldId id="260" r:id="rId6"/>
+    <p:sldId id="261" r:id="rId7"/>
+    <p:sldId id="262" r:id="rId8"/>
+    <p:sldId id="263" r:id="rId9"/>
+    <p:sldId id="264" r:id="rId10"/>
   </p:sldIdLst>
-  <p:sldSz cy="5143500" cx="9144000"/>
+  <p:sldSz cx="9144000" cy="5143500" type="screen16x9"/>
   <p:notesSz cx="6858000" cy="9144000"/>
   <p:embeddedFontLst>
     <p:embeddedFont>
-      <p:font typeface="Nunito"/>
-      <p:regular r:id="rId15"/>
-      <p:bold r:id="rId16"/>
-      <p:italic r:id="rId17"/>
-      <p:boldItalic r:id="rId18"/>
+      <p:font typeface="Nunito" pitchFamily="2" charset="0"/>
+      <p:regular r:id="rId12"/>
+      <p:bold r:id="rId13"/>
+      <p:italic r:id="rId14"/>
+      <p:boldItalic r:id="rId15"/>
     </p:embeddedFont>
   </p:embeddedFontLst>
   <p:defaultTextStyle>
-    <a:defPPr lvl="0" marR="0" rtl="0" algn="l">
+    <a:defPPr marR="0" lvl="0" algn="l" rtl="0">
       <a:lnSpc>
         <a:spcPct val="100000"/>
       </a:lnSpc>
@@ -41,7 +41,7 @@
         <a:spcPts val="0"/>
       </a:spcAft>
     </a:defPPr>
-    <a:lvl1pPr lvl="0" marR="0" rtl="0" algn="l">
+    <a:lvl1pPr marR="0" lvl="0" algn="l" rtl="0">
       <a:lnSpc>
         <a:spcPct val="100000"/>
       </a:lnSpc>
@@ -55,7 +55,7 @@
         <a:srgbClr val="000000"/>
       </a:buClr>
       <a:buFont typeface="Arial"/>
-      <a:defRPr b="0" i="0" sz="1400" u="none" cap="none" strike="noStrike">
+      <a:defRPr sz="1400" b="0" i="0" u="none" strike="noStrike" cap="none">
         <a:solidFill>
           <a:srgbClr val="000000"/>
         </a:solidFill>
@@ -65,7 +65,7 @@
         <a:sym typeface="Arial"/>
       </a:defRPr>
     </a:lvl1pPr>
-    <a:lvl2pPr lvl="1" marR="0" rtl="0" algn="l">
+    <a:lvl2pPr marR="0" lvl="1" algn="l" rtl="0">
       <a:lnSpc>
         <a:spcPct val="100000"/>
       </a:lnSpc>
@@ -79,7 +79,7 @@
         <a:srgbClr val="000000"/>
       </a:buClr>
       <a:buFont typeface="Arial"/>
-      <a:defRPr b="0" i="0" sz="1400" u="none" cap="none" strike="noStrike">
+      <a:defRPr sz="1400" b="0" i="0" u="none" strike="noStrike" cap="none">
         <a:solidFill>
           <a:srgbClr val="000000"/>
         </a:solidFill>
@@ -89,7 +89,7 @@
         <a:sym typeface="Arial"/>
       </a:defRPr>
     </a:lvl2pPr>
-    <a:lvl3pPr lvl="2" marR="0" rtl="0" algn="l">
+    <a:lvl3pPr marR="0" lvl="2" algn="l" rtl="0">
       <a:lnSpc>
         <a:spcPct val="100000"/>
       </a:lnSpc>
@@ -103,7 +103,7 @@
         <a:srgbClr val="000000"/>
       </a:buClr>
       <a:buFont typeface="Arial"/>
-      <a:defRPr b="0" i="0" sz="1400" u="none" cap="none" strike="noStrike">
+      <a:defRPr sz="1400" b="0" i="0" u="none" strike="noStrike" cap="none">
         <a:solidFill>
           <a:srgbClr val="000000"/>
         </a:solidFill>
@@ -113,7 +113,7 @@
         <a:sym typeface="Arial"/>
       </a:defRPr>
     </a:lvl3pPr>
-    <a:lvl4pPr lvl="3" marR="0" rtl="0" algn="l">
+    <a:lvl4pPr marR="0" lvl="3" algn="l" rtl="0">
       <a:lnSpc>
         <a:spcPct val="100000"/>
       </a:lnSpc>
@@ -127,7 +127,7 @@
         <a:srgbClr val="000000"/>
       </a:buClr>
       <a:buFont typeface="Arial"/>
-      <a:defRPr b="0" i="0" sz="1400" u="none" cap="none" strike="noStrike">
+      <a:defRPr sz="1400" b="0" i="0" u="none" strike="noStrike" cap="none">
         <a:solidFill>
           <a:srgbClr val="000000"/>
         </a:solidFill>
@@ -137,7 +137,7 @@
         <a:sym typeface="Arial"/>
       </a:defRPr>
     </a:lvl4pPr>
-    <a:lvl5pPr lvl="4" marR="0" rtl="0" algn="l">
+    <a:lvl5pPr marR="0" lvl="4" algn="l" rtl="0">
       <a:lnSpc>
         <a:spcPct val="100000"/>
       </a:lnSpc>
@@ -151,7 +151,7 @@
         <a:srgbClr val="000000"/>
       </a:buClr>
       <a:buFont typeface="Arial"/>
-      <a:defRPr b="0" i="0" sz="1400" u="none" cap="none" strike="noStrike">
+      <a:defRPr sz="1400" b="0" i="0" u="none" strike="noStrike" cap="none">
         <a:solidFill>
           <a:srgbClr val="000000"/>
         </a:solidFill>
@@ -161,7 +161,7 @@
         <a:sym typeface="Arial"/>
       </a:defRPr>
     </a:lvl5pPr>
-    <a:lvl6pPr lvl="5" marR="0" rtl="0" algn="l">
+    <a:lvl6pPr marR="0" lvl="5" algn="l" rtl="0">
       <a:lnSpc>
         <a:spcPct val="100000"/>
       </a:lnSpc>
@@ -175,7 +175,7 @@
         <a:srgbClr val="000000"/>
       </a:buClr>
       <a:buFont typeface="Arial"/>
-      <a:defRPr b="0" i="0" sz="1400" u="none" cap="none" strike="noStrike">
+      <a:defRPr sz="1400" b="0" i="0" u="none" strike="noStrike" cap="none">
         <a:solidFill>
           <a:srgbClr val="000000"/>
         </a:solidFill>
@@ -185,7 +185,7 @@
         <a:sym typeface="Arial"/>
       </a:defRPr>
     </a:lvl6pPr>
-    <a:lvl7pPr lvl="6" marR="0" rtl="0" algn="l">
+    <a:lvl7pPr marR="0" lvl="6" algn="l" rtl="0">
       <a:lnSpc>
         <a:spcPct val="100000"/>
       </a:lnSpc>
@@ -199,7 +199,7 @@
         <a:srgbClr val="000000"/>
       </a:buClr>
       <a:buFont typeface="Arial"/>
-      <a:defRPr b="0" i="0" sz="1400" u="none" cap="none" strike="noStrike">
+      <a:defRPr sz="1400" b="0" i="0" u="none" strike="noStrike" cap="none">
         <a:solidFill>
           <a:srgbClr val="000000"/>
         </a:solidFill>
@@ -209,7 +209,7 @@
         <a:sym typeface="Arial"/>
       </a:defRPr>
     </a:lvl7pPr>
-    <a:lvl8pPr lvl="7" marR="0" rtl="0" algn="l">
+    <a:lvl8pPr marR="0" lvl="7" algn="l" rtl="0">
       <a:lnSpc>
         <a:spcPct val="100000"/>
       </a:lnSpc>
@@ -223,7 +223,7 @@
         <a:srgbClr val="000000"/>
       </a:buClr>
       <a:buFont typeface="Arial"/>
-      <a:defRPr b="0" i="0" sz="1400" u="none" cap="none" strike="noStrike">
+      <a:defRPr sz="1400" b="0" i="0" u="none" strike="noStrike" cap="none">
         <a:solidFill>
           <a:srgbClr val="000000"/>
         </a:solidFill>
@@ -233,7 +233,7 @@
         <a:sym typeface="Arial"/>
       </a:defRPr>
     </a:lvl8pPr>
-    <a:lvl9pPr lvl="8" marR="0" rtl="0" algn="l">
+    <a:lvl9pPr marR="0" lvl="8" algn="l" rtl="0">
       <a:lnSpc>
         <a:spcPct val="100000"/>
       </a:lnSpc>
@@ -247,7 +247,7 @@
         <a:srgbClr val="000000"/>
       </a:buClr>
       <a:buFont typeface="Arial"/>
-      <a:defRPr b="0" i="0" sz="1400" u="none" cap="none" strike="noStrike">
+      <a:defRPr sz="1400" b="0" i="0" u="none" strike="noStrike" cap="none">
         <a:solidFill>
           <a:srgbClr val="000000"/>
         </a:solidFill>
@@ -260,7 +260,7 @@
   </p:defaultTextStyle>
   <p:extLst>
     <p:ext uri="{EFAFB233-063F-42B5-8137-9DF3F51BA10A}">
-      <p15:sldGuideLst>
+      <p15:sldGuideLst xmlns:p15="http://schemas.microsoft.com/office/powerpoint/2012/main">
         <p15:guide id="1" orient="horz" pos="1620">
           <p15:clr>
             <a:srgbClr val="A4A3A4"/>
@@ -278,11 +278,16 @@
 </file>
 
 <file path=ppt/notesMasters/notesMaster1.xml><?xml version="1.0" encoding="utf-8"?>
-<p:notesMaster xmlns:a="http://schemas.openxmlformats.org/drawingml/2006/main" xmlns:r="http://schemas.openxmlformats.org/officeDocument/2006/relationships" xmlns:mc="http://schemas.openxmlformats.org/markup-compatibility/2006" xmlns:mv="urn:schemas-microsoft-com:mac:vml" xmlns:p="http://schemas.openxmlformats.org/presentationml/2006/main" xmlns:c="http://schemas.openxmlformats.org/drawingml/2006/chart" xmlns:dgm="http://schemas.openxmlformats.org/drawingml/2006/diagram" xmlns:o="urn:schemas-microsoft-com:office:office" xmlns:v="urn:schemas-microsoft-com:vml" xmlns:pvml="urn:schemas-microsoft-com:office:powerpoint" xmlns:com="http://schemas.openxmlformats.org/drawingml/2006/compatibility" xmlns:p14="http://schemas.microsoft.com/office/powerpoint/2010/main" xmlns:p15="http://schemas.microsoft.com/office/powerpoint/2012/main" xmlns:ahyp="http://schemas.microsoft.com/office/drawing/2018/hyperlinkcolor">
+<p:notesMaster xmlns:a="http://schemas.openxmlformats.org/drawingml/2006/main" xmlns:r="http://schemas.openxmlformats.org/officeDocument/2006/relationships" xmlns:p="http://schemas.openxmlformats.org/presentationml/2006/main">
   <p:cSld>
+    <p:bg>
+      <p:bgRef idx="1001">
+        <a:schemeClr val="bg1"/>
+      </p:bgRef>
+    </p:bg>
     <p:spTree>
       <p:nvGrpSpPr>
-        <p:cNvPr id="2" name="Shape 2"/>
+        <p:cNvPr id="1" name="Shape 2"/>
         <p:cNvGrpSpPr/>
         <p:nvPr/>
       </p:nvGrpSpPr>
@@ -297,9 +302,11 @@
       <p:sp>
         <p:nvSpPr>
           <p:cNvPr id="3" name="Google Shape;3;n"/>
-          <p:cNvSpPr/>
+          <p:cNvSpPr>
+            <a:spLocks noGrp="1" noRot="1" noChangeAspect="1"/>
+          </p:cNvSpPr>
           <p:nvPr>
-            <p:ph idx="2" type="sldImg"/>
+            <p:ph type="sldImg" idx="2"/>
           </p:nvPr>
         </p:nvSpPr>
         <p:spPr>
@@ -308,9 +315,13 @@
             <a:ext cx="6096075" cy="3429000"/>
           </a:xfrm>
           <a:custGeom>
-            <a:rect b="b" l="l" r="r" t="t"/>
+            <a:avLst/>
+            <a:gdLst/>
+            <a:ahLst/>
+            <a:cxnLst/>
+            <a:rect l="l" t="t" r="r" b="b"/>
             <a:pathLst>
-              <a:path extrusionOk="0" h="120000" w="120000">
+              <a:path w="120000" h="120000" extrusionOk="0">
                 <a:moveTo>
                   <a:pt x="0" y="0"/>
                 </a:moveTo>
@@ -328,23 +339,25 @@
             </a:pathLst>
           </a:custGeom>
           <a:noFill/>
-          <a:ln cap="flat" cmpd="sng" w="9525">
+          <a:ln w="9525" cap="flat" cmpd="sng">
             <a:solidFill>
               <a:srgbClr val="000000"/>
             </a:solidFill>
             <a:prstDash val="solid"/>
             <a:round/>
-            <a:headEnd len="sm" w="sm" type="none"/>
-            <a:tailEnd len="sm" w="sm" type="none"/>
+            <a:headEnd type="none" w="sm" len="sm"/>
+            <a:tailEnd type="none" w="sm" len="sm"/>
           </a:ln>
         </p:spPr>
       </p:sp>
       <p:sp>
         <p:nvSpPr>
           <p:cNvPr id="4" name="Google Shape;4;n"/>
-          <p:cNvSpPr txBox="1"/>
+          <p:cNvSpPr txBox="1">
+            <a:spLocks noGrp="1"/>
+          </p:cNvSpPr>
           <p:nvPr>
-            <p:ph idx="1" type="body"/>
+            <p:ph type="body" idx="1"/>
           </p:nvPr>
         </p:nvSpPr>
         <p:spPr>
@@ -361,11 +374,11 @@
           </a:ln>
         </p:spPr>
         <p:txBody>
-          <a:bodyPr anchorCtr="0" anchor="t" bIns="91425" lIns="91425" spcFirstLastPara="1" rIns="91425" wrap="square" tIns="91425">
+          <a:bodyPr spcFirstLastPara="1" wrap="square" lIns="91425" tIns="91425" rIns="91425" bIns="91425" anchor="t" anchorCtr="0">
             <a:noAutofit/>
           </a:bodyPr>
           <a:lstStyle>
-            <a:lvl1pPr indent="-298450" lvl="0" marL="457200">
+            <a:lvl1pPr marL="457200" lvl="0" indent="-298450">
               <a:spcBef>
                 <a:spcPts val="0"/>
               </a:spcBef>
@@ -376,7 +389,7 @@
               <a:buChar char="●"/>
               <a:defRPr sz="1100"/>
             </a:lvl1pPr>
-            <a:lvl2pPr indent="-298450" lvl="1" marL="914400">
+            <a:lvl2pPr marL="914400" lvl="1" indent="-298450">
               <a:spcBef>
                 <a:spcPts val="0"/>
               </a:spcBef>
@@ -387,7 +400,7 @@
               <a:buChar char="○"/>
               <a:defRPr sz="1100"/>
             </a:lvl2pPr>
-            <a:lvl3pPr indent="-298450" lvl="2" marL="1371600">
+            <a:lvl3pPr marL="1371600" lvl="2" indent="-298450">
               <a:spcBef>
                 <a:spcPts val="0"/>
               </a:spcBef>
@@ -398,7 +411,7 @@
               <a:buChar char="■"/>
               <a:defRPr sz="1100"/>
             </a:lvl3pPr>
-            <a:lvl4pPr indent="-298450" lvl="3" marL="1828800">
+            <a:lvl4pPr marL="1828800" lvl="3" indent="-298450">
               <a:spcBef>
                 <a:spcPts val="0"/>
               </a:spcBef>
@@ -409,7 +422,7 @@
               <a:buChar char="●"/>
               <a:defRPr sz="1100"/>
             </a:lvl4pPr>
-            <a:lvl5pPr indent="-298450" lvl="4" marL="2286000">
+            <a:lvl5pPr marL="2286000" lvl="4" indent="-298450">
               <a:spcBef>
                 <a:spcPts val="0"/>
               </a:spcBef>
@@ -420,7 +433,7 @@
               <a:buChar char="○"/>
               <a:defRPr sz="1100"/>
             </a:lvl5pPr>
-            <a:lvl6pPr indent="-298450" lvl="5" marL="2743200">
+            <a:lvl6pPr marL="2743200" lvl="5" indent="-298450">
               <a:spcBef>
                 <a:spcPts val="0"/>
               </a:spcBef>
@@ -431,7 +444,7 @@
               <a:buChar char="■"/>
               <a:defRPr sz="1100"/>
             </a:lvl6pPr>
-            <a:lvl7pPr indent="-298450" lvl="6" marL="3200400">
+            <a:lvl7pPr marL="3200400" lvl="6" indent="-298450">
               <a:spcBef>
                 <a:spcPts val="0"/>
               </a:spcBef>
@@ -442,7 +455,7 @@
               <a:buChar char="●"/>
               <a:defRPr sz="1100"/>
             </a:lvl7pPr>
-            <a:lvl8pPr indent="-298450" lvl="7" marL="3657600">
+            <a:lvl8pPr marL="3657600" lvl="7" indent="-298450">
               <a:spcBef>
                 <a:spcPts val="0"/>
               </a:spcBef>
@@ -453,7 +466,7 @@
               <a:buChar char="○"/>
               <a:defRPr sz="1100"/>
             </a:lvl8pPr>
-            <a:lvl9pPr indent="-298450" lvl="8" marL="4114800">
+            <a:lvl9pPr marL="4114800" lvl="8" indent="-298450">
               <a:spcBef>
                 <a:spcPts val="0"/>
               </a:spcBef>
@@ -465,14 +478,16 @@
               <a:defRPr sz="1100"/>
             </a:lvl9pPr>
           </a:lstStyle>
-          <a:p/>
+          <a:p>
+            <a:endParaRPr/>
+          </a:p>
         </p:txBody>
       </p:sp>
     </p:spTree>
   </p:cSld>
-  <p:clrMap accent1="accent1" accent2="accent2" accent3="accent3" accent4="accent4" accent5="accent5" accent6="accent6" bg1="lt1" bg2="dk2" tx1="dk1" tx2="lt2" folHlink="folHlink" hlink="hlink"/>
+  <p:clrMap bg1="lt1" tx1="dk1" bg2="dk2" tx2="lt2" accent1="accent1" accent2="accent2" accent3="accent3" accent4="accent4" accent5="accent5" accent6="accent6" hlink="hlink" folHlink="folHlink"/>
   <p:notesStyle>
-    <a:defPPr lvl="0" marR="0" rtl="0" algn="l">
+    <a:defPPr marR="0" lvl="0" algn="l" rtl="0">
       <a:lnSpc>
         <a:spcPct val="100000"/>
       </a:lnSpc>
@@ -483,7 +498,7 @@
         <a:spcPts val="0"/>
       </a:spcAft>
     </a:defPPr>
-    <a:lvl1pPr lvl="0" marR="0" rtl="0" algn="l">
+    <a:lvl1pPr marR="0" lvl="0" algn="l" rtl="0">
       <a:lnSpc>
         <a:spcPct val="100000"/>
       </a:lnSpc>
@@ -497,7 +512,7 @@
         <a:srgbClr val="000000"/>
       </a:buClr>
       <a:buFont typeface="Arial"/>
-      <a:defRPr b="0" i="0" sz="1400" u="none" cap="none" strike="noStrike">
+      <a:defRPr sz="1400" b="0" i="0" u="none" strike="noStrike" cap="none">
         <a:solidFill>
           <a:srgbClr val="000000"/>
         </a:solidFill>
@@ -507,7 +522,7 @@
         <a:sym typeface="Arial"/>
       </a:defRPr>
     </a:lvl1pPr>
-    <a:lvl2pPr lvl="1" marR="0" rtl="0" algn="l">
+    <a:lvl2pPr marR="0" lvl="1" algn="l" rtl="0">
       <a:lnSpc>
         <a:spcPct val="100000"/>
       </a:lnSpc>
@@ -521,7 +536,7 @@
         <a:srgbClr val="000000"/>
       </a:buClr>
       <a:buFont typeface="Arial"/>
-      <a:defRPr b="0" i="0" sz="1400" u="none" cap="none" strike="noStrike">
+      <a:defRPr sz="1400" b="0" i="0" u="none" strike="noStrike" cap="none">
         <a:solidFill>
           <a:srgbClr val="000000"/>
         </a:solidFill>
@@ -531,7 +546,7 @@
         <a:sym typeface="Arial"/>
       </a:defRPr>
     </a:lvl2pPr>
-    <a:lvl3pPr lvl="2" marR="0" rtl="0" algn="l">
+    <a:lvl3pPr marR="0" lvl="2" algn="l" rtl="0">
       <a:lnSpc>
         <a:spcPct val="100000"/>
       </a:lnSpc>
@@ -545,7 +560,7 @@
         <a:srgbClr val="000000"/>
       </a:buClr>
       <a:buFont typeface="Arial"/>
-      <a:defRPr b="0" i="0" sz="1400" u="none" cap="none" strike="noStrike">
+      <a:defRPr sz="1400" b="0" i="0" u="none" strike="noStrike" cap="none">
         <a:solidFill>
           <a:srgbClr val="000000"/>
         </a:solidFill>
@@ -555,7 +570,7 @@
         <a:sym typeface="Arial"/>
       </a:defRPr>
     </a:lvl3pPr>
-    <a:lvl4pPr lvl="3" marR="0" rtl="0" algn="l">
+    <a:lvl4pPr marR="0" lvl="3" algn="l" rtl="0">
       <a:lnSpc>
         <a:spcPct val="100000"/>
       </a:lnSpc>
@@ -569,7 +584,7 @@
         <a:srgbClr val="000000"/>
       </a:buClr>
       <a:buFont typeface="Arial"/>
-      <a:defRPr b="0" i="0" sz="1400" u="none" cap="none" strike="noStrike">
+      <a:defRPr sz="1400" b="0" i="0" u="none" strike="noStrike" cap="none">
         <a:solidFill>
           <a:srgbClr val="000000"/>
         </a:solidFill>
@@ -579,7 +594,7 @@
         <a:sym typeface="Arial"/>
       </a:defRPr>
     </a:lvl4pPr>
-    <a:lvl5pPr lvl="4" marR="0" rtl="0" algn="l">
+    <a:lvl5pPr marR="0" lvl="4" algn="l" rtl="0">
       <a:lnSpc>
         <a:spcPct val="100000"/>
       </a:lnSpc>
@@ -593,7 +608,7 @@
         <a:srgbClr val="000000"/>
       </a:buClr>
       <a:buFont typeface="Arial"/>
-      <a:defRPr b="0" i="0" sz="1400" u="none" cap="none" strike="noStrike">
+      <a:defRPr sz="1400" b="0" i="0" u="none" strike="noStrike" cap="none">
         <a:solidFill>
           <a:srgbClr val="000000"/>
         </a:solidFill>
@@ -603,7 +618,7 @@
         <a:sym typeface="Arial"/>
       </a:defRPr>
     </a:lvl5pPr>
-    <a:lvl6pPr lvl="5" marR="0" rtl="0" algn="l">
+    <a:lvl6pPr marR="0" lvl="5" algn="l" rtl="0">
       <a:lnSpc>
         <a:spcPct val="100000"/>
       </a:lnSpc>
@@ -617,7 +632,7 @@
         <a:srgbClr val="000000"/>
       </a:buClr>
       <a:buFont typeface="Arial"/>
-      <a:defRPr b="0" i="0" sz="1400" u="none" cap="none" strike="noStrike">
+      <a:defRPr sz="1400" b="0" i="0" u="none" strike="noStrike" cap="none">
         <a:solidFill>
           <a:srgbClr val="000000"/>
         </a:solidFill>
@@ -627,7 +642,7 @@
         <a:sym typeface="Arial"/>
       </a:defRPr>
     </a:lvl6pPr>
-    <a:lvl7pPr lvl="6" marR="0" rtl="0" algn="l">
+    <a:lvl7pPr marR="0" lvl="6" algn="l" rtl="0">
       <a:lnSpc>
         <a:spcPct val="100000"/>
       </a:lnSpc>
@@ -641,7 +656,7 @@
         <a:srgbClr val="000000"/>
       </a:buClr>
       <a:buFont typeface="Arial"/>
-      <a:defRPr b="0" i="0" sz="1400" u="none" cap="none" strike="noStrike">
+      <a:defRPr sz="1400" b="0" i="0" u="none" strike="noStrike" cap="none">
         <a:solidFill>
           <a:srgbClr val="000000"/>
         </a:solidFill>
@@ -651,7 +666,7 @@
         <a:sym typeface="Arial"/>
       </a:defRPr>
     </a:lvl7pPr>
-    <a:lvl8pPr lvl="7" marR="0" rtl="0" algn="l">
+    <a:lvl8pPr marR="0" lvl="7" algn="l" rtl="0">
       <a:lnSpc>
         <a:spcPct val="100000"/>
       </a:lnSpc>
@@ -665,7 +680,7 @@
         <a:srgbClr val="000000"/>
       </a:buClr>
       <a:buFont typeface="Arial"/>
-      <a:defRPr b="0" i="0" sz="1400" u="none" cap="none" strike="noStrike">
+      <a:defRPr sz="1400" b="0" i="0" u="none" strike="noStrike" cap="none">
         <a:solidFill>
           <a:srgbClr val="000000"/>
         </a:solidFill>
@@ -675,7 +690,7 @@
         <a:sym typeface="Arial"/>
       </a:defRPr>
     </a:lvl8pPr>
-    <a:lvl9pPr lvl="8" marR="0" rtl="0" algn="l">
+    <a:lvl9pPr marR="0" lvl="8" algn="l" rtl="0">
       <a:lnSpc>
         <a:spcPct val="100000"/>
       </a:lnSpc>
@@ -689,7 +704,7 @@
         <a:srgbClr val="000000"/>
       </a:buClr>
       <a:buFont typeface="Arial"/>
-      <a:defRPr b="0" i="0" sz="1400" u="none" cap="none" strike="noStrike">
+      <a:defRPr sz="1400" b="0" i="0" u="none" strike="noStrike" cap="none">
         <a:solidFill>
           <a:srgbClr val="000000"/>
         </a:solidFill>
@@ -704,11 +719,11 @@
 </file>
 
 <file path=ppt/notesSlides/notesSlide1.xml><?xml version="1.0" encoding="utf-8"?>
-<p:notes xmlns:a="http://schemas.openxmlformats.org/drawingml/2006/main" xmlns:r="http://schemas.openxmlformats.org/officeDocument/2006/relationships" xmlns:mc="http://schemas.openxmlformats.org/markup-compatibility/2006" xmlns:mv="urn:schemas-microsoft-com:mac:vml" xmlns:p="http://schemas.openxmlformats.org/presentationml/2006/main" xmlns:c="http://schemas.openxmlformats.org/drawingml/2006/chart" xmlns:dgm="http://schemas.openxmlformats.org/drawingml/2006/diagram" xmlns:o="urn:schemas-microsoft-com:office:office" xmlns:v="urn:schemas-microsoft-com:vml" xmlns:pvml="urn:schemas-microsoft-com:office:powerpoint" xmlns:com="http://schemas.openxmlformats.org/drawingml/2006/compatibility" xmlns:p14="http://schemas.microsoft.com/office/powerpoint/2010/main" xmlns:p15="http://schemas.microsoft.com/office/powerpoint/2012/main" xmlns:ahyp="http://schemas.microsoft.com/office/drawing/2018/hyperlinkcolor" showMasterPhAnim="0" showMasterSp="0">
+<p:notes xmlns:a="http://schemas.openxmlformats.org/drawingml/2006/main" xmlns:r="http://schemas.openxmlformats.org/officeDocument/2006/relationships" xmlns:p="http://schemas.openxmlformats.org/presentationml/2006/main" showMasterSp="0" showMasterPhAnim="0">
   <p:cSld>
     <p:spTree>
       <p:nvGrpSpPr>
-        <p:cNvPr id="124" name="Shape 124"/>
+        <p:cNvPr id="1" name="Shape 124"/>
         <p:cNvGrpSpPr/>
         <p:nvPr/>
       </p:nvGrpSpPr>
@@ -723,9 +738,11 @@
       <p:sp>
         <p:nvSpPr>
           <p:cNvPr id="125" name="Google Shape;125;p:notes"/>
-          <p:cNvSpPr/>
+          <p:cNvSpPr>
+            <a:spLocks noGrp="1" noRot="1" noChangeAspect="1"/>
+          </p:cNvSpPr>
           <p:nvPr>
-            <p:ph idx="2" type="sldImg"/>
+            <p:ph type="sldImg" idx="2"/>
           </p:nvPr>
         </p:nvSpPr>
         <p:spPr>
@@ -734,9 +751,13 @@
             <a:ext cx="6096075" cy="3429000"/>
           </a:xfrm>
           <a:custGeom>
-            <a:rect b="b" l="l" r="r" t="t"/>
+            <a:avLst/>
+            <a:gdLst/>
+            <a:ahLst/>
+            <a:cxnLst/>
+            <a:rect l="l" t="t" r="r" b="b"/>
             <a:pathLst>
-              <a:path extrusionOk="0" h="120000" w="120000">
+              <a:path w="120000" h="120000" extrusionOk="0">
                 <a:moveTo>
                   <a:pt x="0" y="0"/>
                 </a:moveTo>
@@ -758,9 +779,11 @@
       <p:sp>
         <p:nvSpPr>
           <p:cNvPr id="126" name="Google Shape;126;p:notes"/>
-          <p:cNvSpPr txBox="1"/>
+          <p:cNvSpPr txBox="1">
+            <a:spLocks noGrp="1"/>
+          </p:cNvSpPr>
           <p:nvPr>
-            <p:ph idx="1" type="body"/>
+            <p:ph type="body" idx="1"/>
           </p:nvPr>
         </p:nvSpPr>
         <p:spPr>
@@ -773,12 +796,12 @@
           </a:prstGeom>
         </p:spPr>
         <p:txBody>
-          <a:bodyPr anchorCtr="0" anchor="t" bIns="91425" lIns="91425" spcFirstLastPara="1" rIns="91425" wrap="square" tIns="91425">
+          <a:bodyPr spcFirstLastPara="1" wrap="square" lIns="91425" tIns="91425" rIns="91425" bIns="91425" anchor="t" anchorCtr="0">
             <a:noAutofit/>
           </a:bodyPr>
           <a:lstStyle/>
           <a:p>
-            <a:pPr indent="0" lvl="0" marL="0" rtl="0" algn="l">
+            <a:pPr marL="0" lvl="0" indent="0" algn="l" rtl="0">
               <a:spcBef>
                 <a:spcPts val="0"/>
               </a:spcBef>
@@ -787,9 +810,6 @@
               </a:spcAft>
               <a:buNone/>
             </a:pPr>
-            <a:r>
-              <a:t/>
-            </a:r>
             <a:endParaRPr/>
           </a:p>
         </p:txBody>
@@ -803,11 +823,11 @@
 </file>
 
 <file path=ppt/notesSlides/notesSlide2.xml><?xml version="1.0" encoding="utf-8"?>
-<p:notes xmlns:a="http://schemas.openxmlformats.org/drawingml/2006/main" xmlns:r="http://schemas.openxmlformats.org/officeDocument/2006/relationships" xmlns:mc="http://schemas.openxmlformats.org/markup-compatibility/2006" xmlns:mv="urn:schemas-microsoft-com:mac:vml" xmlns:p="http://schemas.openxmlformats.org/presentationml/2006/main" xmlns:c="http://schemas.openxmlformats.org/drawingml/2006/chart" xmlns:dgm="http://schemas.openxmlformats.org/drawingml/2006/diagram" xmlns:o="urn:schemas-microsoft-com:office:office" xmlns:v="urn:schemas-microsoft-com:vml" xmlns:pvml="urn:schemas-microsoft-com:office:powerpoint" xmlns:com="http://schemas.openxmlformats.org/drawingml/2006/compatibility" xmlns:p14="http://schemas.microsoft.com/office/powerpoint/2010/main" xmlns:p15="http://schemas.microsoft.com/office/powerpoint/2012/main" xmlns:ahyp="http://schemas.microsoft.com/office/drawing/2018/hyperlinkcolor" showMasterPhAnim="0" showMasterSp="0">
+<p:notes xmlns:a="http://schemas.openxmlformats.org/drawingml/2006/main" xmlns:r="http://schemas.openxmlformats.org/officeDocument/2006/relationships" xmlns:p="http://schemas.openxmlformats.org/presentationml/2006/main" showMasterSp="0" showMasterPhAnim="0">
   <p:cSld>
     <p:spTree>
       <p:nvGrpSpPr>
-        <p:cNvPr id="130" name="Shape 130"/>
+        <p:cNvPr id="1" name="Shape 130"/>
         <p:cNvGrpSpPr/>
         <p:nvPr/>
       </p:nvGrpSpPr>
@@ -822,9 +842,11 @@
       <p:sp>
         <p:nvSpPr>
           <p:cNvPr id="131" name="Google Shape;131;g12ef2133109_1_125:notes"/>
-          <p:cNvSpPr/>
+          <p:cNvSpPr>
+            <a:spLocks noGrp="1" noRot="1" noChangeAspect="1"/>
+          </p:cNvSpPr>
           <p:nvPr>
-            <p:ph idx="2" type="sldImg"/>
+            <p:ph type="sldImg" idx="2"/>
           </p:nvPr>
         </p:nvSpPr>
         <p:spPr>
@@ -833,9 +855,13 @@
             <a:ext cx="6096000" cy="3429000"/>
           </a:xfrm>
           <a:custGeom>
-            <a:rect b="b" l="l" r="r" t="t"/>
+            <a:avLst/>
+            <a:gdLst/>
+            <a:ahLst/>
+            <a:cxnLst/>
+            <a:rect l="l" t="t" r="r" b="b"/>
             <a:pathLst>
-              <a:path extrusionOk="0" h="120000" w="120000">
+              <a:path w="120000" h="120000" extrusionOk="0">
                 <a:moveTo>
                   <a:pt x="0" y="0"/>
                 </a:moveTo>
@@ -857,9 +883,11 @@
       <p:sp>
         <p:nvSpPr>
           <p:cNvPr id="132" name="Google Shape;132;g12ef2133109_1_125:notes"/>
-          <p:cNvSpPr txBox="1"/>
+          <p:cNvSpPr txBox="1">
+            <a:spLocks noGrp="1"/>
+          </p:cNvSpPr>
           <p:nvPr>
-            <p:ph idx="1" type="body"/>
+            <p:ph type="body" idx="1"/>
           </p:nvPr>
         </p:nvSpPr>
         <p:spPr>
@@ -872,12 +900,12 @@
           </a:prstGeom>
         </p:spPr>
         <p:txBody>
-          <a:bodyPr anchorCtr="0" anchor="t" bIns="91425" lIns="91425" spcFirstLastPara="1" rIns="91425" wrap="square" tIns="91425">
+          <a:bodyPr spcFirstLastPara="1" wrap="square" lIns="91425" tIns="91425" rIns="91425" bIns="91425" anchor="t" anchorCtr="0">
             <a:noAutofit/>
           </a:bodyPr>
           <a:lstStyle/>
           <a:p>
-            <a:pPr indent="0" lvl="0" marL="0" rtl="0" algn="l">
+            <a:pPr marL="0" lvl="0" indent="0" algn="l" rtl="0">
               <a:spcBef>
                 <a:spcPts val="0"/>
               </a:spcBef>
@@ -886,9 +914,6 @@
               </a:spcAft>
               <a:buNone/>
             </a:pPr>
-            <a:r>
-              <a:t/>
-            </a:r>
             <a:endParaRPr/>
           </a:p>
         </p:txBody>
@@ -902,11 +927,11 @@
 </file>
 
 <file path=ppt/notesSlides/notesSlide3.xml><?xml version="1.0" encoding="utf-8"?>
-<p:notes xmlns:a="http://schemas.openxmlformats.org/drawingml/2006/main" xmlns:r="http://schemas.openxmlformats.org/officeDocument/2006/relationships" xmlns:mc="http://schemas.openxmlformats.org/markup-compatibility/2006" xmlns:mv="urn:schemas-microsoft-com:mac:vml" xmlns:p="http://schemas.openxmlformats.org/presentationml/2006/main" xmlns:c="http://schemas.openxmlformats.org/drawingml/2006/chart" xmlns:dgm="http://schemas.openxmlformats.org/drawingml/2006/diagram" xmlns:o="urn:schemas-microsoft-com:office:office" xmlns:v="urn:schemas-microsoft-com:vml" xmlns:pvml="urn:schemas-microsoft-com:office:powerpoint" xmlns:com="http://schemas.openxmlformats.org/drawingml/2006/compatibility" xmlns:p14="http://schemas.microsoft.com/office/powerpoint/2010/main" xmlns:p15="http://schemas.microsoft.com/office/powerpoint/2012/main" xmlns:ahyp="http://schemas.microsoft.com/office/drawing/2018/hyperlinkcolor" showMasterPhAnim="0" showMasterSp="0">
+<p:notes xmlns:a="http://schemas.openxmlformats.org/drawingml/2006/main" xmlns:r="http://schemas.openxmlformats.org/officeDocument/2006/relationships" xmlns:p="http://schemas.openxmlformats.org/presentationml/2006/main" showMasterSp="0" showMasterPhAnim="0">
   <p:cSld>
     <p:spTree>
       <p:nvGrpSpPr>
-        <p:cNvPr id="136" name="Shape 136"/>
+        <p:cNvPr id="1" name="Shape 136"/>
         <p:cNvGrpSpPr/>
         <p:nvPr/>
       </p:nvGrpSpPr>
@@ -921,9 +946,11 @@
       <p:sp>
         <p:nvSpPr>
           <p:cNvPr id="137" name="Google Shape;137;g12ef2133109_1_136:notes"/>
-          <p:cNvSpPr/>
+          <p:cNvSpPr>
+            <a:spLocks noGrp="1" noRot="1" noChangeAspect="1"/>
+          </p:cNvSpPr>
           <p:nvPr>
-            <p:ph idx="2" type="sldImg"/>
+            <p:ph type="sldImg" idx="2"/>
           </p:nvPr>
         </p:nvSpPr>
         <p:spPr>
@@ -932,9 +959,13 @@
             <a:ext cx="6096000" cy="3429000"/>
           </a:xfrm>
           <a:custGeom>
-            <a:rect b="b" l="l" r="r" t="t"/>
+            <a:avLst/>
+            <a:gdLst/>
+            <a:ahLst/>
+            <a:cxnLst/>
+            <a:rect l="l" t="t" r="r" b="b"/>
             <a:pathLst>
-              <a:path extrusionOk="0" h="120000" w="120000">
+              <a:path w="120000" h="120000" extrusionOk="0">
                 <a:moveTo>
                   <a:pt x="0" y="0"/>
                 </a:moveTo>
@@ -956,9 +987,11 @@
       <p:sp>
         <p:nvSpPr>
           <p:cNvPr id="138" name="Google Shape;138;g12ef2133109_1_136:notes"/>
-          <p:cNvSpPr txBox="1"/>
+          <p:cNvSpPr txBox="1">
+            <a:spLocks noGrp="1"/>
+          </p:cNvSpPr>
           <p:nvPr>
-            <p:ph idx="1" type="body"/>
+            <p:ph type="body" idx="1"/>
           </p:nvPr>
         </p:nvSpPr>
         <p:spPr>
@@ -971,12 +1004,12 @@
           </a:prstGeom>
         </p:spPr>
         <p:txBody>
-          <a:bodyPr anchorCtr="0" anchor="t" bIns="91425" lIns="91425" spcFirstLastPara="1" rIns="91425" wrap="square" tIns="91425">
+          <a:bodyPr spcFirstLastPara="1" wrap="square" lIns="91425" tIns="91425" rIns="91425" bIns="91425" anchor="t" anchorCtr="0">
             <a:noAutofit/>
           </a:bodyPr>
           <a:lstStyle/>
           <a:p>
-            <a:pPr indent="0" lvl="0" marL="0" rtl="0" algn="l">
+            <a:pPr marL="0" lvl="0" indent="0" algn="l" rtl="0">
               <a:spcBef>
                 <a:spcPts val="0"/>
               </a:spcBef>
@@ -985,9 +1018,6 @@
               </a:spcAft>
               <a:buNone/>
             </a:pPr>
-            <a:r>
-              <a:t/>
-            </a:r>
             <a:endParaRPr/>
           </a:p>
         </p:txBody>
@@ -1001,11 +1031,11 @@
 </file>
 
 <file path=ppt/notesSlides/notesSlide4.xml><?xml version="1.0" encoding="utf-8"?>
-<p:notes xmlns:a="http://schemas.openxmlformats.org/drawingml/2006/main" xmlns:r="http://schemas.openxmlformats.org/officeDocument/2006/relationships" xmlns:mc="http://schemas.openxmlformats.org/markup-compatibility/2006" xmlns:mv="urn:schemas-microsoft-com:mac:vml" xmlns:p="http://schemas.openxmlformats.org/presentationml/2006/main" xmlns:c="http://schemas.openxmlformats.org/drawingml/2006/chart" xmlns:dgm="http://schemas.openxmlformats.org/drawingml/2006/diagram" xmlns:o="urn:schemas-microsoft-com:office:office" xmlns:v="urn:schemas-microsoft-com:vml" xmlns:pvml="urn:schemas-microsoft-com:office:powerpoint" xmlns:com="http://schemas.openxmlformats.org/drawingml/2006/compatibility" xmlns:p14="http://schemas.microsoft.com/office/powerpoint/2010/main" xmlns:p15="http://schemas.microsoft.com/office/powerpoint/2012/main" xmlns:ahyp="http://schemas.microsoft.com/office/drawing/2018/hyperlinkcolor" showMasterPhAnim="0" showMasterSp="0">
+<p:notes xmlns:a="http://schemas.openxmlformats.org/drawingml/2006/main" xmlns:r="http://schemas.openxmlformats.org/officeDocument/2006/relationships" xmlns:p="http://schemas.openxmlformats.org/presentationml/2006/main" showMasterSp="0" showMasterPhAnim="0">
   <p:cSld>
     <p:spTree>
       <p:nvGrpSpPr>
-        <p:cNvPr id="142" name="Shape 142"/>
+        <p:cNvPr id="1" name="Shape 142"/>
         <p:cNvGrpSpPr/>
         <p:nvPr/>
       </p:nvGrpSpPr>
@@ -1020,20 +1050,26 @@
       <p:sp>
         <p:nvSpPr>
           <p:cNvPr id="143" name="Google Shape;143;g12ef2133109_1_148:notes"/>
-          <p:cNvSpPr/>
+          <p:cNvSpPr>
+            <a:spLocks noGrp="1" noRot="1" noChangeAspect="1"/>
+          </p:cNvSpPr>
           <p:nvPr>
-            <p:ph idx="2" type="sldImg"/>
+            <p:ph type="sldImg" idx="2"/>
           </p:nvPr>
         </p:nvSpPr>
         <p:spPr>
           <a:xfrm>
-            <a:off x="381300" y="685800"/>
+            <a:off x="381000" y="685800"/>
             <a:ext cx="6096000" cy="3429000"/>
           </a:xfrm>
           <a:custGeom>
-            <a:rect b="b" l="l" r="r" t="t"/>
+            <a:avLst/>
+            <a:gdLst/>
+            <a:ahLst/>
+            <a:cxnLst/>
+            <a:rect l="l" t="t" r="r" b="b"/>
             <a:pathLst>
-              <a:path extrusionOk="0" h="120000" w="120000">
+              <a:path w="120000" h="120000" extrusionOk="0">
                 <a:moveTo>
                   <a:pt x="0" y="0"/>
                 </a:moveTo>
@@ -1055,9 +1091,11 @@
       <p:sp>
         <p:nvSpPr>
           <p:cNvPr id="144" name="Google Shape;144;g12ef2133109_1_148:notes"/>
-          <p:cNvSpPr txBox="1"/>
+          <p:cNvSpPr txBox="1">
+            <a:spLocks noGrp="1"/>
+          </p:cNvSpPr>
           <p:nvPr>
-            <p:ph idx="1" type="body"/>
+            <p:ph type="body" idx="1"/>
           </p:nvPr>
         </p:nvSpPr>
         <p:spPr>
@@ -1070,12 +1108,12 @@
           </a:prstGeom>
         </p:spPr>
         <p:txBody>
-          <a:bodyPr anchorCtr="0" anchor="t" bIns="91425" lIns="91425" spcFirstLastPara="1" rIns="91425" wrap="square" tIns="91425">
+          <a:bodyPr spcFirstLastPara="1" wrap="square" lIns="91425" tIns="91425" rIns="91425" bIns="91425" anchor="t" anchorCtr="0">
             <a:noAutofit/>
           </a:bodyPr>
           <a:lstStyle/>
           <a:p>
-            <a:pPr indent="0" lvl="0" marL="0" rtl="0" algn="l">
+            <a:pPr marL="0" lvl="0" indent="0" algn="l" rtl="0">
               <a:spcBef>
                 <a:spcPts val="0"/>
               </a:spcBef>
@@ -1084,9 +1122,6 @@
               </a:spcAft>
               <a:buNone/>
             </a:pPr>
-            <a:r>
-              <a:t/>
-            </a:r>
             <a:endParaRPr/>
           </a:p>
         </p:txBody>
@@ -1100,11 +1135,11 @@
 </file>
 
 <file path=ppt/notesSlides/notesSlide5.xml><?xml version="1.0" encoding="utf-8"?>
-<p:notes xmlns:a="http://schemas.openxmlformats.org/drawingml/2006/main" xmlns:r="http://schemas.openxmlformats.org/officeDocument/2006/relationships" xmlns:mc="http://schemas.openxmlformats.org/markup-compatibility/2006" xmlns:mv="urn:schemas-microsoft-com:mac:vml" xmlns:p="http://schemas.openxmlformats.org/presentationml/2006/main" xmlns:c="http://schemas.openxmlformats.org/drawingml/2006/chart" xmlns:dgm="http://schemas.openxmlformats.org/drawingml/2006/diagram" xmlns:o="urn:schemas-microsoft-com:office:office" xmlns:v="urn:schemas-microsoft-com:vml" xmlns:pvml="urn:schemas-microsoft-com:office:powerpoint" xmlns:com="http://schemas.openxmlformats.org/drawingml/2006/compatibility" xmlns:p14="http://schemas.microsoft.com/office/powerpoint/2010/main" xmlns:p15="http://schemas.microsoft.com/office/powerpoint/2012/main" xmlns:ahyp="http://schemas.microsoft.com/office/drawing/2018/hyperlinkcolor" showMasterPhAnim="0" showMasterSp="0">
+<p:notes xmlns:a="http://schemas.openxmlformats.org/drawingml/2006/main" xmlns:r="http://schemas.openxmlformats.org/officeDocument/2006/relationships" xmlns:p="http://schemas.openxmlformats.org/presentationml/2006/main" showMasterSp="0" showMasterPhAnim="0">
   <p:cSld>
     <p:spTree>
       <p:nvGrpSpPr>
-        <p:cNvPr id="149" name="Shape 149"/>
+        <p:cNvPr id="1" name="Shape 149"/>
         <p:cNvGrpSpPr/>
         <p:nvPr/>
       </p:nvGrpSpPr>
@@ -1119,9 +1154,11 @@
       <p:sp>
         <p:nvSpPr>
           <p:cNvPr id="150" name="Google Shape;150;g12ef2133109_1_156:notes"/>
-          <p:cNvSpPr/>
+          <p:cNvSpPr>
+            <a:spLocks noGrp="1" noRot="1" noChangeAspect="1"/>
+          </p:cNvSpPr>
           <p:nvPr>
-            <p:ph idx="2" type="sldImg"/>
+            <p:ph type="sldImg" idx="2"/>
           </p:nvPr>
         </p:nvSpPr>
         <p:spPr>
@@ -1130,9 +1167,13 @@
             <a:ext cx="6096000" cy="3429000"/>
           </a:xfrm>
           <a:custGeom>
-            <a:rect b="b" l="l" r="r" t="t"/>
+            <a:avLst/>
+            <a:gdLst/>
+            <a:ahLst/>
+            <a:cxnLst/>
+            <a:rect l="l" t="t" r="r" b="b"/>
             <a:pathLst>
-              <a:path extrusionOk="0" h="120000" w="120000">
+              <a:path w="120000" h="120000" extrusionOk="0">
                 <a:moveTo>
                   <a:pt x="0" y="0"/>
                 </a:moveTo>
@@ -1154,9 +1195,11 @@
       <p:sp>
         <p:nvSpPr>
           <p:cNvPr id="151" name="Google Shape;151;g12ef2133109_1_156:notes"/>
-          <p:cNvSpPr txBox="1"/>
+          <p:cNvSpPr txBox="1">
+            <a:spLocks noGrp="1"/>
+          </p:cNvSpPr>
           <p:nvPr>
-            <p:ph idx="1" type="body"/>
+            <p:ph type="body" idx="1"/>
           </p:nvPr>
         </p:nvSpPr>
         <p:spPr>
@@ -1169,12 +1212,12 @@
           </a:prstGeom>
         </p:spPr>
         <p:txBody>
-          <a:bodyPr anchorCtr="0" anchor="t" bIns="91425" lIns="91425" spcFirstLastPara="1" rIns="91425" wrap="square" tIns="91425">
+          <a:bodyPr spcFirstLastPara="1" wrap="square" lIns="91425" tIns="91425" rIns="91425" bIns="91425" anchor="t" anchorCtr="0">
             <a:noAutofit/>
           </a:bodyPr>
           <a:lstStyle/>
           <a:p>
-            <a:pPr indent="0" lvl="0" marL="0" rtl="0" algn="l">
+            <a:pPr marL="0" lvl="0" indent="0" algn="l" rtl="0">
               <a:spcBef>
                 <a:spcPts val="0"/>
               </a:spcBef>
@@ -1183,9 +1226,6 @@
               </a:spcAft>
               <a:buNone/>
             </a:pPr>
-            <a:r>
-              <a:t/>
-            </a:r>
             <a:endParaRPr/>
           </a:p>
         </p:txBody>
@@ -1199,11 +1239,11 @@
 </file>
 
 <file path=ppt/notesSlides/notesSlide6.xml><?xml version="1.0" encoding="utf-8"?>
-<p:notes xmlns:a="http://schemas.openxmlformats.org/drawingml/2006/main" xmlns:r="http://schemas.openxmlformats.org/officeDocument/2006/relationships" xmlns:mc="http://schemas.openxmlformats.org/markup-compatibility/2006" xmlns:mv="urn:schemas-microsoft-com:mac:vml" xmlns:p="http://schemas.openxmlformats.org/presentationml/2006/main" xmlns:c="http://schemas.openxmlformats.org/drawingml/2006/chart" xmlns:dgm="http://schemas.openxmlformats.org/drawingml/2006/diagram" xmlns:o="urn:schemas-microsoft-com:office:office" xmlns:v="urn:schemas-microsoft-com:vml" xmlns:pvml="urn:schemas-microsoft-com:office:powerpoint" xmlns:com="http://schemas.openxmlformats.org/drawingml/2006/compatibility" xmlns:p14="http://schemas.microsoft.com/office/powerpoint/2010/main" xmlns:p15="http://schemas.microsoft.com/office/powerpoint/2012/main" xmlns:ahyp="http://schemas.microsoft.com/office/drawing/2018/hyperlinkcolor" showMasterPhAnim="0" showMasterSp="0">
+<p:notes xmlns:a="http://schemas.openxmlformats.org/drawingml/2006/main" xmlns:r="http://schemas.openxmlformats.org/officeDocument/2006/relationships" xmlns:p="http://schemas.openxmlformats.org/presentationml/2006/main" showMasterSp="0" showMasterPhAnim="0">
   <p:cSld>
     <p:spTree>
       <p:nvGrpSpPr>
-        <p:cNvPr id="155" name="Shape 155"/>
+        <p:cNvPr id="1" name="Shape 155"/>
         <p:cNvGrpSpPr/>
         <p:nvPr/>
       </p:nvGrpSpPr>
@@ -1218,9 +1258,11 @@
       <p:sp>
         <p:nvSpPr>
           <p:cNvPr id="156" name="Google Shape;156;g12ef2133109_1_165:notes"/>
-          <p:cNvSpPr/>
+          <p:cNvSpPr>
+            <a:spLocks noGrp="1" noRot="1" noChangeAspect="1"/>
+          </p:cNvSpPr>
           <p:nvPr>
-            <p:ph idx="2" type="sldImg"/>
+            <p:ph type="sldImg" idx="2"/>
           </p:nvPr>
         </p:nvSpPr>
         <p:spPr>
@@ -1229,9 +1271,13 @@
             <a:ext cx="6096000" cy="3429000"/>
           </a:xfrm>
           <a:custGeom>
-            <a:rect b="b" l="l" r="r" t="t"/>
+            <a:avLst/>
+            <a:gdLst/>
+            <a:ahLst/>
+            <a:cxnLst/>
+            <a:rect l="l" t="t" r="r" b="b"/>
             <a:pathLst>
-              <a:path extrusionOk="0" h="120000" w="120000">
+              <a:path w="120000" h="120000" extrusionOk="0">
                 <a:moveTo>
                   <a:pt x="0" y="0"/>
                 </a:moveTo>
@@ -1253,9 +1299,11 @@
       <p:sp>
         <p:nvSpPr>
           <p:cNvPr id="157" name="Google Shape;157;g12ef2133109_1_165:notes"/>
-          <p:cNvSpPr txBox="1"/>
+          <p:cNvSpPr txBox="1">
+            <a:spLocks noGrp="1"/>
+          </p:cNvSpPr>
           <p:nvPr>
-            <p:ph idx="1" type="body"/>
+            <p:ph type="body" idx="1"/>
           </p:nvPr>
         </p:nvSpPr>
         <p:spPr>
@@ -1268,12 +1316,12 @@
           </a:prstGeom>
         </p:spPr>
         <p:txBody>
-          <a:bodyPr anchorCtr="0" anchor="t" bIns="91425" lIns="91425" spcFirstLastPara="1" rIns="91425" wrap="square" tIns="91425">
+          <a:bodyPr spcFirstLastPara="1" wrap="square" lIns="91425" tIns="91425" rIns="91425" bIns="91425" anchor="t" anchorCtr="0">
             <a:noAutofit/>
           </a:bodyPr>
           <a:lstStyle/>
           <a:p>
-            <a:pPr indent="0" lvl="0" marL="0" rtl="0" algn="l">
+            <a:pPr marL="0" lvl="0" indent="0" algn="l" rtl="0">
               <a:spcBef>
                 <a:spcPts val="0"/>
               </a:spcBef>
@@ -1282,9 +1330,6 @@
               </a:spcAft>
               <a:buNone/>
             </a:pPr>
-            <a:r>
-              <a:t/>
-            </a:r>
             <a:endParaRPr/>
           </a:p>
         </p:txBody>
@@ -1298,11 +1343,11 @@
 </file>
 
 <file path=ppt/notesSlides/notesSlide7.xml><?xml version="1.0" encoding="utf-8"?>
-<p:notes xmlns:a="http://schemas.openxmlformats.org/drawingml/2006/main" xmlns:r="http://schemas.openxmlformats.org/officeDocument/2006/relationships" xmlns:mc="http://schemas.openxmlformats.org/markup-compatibility/2006" xmlns:mv="urn:schemas-microsoft-com:mac:vml" xmlns:p="http://schemas.openxmlformats.org/presentationml/2006/main" xmlns:c="http://schemas.openxmlformats.org/drawingml/2006/chart" xmlns:dgm="http://schemas.openxmlformats.org/drawingml/2006/diagram" xmlns:o="urn:schemas-microsoft-com:office:office" xmlns:v="urn:schemas-microsoft-com:vml" xmlns:pvml="urn:schemas-microsoft-com:office:powerpoint" xmlns:com="http://schemas.openxmlformats.org/drawingml/2006/compatibility" xmlns:p14="http://schemas.microsoft.com/office/powerpoint/2010/main" xmlns:p15="http://schemas.microsoft.com/office/powerpoint/2012/main" xmlns:ahyp="http://schemas.microsoft.com/office/drawing/2018/hyperlinkcolor" showMasterPhAnim="0" showMasterSp="0">
+<p:notes xmlns:a="http://schemas.openxmlformats.org/drawingml/2006/main" xmlns:r="http://schemas.openxmlformats.org/officeDocument/2006/relationships" xmlns:p="http://schemas.openxmlformats.org/presentationml/2006/main" showMasterSp="0" showMasterPhAnim="0">
   <p:cSld>
     <p:spTree>
       <p:nvGrpSpPr>
-        <p:cNvPr id="161" name="Shape 161"/>
+        <p:cNvPr id="1" name="Shape 161"/>
         <p:cNvGrpSpPr/>
         <p:nvPr/>
       </p:nvGrpSpPr>
@@ -1317,9 +1362,11 @@
       <p:sp>
         <p:nvSpPr>
           <p:cNvPr id="162" name="Google Shape;162;g12ef2133109_1_172:notes"/>
-          <p:cNvSpPr/>
+          <p:cNvSpPr>
+            <a:spLocks noGrp="1" noRot="1" noChangeAspect="1"/>
+          </p:cNvSpPr>
           <p:nvPr>
-            <p:ph idx="2" type="sldImg"/>
+            <p:ph type="sldImg" idx="2"/>
           </p:nvPr>
         </p:nvSpPr>
         <p:spPr>
@@ -1328,9 +1375,13 @@
             <a:ext cx="6096000" cy="3429000"/>
           </a:xfrm>
           <a:custGeom>
-            <a:rect b="b" l="l" r="r" t="t"/>
+            <a:avLst/>
+            <a:gdLst/>
+            <a:ahLst/>
+            <a:cxnLst/>
+            <a:rect l="l" t="t" r="r" b="b"/>
             <a:pathLst>
-              <a:path extrusionOk="0" h="120000" w="120000">
+              <a:path w="120000" h="120000" extrusionOk="0">
                 <a:moveTo>
                   <a:pt x="0" y="0"/>
                 </a:moveTo>
@@ -1352,9 +1403,11 @@
       <p:sp>
         <p:nvSpPr>
           <p:cNvPr id="163" name="Google Shape;163;g12ef2133109_1_172:notes"/>
-          <p:cNvSpPr txBox="1"/>
+          <p:cNvSpPr txBox="1">
+            <a:spLocks noGrp="1"/>
+          </p:cNvSpPr>
           <p:nvPr>
-            <p:ph idx="1" type="body"/>
+            <p:ph type="body" idx="1"/>
           </p:nvPr>
         </p:nvSpPr>
         <p:spPr>
@@ -1367,12 +1420,12 @@
           </a:prstGeom>
         </p:spPr>
         <p:txBody>
-          <a:bodyPr anchorCtr="0" anchor="t" bIns="91425" lIns="91425" spcFirstLastPara="1" rIns="91425" wrap="square" tIns="91425">
+          <a:bodyPr spcFirstLastPara="1" wrap="square" lIns="91425" tIns="91425" rIns="91425" bIns="91425" anchor="t" anchorCtr="0">
             <a:noAutofit/>
           </a:bodyPr>
           <a:lstStyle/>
           <a:p>
-            <a:pPr indent="0" lvl="0" marL="0" rtl="0" algn="l">
+            <a:pPr marL="0" lvl="0" indent="0" algn="l" rtl="0">
               <a:spcBef>
                 <a:spcPts val="0"/>
               </a:spcBef>
@@ -1381,9 +1434,6 @@
               </a:spcAft>
               <a:buNone/>
             </a:pPr>
-            <a:r>
-              <a:t/>
-            </a:r>
             <a:endParaRPr/>
           </a:p>
         </p:txBody>
@@ -1397,11 +1447,11 @@
 </file>
 
 <file path=ppt/notesSlides/notesSlide8.xml><?xml version="1.0" encoding="utf-8"?>
-<p:notes xmlns:a="http://schemas.openxmlformats.org/drawingml/2006/main" xmlns:r="http://schemas.openxmlformats.org/officeDocument/2006/relationships" xmlns:mc="http://schemas.openxmlformats.org/markup-compatibility/2006" xmlns:mv="urn:schemas-microsoft-com:mac:vml" xmlns:p="http://schemas.openxmlformats.org/presentationml/2006/main" xmlns:c="http://schemas.openxmlformats.org/drawingml/2006/chart" xmlns:dgm="http://schemas.openxmlformats.org/drawingml/2006/diagram" xmlns:o="urn:schemas-microsoft-com:office:office" xmlns:v="urn:schemas-microsoft-com:vml" xmlns:pvml="urn:schemas-microsoft-com:office:powerpoint" xmlns:com="http://schemas.openxmlformats.org/drawingml/2006/compatibility" xmlns:p14="http://schemas.microsoft.com/office/powerpoint/2010/main" xmlns:p15="http://schemas.microsoft.com/office/powerpoint/2012/main" xmlns:ahyp="http://schemas.microsoft.com/office/drawing/2018/hyperlinkcolor" showMasterPhAnim="0" showMasterSp="0">
+<p:notes xmlns:a="http://schemas.openxmlformats.org/drawingml/2006/main" xmlns:r="http://schemas.openxmlformats.org/officeDocument/2006/relationships" xmlns:p="http://schemas.openxmlformats.org/presentationml/2006/main" showMasterSp="0" showMasterPhAnim="0">
   <p:cSld>
     <p:spTree>
       <p:nvGrpSpPr>
-        <p:cNvPr id="167" name="Shape 167"/>
+        <p:cNvPr id="1" name="Shape 167"/>
         <p:cNvGrpSpPr/>
         <p:nvPr/>
       </p:nvGrpSpPr>
@@ -1416,9 +1466,11 @@
       <p:sp>
         <p:nvSpPr>
           <p:cNvPr id="168" name="Google Shape;168;g12ef2133109_1_179:notes"/>
-          <p:cNvSpPr/>
+          <p:cNvSpPr>
+            <a:spLocks noGrp="1" noRot="1" noChangeAspect="1"/>
+          </p:cNvSpPr>
           <p:nvPr>
-            <p:ph idx="2" type="sldImg"/>
+            <p:ph type="sldImg" idx="2"/>
           </p:nvPr>
         </p:nvSpPr>
         <p:spPr>
@@ -1427,9 +1479,13 @@
             <a:ext cx="6096000" cy="3429000"/>
           </a:xfrm>
           <a:custGeom>
-            <a:rect b="b" l="l" r="r" t="t"/>
+            <a:avLst/>
+            <a:gdLst/>
+            <a:ahLst/>
+            <a:cxnLst/>
+            <a:rect l="l" t="t" r="r" b="b"/>
             <a:pathLst>
-              <a:path extrusionOk="0" h="120000" w="120000">
+              <a:path w="120000" h="120000" extrusionOk="0">
                 <a:moveTo>
                   <a:pt x="0" y="0"/>
                 </a:moveTo>
@@ -1451,9 +1507,11 @@
       <p:sp>
         <p:nvSpPr>
           <p:cNvPr id="169" name="Google Shape;169;g12ef2133109_1_179:notes"/>
-          <p:cNvSpPr txBox="1"/>
+          <p:cNvSpPr txBox="1">
+            <a:spLocks noGrp="1"/>
+          </p:cNvSpPr>
           <p:nvPr>
-            <p:ph idx="1" type="body"/>
+            <p:ph type="body" idx="1"/>
           </p:nvPr>
         </p:nvSpPr>
         <p:spPr>
@@ -1466,12 +1524,12 @@
           </a:prstGeom>
         </p:spPr>
         <p:txBody>
-          <a:bodyPr anchorCtr="0" anchor="t" bIns="91425" lIns="91425" spcFirstLastPara="1" rIns="91425" wrap="square" tIns="91425">
+          <a:bodyPr spcFirstLastPara="1" wrap="square" lIns="91425" tIns="91425" rIns="91425" bIns="91425" anchor="t" anchorCtr="0">
             <a:noAutofit/>
           </a:bodyPr>
           <a:lstStyle/>
           <a:p>
-            <a:pPr indent="0" lvl="0" marL="0" rtl="0" algn="l">
+            <a:pPr marL="0" lvl="0" indent="0" algn="l" rtl="0">
               <a:spcBef>
                 <a:spcPts val="0"/>
               </a:spcBef>
@@ -1480,9 +1538,6 @@
               </a:spcAft>
               <a:buNone/>
             </a:pPr>
-            <a:r>
-              <a:t/>
-            </a:r>
             <a:endParaRPr/>
           </a:p>
         </p:txBody>
@@ -1496,11 +1551,11 @@
 </file>
 
 <file path=ppt/notesSlides/notesSlide9.xml><?xml version="1.0" encoding="utf-8"?>
-<p:notes xmlns:a="http://schemas.openxmlformats.org/drawingml/2006/main" xmlns:r="http://schemas.openxmlformats.org/officeDocument/2006/relationships" xmlns:mc="http://schemas.openxmlformats.org/markup-compatibility/2006" xmlns:mv="urn:schemas-microsoft-com:mac:vml" xmlns:p="http://schemas.openxmlformats.org/presentationml/2006/main" xmlns:c="http://schemas.openxmlformats.org/drawingml/2006/chart" xmlns:dgm="http://schemas.openxmlformats.org/drawingml/2006/diagram" xmlns:o="urn:schemas-microsoft-com:office:office" xmlns:v="urn:schemas-microsoft-com:vml" xmlns:pvml="urn:schemas-microsoft-com:office:powerpoint" xmlns:com="http://schemas.openxmlformats.org/drawingml/2006/compatibility" xmlns:p14="http://schemas.microsoft.com/office/powerpoint/2010/main" xmlns:p15="http://schemas.microsoft.com/office/powerpoint/2012/main" xmlns:ahyp="http://schemas.microsoft.com/office/drawing/2018/hyperlinkcolor" showMasterPhAnim="0" showMasterSp="0">
+<p:notes xmlns:a="http://schemas.openxmlformats.org/drawingml/2006/main" xmlns:r="http://schemas.openxmlformats.org/officeDocument/2006/relationships" xmlns:p="http://schemas.openxmlformats.org/presentationml/2006/main" showMasterSp="0" showMasterPhAnim="0">
   <p:cSld>
     <p:spTree>
       <p:nvGrpSpPr>
-        <p:cNvPr id="173" name="Shape 173"/>
+        <p:cNvPr id="1" name="Shape 173"/>
         <p:cNvGrpSpPr/>
         <p:nvPr/>
       </p:nvGrpSpPr>
@@ -1515,9 +1570,11 @@
       <p:sp>
         <p:nvSpPr>
           <p:cNvPr id="174" name="Google Shape;174;g12ef2133109_1_186:notes"/>
-          <p:cNvSpPr/>
+          <p:cNvSpPr>
+            <a:spLocks noGrp="1" noRot="1" noChangeAspect="1"/>
+          </p:cNvSpPr>
           <p:nvPr>
-            <p:ph idx="2" type="sldImg"/>
+            <p:ph type="sldImg" idx="2"/>
           </p:nvPr>
         </p:nvSpPr>
         <p:spPr>
@@ -1526,9 +1583,13 @@
             <a:ext cx="6096000" cy="3429000"/>
           </a:xfrm>
           <a:custGeom>
-            <a:rect b="b" l="l" r="r" t="t"/>
+            <a:avLst/>
+            <a:gdLst/>
+            <a:ahLst/>
+            <a:cxnLst/>
+            <a:rect l="l" t="t" r="r" b="b"/>
             <a:pathLst>
-              <a:path extrusionOk="0" h="120000" w="120000">
+              <a:path w="120000" h="120000" extrusionOk="0">
                 <a:moveTo>
                   <a:pt x="0" y="0"/>
                 </a:moveTo>
@@ -1550,9 +1611,11 @@
       <p:sp>
         <p:nvSpPr>
           <p:cNvPr id="175" name="Google Shape;175;g12ef2133109_1_186:notes"/>
-          <p:cNvSpPr txBox="1"/>
+          <p:cNvSpPr txBox="1">
+            <a:spLocks noGrp="1"/>
+          </p:cNvSpPr>
           <p:nvPr>
-            <p:ph idx="1" type="body"/>
+            <p:ph type="body" idx="1"/>
           </p:nvPr>
         </p:nvSpPr>
         <p:spPr>
@@ -1565,12 +1628,12 @@
           </a:prstGeom>
         </p:spPr>
         <p:txBody>
-          <a:bodyPr anchorCtr="0" anchor="t" bIns="91425" lIns="91425" spcFirstLastPara="1" rIns="91425" wrap="square" tIns="91425">
+          <a:bodyPr spcFirstLastPara="1" wrap="square" lIns="91425" tIns="91425" rIns="91425" bIns="91425" anchor="t" anchorCtr="0">
             <a:noAutofit/>
           </a:bodyPr>
           <a:lstStyle/>
           <a:p>
-            <a:pPr indent="0" lvl="0" marL="0" rtl="0" algn="l">
+            <a:pPr marL="0" lvl="0" indent="0" algn="l" rtl="0">
               <a:spcBef>
                 <a:spcPts val="0"/>
               </a:spcBef>
@@ -1579,9 +1642,6 @@
               </a:spcAft>
               <a:buNone/>
             </a:pPr>
-            <a:r>
-              <a:t/>
-            </a:r>
             <a:endParaRPr/>
           </a:p>
         </p:txBody>
@@ -1595,18 +1655,19 @@
 </file>
 
 <file path=ppt/slideLayouts/slideLayout1.xml><?xml version="1.0" encoding="utf-8"?>
-<p:sldLayout xmlns:a="http://schemas.openxmlformats.org/drawingml/2006/main" xmlns:r="http://schemas.openxmlformats.org/officeDocument/2006/relationships" xmlns:mc="http://schemas.openxmlformats.org/markup-compatibility/2006" xmlns:mv="urn:schemas-microsoft-com:mac:vml" xmlns:p="http://schemas.openxmlformats.org/presentationml/2006/main" xmlns:c="http://schemas.openxmlformats.org/drawingml/2006/chart" xmlns:dgm="http://schemas.openxmlformats.org/drawingml/2006/diagram" xmlns:o="urn:schemas-microsoft-com:office:office" xmlns:v="urn:schemas-microsoft-com:vml" xmlns:pvml="urn:schemas-microsoft-com:office:powerpoint" xmlns:com="http://schemas.openxmlformats.org/drawingml/2006/compatibility" xmlns:p14="http://schemas.microsoft.com/office/powerpoint/2010/main" xmlns:p15="http://schemas.microsoft.com/office/powerpoint/2012/main" xmlns:ahyp="http://schemas.microsoft.com/office/drawing/2018/hyperlinkcolor" matchingName="Title slide" type="title">
+<p:sldLayout xmlns:a="http://schemas.openxmlformats.org/drawingml/2006/main" xmlns:r="http://schemas.openxmlformats.org/officeDocument/2006/relationships" xmlns:p="http://schemas.openxmlformats.org/presentationml/2006/main" matchingName="Title slide" type="title">
   <p:cSld name="TITLE">
     <p:bg>
       <p:bgPr>
         <a:solidFill>
           <a:schemeClr val="accent6"/>
         </a:solidFill>
+        <a:effectLst/>
       </p:bgPr>
     </p:bg>
     <p:spTree>
       <p:nvGrpSpPr>
-        <p:cNvPr id="9" name="Shape 9"/>
+        <p:cNvPr id="1" name="Shape 9"/>
         <p:cNvGrpSpPr/>
         <p:nvPr/>
       </p:nvGrpSpPr>
@@ -1640,12 +1701,12 @@
           </a:ln>
         </p:spPr>
         <p:txBody>
-          <a:bodyPr anchorCtr="0" anchor="ctr" bIns="91425" lIns="91425" spcFirstLastPara="1" rIns="91425" wrap="square" tIns="91425">
+          <a:bodyPr spcFirstLastPara="1" wrap="square" lIns="91425" tIns="91425" rIns="91425" bIns="91425" anchor="ctr" anchorCtr="0">
             <a:noAutofit/>
           </a:bodyPr>
           <a:lstStyle/>
           <a:p>
-            <a:pPr indent="0" lvl="0" marL="0" rtl="0" algn="l">
+            <a:pPr marL="0" lvl="0" indent="0" algn="l" rtl="0">
               <a:spcBef>
                 <a:spcPts val="0"/>
               </a:spcBef>
@@ -1654,9 +1715,6 @@
               </a:spcAft>
               <a:buNone/>
             </a:pPr>
-            <a:r>
-              <a:t/>
-            </a:r>
             <a:endParaRPr/>
           </a:p>
         </p:txBody>
@@ -1683,12 +1741,12 @@
           </a:ln>
         </p:spPr>
         <p:txBody>
-          <a:bodyPr anchorCtr="0" anchor="ctr" bIns="91425" lIns="91425" spcFirstLastPara="1" rIns="91425" wrap="square" tIns="91425">
+          <a:bodyPr spcFirstLastPara="1" wrap="square" lIns="91425" tIns="91425" rIns="91425" bIns="91425" anchor="ctr" anchorCtr="0">
             <a:noAutofit/>
           </a:bodyPr>
           <a:lstStyle/>
           <a:p>
-            <a:pPr indent="0" lvl="0" marL="0" rtl="0" algn="l">
+            <a:pPr marL="0" lvl="0" indent="0" algn="l" rtl="0">
               <a:spcBef>
                 <a:spcPts val="0"/>
               </a:spcBef>
@@ -1697,9 +1755,6 @@
               </a:spcAft>
               <a:buNone/>
             </a:pPr>
-            <a:r>
-              <a:t/>
-            </a:r>
             <a:endParaRPr/>
           </a:p>
         </p:txBody>
@@ -1726,12 +1781,12 @@
           </a:ln>
         </p:spPr>
         <p:txBody>
-          <a:bodyPr anchorCtr="0" anchor="ctr" bIns="91425" lIns="91425" spcFirstLastPara="1" rIns="91425" wrap="square" tIns="91425">
+          <a:bodyPr spcFirstLastPara="1" wrap="square" lIns="91425" tIns="91425" rIns="91425" bIns="91425" anchor="ctr" anchorCtr="0">
             <a:noAutofit/>
           </a:bodyPr>
           <a:lstStyle/>
           <a:p>
-            <a:pPr indent="0" lvl="0" marL="0" rtl="0" algn="l">
+            <a:pPr marL="0" lvl="0" indent="0" algn="l" rtl="0">
               <a:spcBef>
                 <a:spcPts val="0"/>
               </a:spcBef>
@@ -1740,9 +1795,6 @@
               </a:spcAft>
               <a:buNone/>
             </a:pPr>
-            <a:r>
-              <a:t/>
-            </a:r>
             <a:endParaRPr/>
           </a:p>
         </p:txBody>
@@ -1768,7 +1820,7 @@
             <a:noFill/>
           </a:ln>
           <a:effectLst>
-            <a:outerShdw blurRad="228600" sx="101000" rotWithShape="0" algn="ctr" sy="101000">
+            <a:outerShdw blurRad="228600" sx="101000" sy="101000" algn="ctr" rotWithShape="0">
               <a:srgbClr val="000000">
                 <a:alpha val="40000"/>
               </a:srgbClr>
@@ -1776,12 +1828,12 @@
           </a:effectLst>
         </p:spPr>
         <p:txBody>
-          <a:bodyPr anchorCtr="0" anchor="ctr" bIns="91425" lIns="91425" spcFirstLastPara="1" rIns="91425" wrap="square" tIns="91425">
+          <a:bodyPr spcFirstLastPara="1" wrap="square" lIns="91425" tIns="91425" rIns="91425" bIns="91425" anchor="ctr" anchorCtr="0">
             <a:noAutofit/>
           </a:bodyPr>
           <a:lstStyle/>
           <a:p>
-            <a:pPr indent="0" lvl="0" marL="0" rtl="0" algn="l">
+            <a:pPr marL="0" lvl="0" indent="0" algn="l" rtl="0">
               <a:spcBef>
                 <a:spcPts val="0"/>
               </a:spcBef>
@@ -1790,9 +1842,6 @@
               </a:spcAft>
               <a:buNone/>
             </a:pPr>
-            <a:r>
-              <a:t/>
-            </a:r>
             <a:endParaRPr/>
           </a:p>
         </p:txBody>
@@ -1824,7 +1873,7 @@
             </a:xfrm>
             <a:prstGeom prst="parallelogram">
               <a:avLst>
-                <a:gd fmla="val 153193" name="adj"/>
+                <a:gd name="adj" fmla="val 153193"/>
               </a:avLst>
             </a:prstGeom>
             <a:solidFill>
@@ -1835,12 +1884,12 @@
             </a:ln>
           </p:spPr>
           <p:txBody>
-            <a:bodyPr anchorCtr="0" anchor="ctr" bIns="91425" lIns="91425" spcFirstLastPara="1" rIns="91425" wrap="square" tIns="91425">
+            <a:bodyPr spcFirstLastPara="1" wrap="square" lIns="91425" tIns="91425" rIns="91425" bIns="91425" anchor="ctr" anchorCtr="0">
               <a:noAutofit/>
             </a:bodyPr>
             <a:lstStyle/>
             <a:p>
-              <a:pPr indent="0" lvl="0" marL="0" rtl="0" algn="l">
+              <a:pPr marL="0" lvl="0" indent="0" algn="l" rtl="0">
                 <a:spcBef>
                   <a:spcPts val="0"/>
                 </a:spcBef>
@@ -1849,9 +1898,6 @@
                 </a:spcAft>
                 <a:buNone/>
               </a:pPr>
-              <a:r>
-                <a:t/>
-              </a:r>
               <a:endParaRPr/>
             </a:p>
           </p:txBody>
@@ -1869,7 +1915,7 @@
             </a:xfrm>
             <a:prstGeom prst="parallelogram">
               <a:avLst>
-                <a:gd fmla="val 153193" name="adj"/>
+                <a:gd name="adj" fmla="val 153193"/>
               </a:avLst>
             </a:prstGeom>
             <a:solidFill>
@@ -1880,12 +1926,12 @@
             </a:ln>
           </p:spPr>
           <p:txBody>
-            <a:bodyPr anchorCtr="0" anchor="ctr" bIns="91425" lIns="91425" spcFirstLastPara="1" rIns="91425" wrap="square" tIns="91425">
+            <a:bodyPr spcFirstLastPara="1" wrap="square" lIns="91425" tIns="91425" rIns="91425" bIns="91425" anchor="ctr" anchorCtr="0">
               <a:noAutofit/>
             </a:bodyPr>
             <a:lstStyle/>
             <a:p>
-              <a:pPr indent="0" lvl="0" marL="0" rtl="0" algn="l">
+              <a:pPr marL="0" lvl="0" indent="0" algn="l" rtl="0">
                 <a:spcBef>
                   <a:spcPts val="0"/>
                 </a:spcBef>
@@ -1894,9 +1940,6 @@
                 </a:spcAft>
                 <a:buNone/>
               </a:pPr>
-              <a:r>
-                <a:t/>
-              </a:r>
               <a:endParaRPr/>
             </a:p>
           </p:txBody>
@@ -1914,7 +1957,7 @@
             </a:xfrm>
             <a:prstGeom prst="parallelogram">
               <a:avLst>
-                <a:gd fmla="val 153193" name="adj"/>
+                <a:gd name="adj" fmla="val 153193"/>
               </a:avLst>
             </a:prstGeom>
             <a:solidFill>
@@ -1925,12 +1968,12 @@
             </a:ln>
           </p:spPr>
           <p:txBody>
-            <a:bodyPr anchorCtr="0" anchor="ctr" bIns="91425" lIns="91425" spcFirstLastPara="1" rIns="91425" wrap="square" tIns="91425">
+            <a:bodyPr spcFirstLastPara="1" wrap="square" lIns="91425" tIns="91425" rIns="91425" bIns="91425" anchor="ctr" anchorCtr="0">
               <a:noAutofit/>
             </a:bodyPr>
             <a:lstStyle/>
             <a:p>
-              <a:pPr indent="0" lvl="0" marL="0" rtl="0" algn="l">
+              <a:pPr marL="0" lvl="0" indent="0" algn="l" rtl="0">
                 <a:spcBef>
                   <a:spcPts val="0"/>
                 </a:spcBef>
@@ -1939,9 +1982,6 @@
                 </a:spcAft>
                 <a:buNone/>
               </a:pPr>
-              <a:r>
-                <a:t/>
-              </a:r>
               <a:endParaRPr/>
             </a:p>
           </p:txBody>
@@ -1974,7 +2014,7 @@
             </a:xfrm>
             <a:prstGeom prst="parallelogram">
               <a:avLst>
-                <a:gd fmla="val 153193" name="adj"/>
+                <a:gd name="adj" fmla="val 153193"/>
               </a:avLst>
             </a:prstGeom>
             <a:solidFill>
@@ -1985,12 +2025,12 @@
             </a:ln>
           </p:spPr>
           <p:txBody>
-            <a:bodyPr anchorCtr="0" anchor="ctr" bIns="91425" lIns="91425" spcFirstLastPara="1" rIns="91425" wrap="square" tIns="91425">
+            <a:bodyPr spcFirstLastPara="1" wrap="square" lIns="91425" tIns="91425" rIns="91425" bIns="91425" anchor="ctr" anchorCtr="0">
               <a:noAutofit/>
             </a:bodyPr>
             <a:lstStyle/>
             <a:p>
-              <a:pPr indent="0" lvl="0" marL="0" rtl="0" algn="l">
+              <a:pPr marL="0" lvl="0" indent="0" algn="l" rtl="0">
                 <a:spcBef>
                   <a:spcPts val="0"/>
                 </a:spcBef>
@@ -1999,9 +2039,6 @@
                 </a:spcAft>
                 <a:buNone/>
               </a:pPr>
-              <a:r>
-                <a:t/>
-              </a:r>
               <a:endParaRPr/>
             </a:p>
           </p:txBody>
@@ -2019,7 +2056,7 @@
             </a:xfrm>
             <a:prstGeom prst="parallelogram">
               <a:avLst>
-                <a:gd fmla="val 153193" name="adj"/>
+                <a:gd name="adj" fmla="val 153193"/>
               </a:avLst>
             </a:prstGeom>
             <a:solidFill>
@@ -2030,12 +2067,12 @@
             </a:ln>
           </p:spPr>
           <p:txBody>
-            <a:bodyPr anchorCtr="0" anchor="ctr" bIns="91425" lIns="91425" spcFirstLastPara="1" rIns="91425" wrap="square" tIns="91425">
+            <a:bodyPr spcFirstLastPara="1" wrap="square" lIns="91425" tIns="91425" rIns="91425" bIns="91425" anchor="ctr" anchorCtr="0">
               <a:noAutofit/>
             </a:bodyPr>
             <a:lstStyle/>
             <a:p>
-              <a:pPr indent="0" lvl="0" marL="0" rtl="0" algn="l">
+              <a:pPr marL="0" lvl="0" indent="0" algn="l" rtl="0">
                 <a:spcBef>
                   <a:spcPts val="0"/>
                 </a:spcBef>
@@ -2044,9 +2081,6 @@
                 </a:spcAft>
                 <a:buNone/>
               </a:pPr>
-              <a:r>
-                <a:t/>
-              </a:r>
               <a:endParaRPr/>
             </a:p>
           </p:txBody>
@@ -2064,7 +2098,7 @@
             </a:xfrm>
             <a:prstGeom prst="parallelogram">
               <a:avLst>
-                <a:gd fmla="val 153193" name="adj"/>
+                <a:gd name="adj" fmla="val 153193"/>
               </a:avLst>
             </a:prstGeom>
             <a:solidFill>
@@ -2075,12 +2109,12 @@
             </a:ln>
           </p:spPr>
           <p:txBody>
-            <a:bodyPr anchorCtr="0" anchor="ctr" bIns="91425" lIns="91425" spcFirstLastPara="1" rIns="91425" wrap="square" tIns="91425">
+            <a:bodyPr spcFirstLastPara="1" wrap="square" lIns="91425" tIns="91425" rIns="91425" bIns="91425" anchor="ctr" anchorCtr="0">
               <a:noAutofit/>
             </a:bodyPr>
             <a:lstStyle/>
             <a:p>
-              <a:pPr indent="0" lvl="0" marL="0" rtl="0" algn="l">
+              <a:pPr marL="0" lvl="0" indent="0" algn="l" rtl="0">
                 <a:spcBef>
                   <a:spcPts val="0"/>
                 </a:spcBef>
@@ -2089,9 +2123,6 @@
                 </a:spcAft>
                 <a:buNone/>
               </a:pPr>
-              <a:r>
-                <a:t/>
-              </a:r>
               <a:endParaRPr/>
             </a:p>
           </p:txBody>
@@ -2124,7 +2155,7 @@
             </a:xfrm>
             <a:prstGeom prst="parallelogram">
               <a:avLst>
-                <a:gd fmla="val 158024" name="adj"/>
+                <a:gd name="adj" fmla="val 158024"/>
               </a:avLst>
             </a:prstGeom>
             <a:solidFill>
@@ -2135,12 +2166,12 @@
             </a:ln>
           </p:spPr>
           <p:txBody>
-            <a:bodyPr anchorCtr="0" anchor="ctr" bIns="91425" lIns="91425" spcFirstLastPara="1" rIns="91425" wrap="square" tIns="91425">
+            <a:bodyPr spcFirstLastPara="1" wrap="square" lIns="91425" tIns="91425" rIns="91425" bIns="91425" anchor="ctr" anchorCtr="0">
               <a:noAutofit/>
             </a:bodyPr>
             <a:lstStyle/>
             <a:p>
-              <a:pPr indent="0" lvl="0" marL="0" rtl="0" algn="l">
+              <a:pPr marL="0" lvl="0" indent="0" algn="l" rtl="0">
                 <a:spcBef>
                   <a:spcPts val="0"/>
                 </a:spcBef>
@@ -2149,9 +2180,6 @@
                 </a:spcAft>
                 <a:buNone/>
               </a:pPr>
-              <a:r>
-                <a:t/>
-              </a:r>
               <a:endParaRPr/>
             </a:p>
           </p:txBody>
@@ -2169,7 +2197,7 @@
             </a:xfrm>
             <a:prstGeom prst="parallelogram">
               <a:avLst>
-                <a:gd fmla="val 158024" name="adj"/>
+                <a:gd name="adj" fmla="val 158024"/>
               </a:avLst>
             </a:prstGeom>
             <a:solidFill>
@@ -2180,12 +2208,12 @@
             </a:ln>
           </p:spPr>
           <p:txBody>
-            <a:bodyPr anchorCtr="0" anchor="ctr" bIns="91425" lIns="91425" spcFirstLastPara="1" rIns="91425" wrap="square" tIns="91425">
+            <a:bodyPr spcFirstLastPara="1" wrap="square" lIns="91425" tIns="91425" rIns="91425" bIns="91425" anchor="ctr" anchorCtr="0">
               <a:noAutofit/>
             </a:bodyPr>
             <a:lstStyle/>
             <a:p>
-              <a:pPr indent="0" lvl="0" marL="0" rtl="0" algn="l">
+              <a:pPr marL="0" lvl="0" indent="0" algn="l" rtl="0">
                 <a:spcBef>
                   <a:spcPts val="0"/>
                 </a:spcBef>
@@ -2194,9 +2222,6 @@
                 </a:spcAft>
                 <a:buNone/>
               </a:pPr>
-              <a:r>
-                <a:t/>
-              </a:r>
               <a:endParaRPr/>
             </a:p>
           </p:txBody>
@@ -2214,7 +2239,7 @@
             </a:xfrm>
             <a:prstGeom prst="parallelogram">
               <a:avLst>
-                <a:gd fmla="val 158024" name="adj"/>
+                <a:gd name="adj" fmla="val 158024"/>
               </a:avLst>
             </a:prstGeom>
             <a:solidFill>
@@ -2225,12 +2250,12 @@
             </a:ln>
           </p:spPr>
           <p:txBody>
-            <a:bodyPr anchorCtr="0" anchor="ctr" bIns="91425" lIns="91425" spcFirstLastPara="1" rIns="91425" wrap="square" tIns="91425">
+            <a:bodyPr spcFirstLastPara="1" wrap="square" lIns="91425" tIns="91425" rIns="91425" bIns="91425" anchor="ctr" anchorCtr="0">
               <a:noAutofit/>
             </a:bodyPr>
             <a:lstStyle/>
             <a:p>
-              <a:pPr indent="0" lvl="0" marL="0" rtl="0" algn="l">
+              <a:pPr marL="0" lvl="0" indent="0" algn="l" rtl="0">
                 <a:spcBef>
                   <a:spcPts val="0"/>
                 </a:spcBef>
@@ -2239,9 +2264,6 @@
                 </a:spcAft>
                 <a:buNone/>
               </a:pPr>
-              <a:r>
-                <a:t/>
-              </a:r>
               <a:endParaRPr/>
             </a:p>
           </p:txBody>
@@ -2274,7 +2296,7 @@
             </a:xfrm>
             <a:prstGeom prst="parallelogram">
               <a:avLst>
-                <a:gd fmla="val 158024" name="adj"/>
+                <a:gd name="adj" fmla="val 158024"/>
               </a:avLst>
             </a:prstGeom>
             <a:solidFill>
@@ -2285,12 +2307,12 @@
             </a:ln>
           </p:spPr>
           <p:txBody>
-            <a:bodyPr anchorCtr="0" anchor="ctr" bIns="91425" lIns="91425" spcFirstLastPara="1" rIns="91425" wrap="square" tIns="91425">
+            <a:bodyPr spcFirstLastPara="1" wrap="square" lIns="91425" tIns="91425" rIns="91425" bIns="91425" anchor="ctr" anchorCtr="0">
               <a:noAutofit/>
             </a:bodyPr>
             <a:lstStyle/>
             <a:p>
-              <a:pPr indent="0" lvl="0" marL="0" rtl="0" algn="l">
+              <a:pPr marL="0" lvl="0" indent="0" algn="l" rtl="0">
                 <a:spcBef>
                   <a:spcPts val="0"/>
                 </a:spcBef>
@@ -2299,9 +2321,6 @@
                 </a:spcAft>
                 <a:buNone/>
               </a:pPr>
-              <a:r>
-                <a:t/>
-              </a:r>
               <a:endParaRPr/>
             </a:p>
           </p:txBody>
@@ -2319,7 +2338,7 @@
             </a:xfrm>
             <a:prstGeom prst="parallelogram">
               <a:avLst>
-                <a:gd fmla="val 158024" name="adj"/>
+                <a:gd name="adj" fmla="val 158024"/>
               </a:avLst>
             </a:prstGeom>
             <a:solidFill>
@@ -2330,12 +2349,12 @@
             </a:ln>
           </p:spPr>
           <p:txBody>
-            <a:bodyPr anchorCtr="0" anchor="ctr" bIns="91425" lIns="91425" spcFirstLastPara="1" rIns="91425" wrap="square" tIns="91425">
+            <a:bodyPr spcFirstLastPara="1" wrap="square" lIns="91425" tIns="91425" rIns="91425" bIns="91425" anchor="ctr" anchorCtr="0">
               <a:noAutofit/>
             </a:bodyPr>
             <a:lstStyle/>
             <a:p>
-              <a:pPr indent="0" lvl="0" marL="0" rtl="0" algn="l">
+              <a:pPr marL="0" lvl="0" indent="0" algn="l" rtl="0">
                 <a:spcBef>
                   <a:spcPts val="0"/>
                 </a:spcBef>
@@ -2344,9 +2363,6 @@
                 </a:spcAft>
                 <a:buNone/>
               </a:pPr>
-              <a:r>
-                <a:t/>
-              </a:r>
               <a:endParaRPr/>
             </a:p>
           </p:txBody>
@@ -2364,7 +2380,7 @@
             </a:xfrm>
             <a:prstGeom prst="parallelogram">
               <a:avLst>
-                <a:gd fmla="val 158024" name="adj"/>
+                <a:gd name="adj" fmla="val 158024"/>
               </a:avLst>
             </a:prstGeom>
             <a:solidFill>
@@ -2375,12 +2391,12 @@
             </a:ln>
           </p:spPr>
           <p:txBody>
-            <a:bodyPr anchorCtr="0" anchor="ctr" bIns="91425" lIns="91425" spcFirstLastPara="1" rIns="91425" wrap="square" tIns="91425">
+            <a:bodyPr spcFirstLastPara="1" wrap="square" lIns="91425" tIns="91425" rIns="91425" bIns="91425" anchor="ctr" anchorCtr="0">
               <a:noAutofit/>
             </a:bodyPr>
             <a:lstStyle/>
             <a:p>
-              <a:pPr indent="0" lvl="0" marL="0" rtl="0" algn="l">
+              <a:pPr marL="0" lvl="0" indent="0" algn="l" rtl="0">
                 <a:spcBef>
                   <a:spcPts val="0"/>
                 </a:spcBef>
@@ -2389,9 +2405,6 @@
                 </a:spcAft>
                 <a:buNone/>
               </a:pPr>
-              <a:r>
-                <a:t/>
-              </a:r>
               <a:endParaRPr/>
             </a:p>
           </p:txBody>
@@ -2424,7 +2437,7 @@
             </a:xfrm>
             <a:prstGeom prst="parallelogram">
               <a:avLst>
-                <a:gd fmla="val 158024" name="adj"/>
+                <a:gd name="adj" fmla="val 158024"/>
               </a:avLst>
             </a:prstGeom>
             <a:solidFill>
@@ -2435,12 +2448,12 @@
             </a:ln>
           </p:spPr>
           <p:txBody>
-            <a:bodyPr anchorCtr="0" anchor="ctr" bIns="91425" lIns="91425" spcFirstLastPara="1" rIns="91425" wrap="square" tIns="91425">
+            <a:bodyPr spcFirstLastPara="1" wrap="square" lIns="91425" tIns="91425" rIns="91425" bIns="91425" anchor="ctr" anchorCtr="0">
               <a:noAutofit/>
             </a:bodyPr>
             <a:lstStyle/>
             <a:p>
-              <a:pPr indent="0" lvl="0" marL="0" rtl="0" algn="l">
+              <a:pPr marL="0" lvl="0" indent="0" algn="l" rtl="0">
                 <a:spcBef>
                   <a:spcPts val="0"/>
                 </a:spcBef>
@@ -2449,9 +2462,6 @@
                 </a:spcAft>
                 <a:buNone/>
               </a:pPr>
-              <a:r>
-                <a:t/>
-              </a:r>
               <a:endParaRPr/>
             </a:p>
           </p:txBody>
@@ -2469,7 +2479,7 @@
             </a:xfrm>
             <a:prstGeom prst="parallelogram">
               <a:avLst>
-                <a:gd fmla="val 158024" name="adj"/>
+                <a:gd name="adj" fmla="val 158024"/>
               </a:avLst>
             </a:prstGeom>
             <a:solidFill>
@@ -2480,12 +2490,12 @@
             </a:ln>
           </p:spPr>
           <p:txBody>
-            <a:bodyPr anchorCtr="0" anchor="ctr" bIns="91425" lIns="91425" spcFirstLastPara="1" rIns="91425" wrap="square" tIns="91425">
+            <a:bodyPr spcFirstLastPara="1" wrap="square" lIns="91425" tIns="91425" rIns="91425" bIns="91425" anchor="ctr" anchorCtr="0">
               <a:noAutofit/>
             </a:bodyPr>
             <a:lstStyle/>
             <a:p>
-              <a:pPr indent="0" lvl="0" marL="0" rtl="0" algn="l">
+              <a:pPr marL="0" lvl="0" indent="0" algn="l" rtl="0">
                 <a:spcBef>
                   <a:spcPts val="0"/>
                 </a:spcBef>
@@ -2494,9 +2504,6 @@
                 </a:spcAft>
                 <a:buNone/>
               </a:pPr>
-              <a:r>
-                <a:t/>
-              </a:r>
               <a:endParaRPr/>
             </a:p>
           </p:txBody>
@@ -2514,7 +2521,7 @@
             </a:xfrm>
             <a:prstGeom prst="parallelogram">
               <a:avLst>
-                <a:gd fmla="val 158024" name="adj"/>
+                <a:gd name="adj" fmla="val 158024"/>
               </a:avLst>
             </a:prstGeom>
             <a:solidFill>
@@ -2525,12 +2532,12 @@
             </a:ln>
           </p:spPr>
           <p:txBody>
-            <a:bodyPr anchorCtr="0" anchor="ctr" bIns="91425" lIns="91425" spcFirstLastPara="1" rIns="91425" wrap="square" tIns="91425">
+            <a:bodyPr spcFirstLastPara="1" wrap="square" lIns="91425" tIns="91425" rIns="91425" bIns="91425" anchor="ctr" anchorCtr="0">
               <a:noAutofit/>
             </a:bodyPr>
             <a:lstStyle/>
             <a:p>
-              <a:pPr indent="0" lvl="0" marL="0" rtl="0" algn="l">
+              <a:pPr marL="0" lvl="0" indent="0" algn="l" rtl="0">
                 <a:spcBef>
                   <a:spcPts val="0"/>
                 </a:spcBef>
@@ -2539,9 +2546,6 @@
                 </a:spcAft>
                 <a:buNone/>
               </a:pPr>
-              <a:r>
-                <a:t/>
-              </a:r>
               <a:endParaRPr/>
             </a:p>
           </p:txBody>
@@ -2550,7 +2554,9 @@
       <p:sp>
         <p:nvSpPr>
           <p:cNvPr id="34" name="Google Shape;34;p2"/>
-          <p:cNvSpPr txBox="1"/>
+          <p:cNvSpPr txBox="1">
+            <a:spLocks noGrp="1"/>
+          </p:cNvSpPr>
           <p:nvPr>
             <p:ph type="ctrTitle"/>
           </p:nvPr>
@@ -2565,7 +2571,7 @@
           </a:prstGeom>
         </p:spPr>
         <p:txBody>
-          <a:bodyPr anchorCtr="0" anchor="ctr" bIns="91425" lIns="91425" spcFirstLastPara="1" rIns="91425" wrap="square" tIns="91425">
+          <a:bodyPr spcFirstLastPara="1" wrap="square" lIns="91425" tIns="91425" rIns="91425" bIns="91425" anchor="ctr" anchorCtr="0">
             <a:normAutofit/>
           </a:bodyPr>
           <a:lstStyle>
@@ -2669,15 +2675,19 @@
               <a:defRPr sz="3800"/>
             </a:lvl9pPr>
           </a:lstStyle>
-          <a:p/>
+          <a:p>
+            <a:endParaRPr/>
+          </a:p>
         </p:txBody>
       </p:sp>
       <p:sp>
         <p:nvSpPr>
           <p:cNvPr id="35" name="Google Shape;35;p2"/>
-          <p:cNvSpPr txBox="1"/>
+          <p:cNvSpPr txBox="1">
+            <a:spLocks noGrp="1"/>
+          </p:cNvSpPr>
           <p:nvPr>
-            <p:ph idx="1" type="subTitle"/>
+            <p:ph type="subTitle" idx="1"/>
           </p:nvPr>
         </p:nvSpPr>
         <p:spPr>
@@ -2690,7 +2700,7 @@
           </a:prstGeom>
         </p:spPr>
         <p:txBody>
-          <a:bodyPr anchorCtr="0" anchor="t" bIns="91425" lIns="91425" spcFirstLastPara="1" rIns="91425" wrap="square" tIns="91425">
+          <a:bodyPr spcFirstLastPara="1" wrap="square" lIns="91425" tIns="91425" rIns="91425" bIns="91425" anchor="t" anchorCtr="0">
             <a:normAutofit/>
           </a:bodyPr>
           <a:lstStyle>
@@ -2884,15 +2894,19 @@
               </a:defRPr>
             </a:lvl9pPr>
           </a:lstStyle>
-          <a:p/>
+          <a:p>
+            <a:endParaRPr/>
+          </a:p>
         </p:txBody>
       </p:sp>
       <p:sp>
         <p:nvSpPr>
           <p:cNvPr id="36" name="Google Shape;36;p2"/>
-          <p:cNvSpPr txBox="1"/>
+          <p:cNvSpPr txBox="1">
+            <a:spLocks noGrp="1"/>
+          </p:cNvSpPr>
           <p:nvPr>
-            <p:ph idx="12" type="sldNum"/>
+            <p:ph type="sldNum" idx="12"/>
           </p:nvPr>
         </p:nvSpPr>
         <p:spPr>
@@ -2905,7 +2919,7 @@
           </a:prstGeom>
         </p:spPr>
         <p:txBody>
-          <a:bodyPr anchorCtr="0" anchor="ctr" bIns="91425" lIns="91425" spcFirstLastPara="1" rIns="91425" wrap="square" tIns="91425">
+          <a:bodyPr spcFirstLastPara="1" wrap="square" lIns="91425" tIns="91425" rIns="91425" bIns="91425" anchor="ctr" anchorCtr="0">
             <a:normAutofit/>
           </a:bodyPr>
           <a:lstStyle>
@@ -2947,7 +2961,7 @@
             </a:lvl9pPr>
           </a:lstStyle>
           <a:p>
-            <a:pPr indent="0" lvl="0" marL="0" rtl="0" algn="r">
+            <a:pPr marL="0" lvl="0" indent="0" algn="r" rtl="0">
               <a:spcBef>
                 <a:spcPts val="0"/>
               </a:spcBef>
@@ -2973,18 +2987,19 @@
 </file>
 
 <file path=ppt/slideLayouts/slideLayout10.xml><?xml version="1.0" encoding="utf-8"?>
-<p:sldLayout xmlns:a="http://schemas.openxmlformats.org/drawingml/2006/main" xmlns:r="http://schemas.openxmlformats.org/officeDocument/2006/relationships" xmlns:mc="http://schemas.openxmlformats.org/markup-compatibility/2006" xmlns:mv="urn:schemas-microsoft-com:mac:vml" xmlns:p="http://schemas.openxmlformats.org/presentationml/2006/main" xmlns:c="http://schemas.openxmlformats.org/drawingml/2006/chart" xmlns:dgm="http://schemas.openxmlformats.org/drawingml/2006/diagram" xmlns:o="urn:schemas-microsoft-com:office:office" xmlns:v="urn:schemas-microsoft-com:vml" xmlns:pvml="urn:schemas-microsoft-com:office:powerpoint" xmlns:com="http://schemas.openxmlformats.org/drawingml/2006/compatibility" xmlns:p14="http://schemas.microsoft.com/office/powerpoint/2010/main" xmlns:p15="http://schemas.microsoft.com/office/powerpoint/2012/main" xmlns:ahyp="http://schemas.microsoft.com/office/drawing/2018/hyperlinkcolor" matchingName="Big number">
+<p:sldLayout xmlns:a="http://schemas.openxmlformats.org/drawingml/2006/main" xmlns:r="http://schemas.openxmlformats.org/officeDocument/2006/relationships" xmlns:p="http://schemas.openxmlformats.org/presentationml/2006/main" matchingName="Big number">
   <p:cSld name="BIG_NUMBER">
     <p:bg>
       <p:bgPr>
         <a:solidFill>
           <a:schemeClr val="accent3"/>
         </a:solidFill>
+        <a:effectLst/>
       </p:bgPr>
     </p:bg>
     <p:spTree>
       <p:nvGrpSpPr>
-        <p:cNvPr id="109" name="Shape 109"/>
+        <p:cNvPr id="1" name="Shape 109"/>
         <p:cNvGrpSpPr/>
         <p:nvPr/>
       </p:nvGrpSpPr>
@@ -3018,12 +3033,12 @@
           </a:ln>
         </p:spPr>
         <p:txBody>
-          <a:bodyPr anchorCtr="0" anchor="ctr" bIns="91425" lIns="91425" spcFirstLastPara="1" rIns="91425" wrap="square" tIns="91425">
+          <a:bodyPr spcFirstLastPara="1" wrap="square" lIns="91425" tIns="91425" rIns="91425" bIns="91425" anchor="ctr" anchorCtr="0">
             <a:noAutofit/>
           </a:bodyPr>
           <a:lstStyle/>
           <a:p>
-            <a:pPr indent="0" lvl="0" marL="0" rtl="0" algn="l">
+            <a:pPr marL="0" lvl="0" indent="0" algn="l" rtl="0">
               <a:spcBef>
                 <a:spcPts val="0"/>
               </a:spcBef>
@@ -3032,9 +3047,6 @@
               </a:spcAft>
               <a:buNone/>
             </a:pPr>
-            <a:r>
-              <a:t/>
-            </a:r>
             <a:endParaRPr/>
           </a:p>
         </p:txBody>
@@ -3066,7 +3078,7 @@
             </a:xfrm>
             <a:prstGeom prst="parallelogram">
               <a:avLst>
-                <a:gd fmla="val 158024" name="adj"/>
+                <a:gd name="adj" fmla="val 158024"/>
               </a:avLst>
             </a:prstGeom>
             <a:solidFill>
@@ -3077,12 +3089,12 @@
             </a:ln>
           </p:spPr>
           <p:txBody>
-            <a:bodyPr anchorCtr="0" anchor="ctr" bIns="91425" lIns="91425" spcFirstLastPara="1" rIns="91425" wrap="square" tIns="91425">
+            <a:bodyPr spcFirstLastPara="1" wrap="square" lIns="91425" tIns="91425" rIns="91425" bIns="91425" anchor="ctr" anchorCtr="0">
               <a:noAutofit/>
             </a:bodyPr>
             <a:lstStyle/>
             <a:p>
-              <a:pPr indent="0" lvl="0" marL="0" rtl="0" algn="l">
+              <a:pPr marL="0" lvl="0" indent="0" algn="l" rtl="0">
                 <a:spcBef>
                   <a:spcPts val="0"/>
                 </a:spcBef>
@@ -3091,9 +3103,6 @@
                 </a:spcAft>
                 <a:buNone/>
               </a:pPr>
-              <a:r>
-                <a:t/>
-              </a:r>
               <a:endParaRPr/>
             </a:p>
           </p:txBody>
@@ -3111,7 +3120,7 @@
             </a:xfrm>
             <a:prstGeom prst="parallelogram">
               <a:avLst>
-                <a:gd fmla="val 158024" name="adj"/>
+                <a:gd name="adj" fmla="val 158024"/>
               </a:avLst>
             </a:prstGeom>
             <a:solidFill>
@@ -3122,12 +3131,12 @@
             </a:ln>
           </p:spPr>
           <p:txBody>
-            <a:bodyPr anchorCtr="0" anchor="ctr" bIns="91425" lIns="91425" spcFirstLastPara="1" rIns="91425" wrap="square" tIns="91425">
+            <a:bodyPr spcFirstLastPara="1" wrap="square" lIns="91425" tIns="91425" rIns="91425" bIns="91425" anchor="ctr" anchorCtr="0">
               <a:noAutofit/>
             </a:bodyPr>
             <a:lstStyle/>
             <a:p>
-              <a:pPr indent="0" lvl="0" marL="0" rtl="0" algn="l">
+              <a:pPr marL="0" lvl="0" indent="0" algn="l" rtl="0">
                 <a:spcBef>
                   <a:spcPts val="0"/>
                 </a:spcBef>
@@ -3136,9 +3145,6 @@
                 </a:spcAft>
                 <a:buNone/>
               </a:pPr>
-              <a:r>
-                <a:t/>
-              </a:r>
               <a:endParaRPr/>
             </a:p>
           </p:txBody>
@@ -3156,7 +3162,7 @@
             </a:xfrm>
             <a:prstGeom prst="parallelogram">
               <a:avLst>
-                <a:gd fmla="val 158024" name="adj"/>
+                <a:gd name="adj" fmla="val 158024"/>
               </a:avLst>
             </a:prstGeom>
             <a:solidFill>
@@ -3167,12 +3173,12 @@
             </a:ln>
           </p:spPr>
           <p:txBody>
-            <a:bodyPr anchorCtr="0" anchor="ctr" bIns="91425" lIns="91425" spcFirstLastPara="1" rIns="91425" wrap="square" tIns="91425">
+            <a:bodyPr spcFirstLastPara="1" wrap="square" lIns="91425" tIns="91425" rIns="91425" bIns="91425" anchor="ctr" anchorCtr="0">
               <a:noAutofit/>
             </a:bodyPr>
             <a:lstStyle/>
             <a:p>
-              <a:pPr indent="0" lvl="0" marL="0" rtl="0" algn="l">
+              <a:pPr marL="0" lvl="0" indent="0" algn="l" rtl="0">
                 <a:spcBef>
                   <a:spcPts val="0"/>
                 </a:spcBef>
@@ -3181,9 +3187,6 @@
                 </a:spcAft>
                 <a:buNone/>
               </a:pPr>
-              <a:r>
-                <a:t/>
-              </a:r>
               <a:endParaRPr/>
             </a:p>
           </p:txBody>
@@ -3216,7 +3219,7 @@
             </a:xfrm>
             <a:prstGeom prst="parallelogram">
               <a:avLst>
-                <a:gd fmla="val 158024" name="adj"/>
+                <a:gd name="adj" fmla="val 158024"/>
               </a:avLst>
             </a:prstGeom>
             <a:solidFill>
@@ -3227,12 +3230,12 @@
             </a:ln>
           </p:spPr>
           <p:txBody>
-            <a:bodyPr anchorCtr="0" anchor="ctr" bIns="91425" lIns="91425" spcFirstLastPara="1" rIns="91425" wrap="square" tIns="91425">
+            <a:bodyPr spcFirstLastPara="1" wrap="square" lIns="91425" tIns="91425" rIns="91425" bIns="91425" anchor="ctr" anchorCtr="0">
               <a:noAutofit/>
             </a:bodyPr>
             <a:lstStyle/>
             <a:p>
-              <a:pPr indent="0" lvl="0" marL="0" rtl="0" algn="l">
+              <a:pPr marL="0" lvl="0" indent="0" algn="l" rtl="0">
                 <a:spcBef>
                   <a:spcPts val="0"/>
                 </a:spcBef>
@@ -3241,9 +3244,6 @@
                 </a:spcAft>
                 <a:buNone/>
               </a:pPr>
-              <a:r>
-                <a:t/>
-              </a:r>
               <a:endParaRPr/>
             </a:p>
           </p:txBody>
@@ -3261,7 +3261,7 @@
             </a:xfrm>
             <a:prstGeom prst="parallelogram">
               <a:avLst>
-                <a:gd fmla="val 158024" name="adj"/>
+                <a:gd name="adj" fmla="val 158024"/>
               </a:avLst>
             </a:prstGeom>
             <a:solidFill>
@@ -3272,12 +3272,12 @@
             </a:ln>
           </p:spPr>
           <p:txBody>
-            <a:bodyPr anchorCtr="0" anchor="ctr" bIns="91425" lIns="91425" spcFirstLastPara="1" rIns="91425" wrap="square" tIns="91425">
+            <a:bodyPr spcFirstLastPara="1" wrap="square" lIns="91425" tIns="91425" rIns="91425" bIns="91425" anchor="ctr" anchorCtr="0">
               <a:noAutofit/>
             </a:bodyPr>
             <a:lstStyle/>
             <a:p>
-              <a:pPr indent="0" lvl="0" marL="0" rtl="0" algn="l">
+              <a:pPr marL="0" lvl="0" indent="0" algn="l" rtl="0">
                 <a:spcBef>
                   <a:spcPts val="0"/>
                 </a:spcBef>
@@ -3286,9 +3286,6 @@
                 </a:spcAft>
                 <a:buNone/>
               </a:pPr>
-              <a:r>
-                <a:t/>
-              </a:r>
               <a:endParaRPr/>
             </a:p>
           </p:txBody>
@@ -3306,7 +3303,7 @@
             </a:xfrm>
             <a:prstGeom prst="parallelogram">
               <a:avLst>
-                <a:gd fmla="val 158024" name="adj"/>
+                <a:gd name="adj" fmla="val 158024"/>
               </a:avLst>
             </a:prstGeom>
             <a:solidFill>
@@ -3317,12 +3314,12 @@
             </a:ln>
           </p:spPr>
           <p:txBody>
-            <a:bodyPr anchorCtr="0" anchor="ctr" bIns="91425" lIns="91425" spcFirstLastPara="1" rIns="91425" wrap="square" tIns="91425">
+            <a:bodyPr spcFirstLastPara="1" wrap="square" lIns="91425" tIns="91425" rIns="91425" bIns="91425" anchor="ctr" anchorCtr="0">
               <a:noAutofit/>
             </a:bodyPr>
             <a:lstStyle/>
             <a:p>
-              <a:pPr indent="0" lvl="0" marL="0" rtl="0" algn="l">
+              <a:pPr marL="0" lvl="0" indent="0" algn="l" rtl="0">
                 <a:spcBef>
                   <a:spcPts val="0"/>
                 </a:spcBef>
@@ -3331,9 +3328,6 @@
                 </a:spcAft>
                 <a:buNone/>
               </a:pPr>
-              <a:r>
-                <a:t/>
-              </a:r>
               <a:endParaRPr/>
             </a:p>
           </p:txBody>
@@ -3342,9 +3336,11 @@
       <p:sp>
         <p:nvSpPr>
           <p:cNvPr id="119" name="Google Shape;119;p11"/>
-          <p:cNvSpPr txBox="1"/>
+          <p:cNvSpPr txBox="1">
+            <a:spLocks noGrp="1"/>
+          </p:cNvSpPr>
           <p:nvPr>
-            <p:ph hasCustomPrompt="1" type="title"/>
+            <p:ph type="title" hasCustomPrompt="1"/>
           </p:nvPr>
         </p:nvSpPr>
         <p:spPr>
@@ -3357,7 +3353,7 @@
           </a:prstGeom>
         </p:spPr>
         <p:txBody>
-          <a:bodyPr anchorCtr="0" anchor="ctr" bIns="91425" lIns="91425" spcFirstLastPara="1" rIns="91425" wrap="square" tIns="91425">
+          <a:bodyPr spcFirstLastPara="1" wrap="square" lIns="91425" tIns="91425" rIns="91425" bIns="91425" anchor="ctr" anchorCtr="0">
             <a:normAutofit/>
           </a:bodyPr>
           <a:lstStyle>
@@ -3534,9 +3530,11 @@
       <p:sp>
         <p:nvSpPr>
           <p:cNvPr id="120" name="Google Shape;120;p11"/>
-          <p:cNvSpPr txBox="1"/>
+          <p:cNvSpPr txBox="1">
+            <a:spLocks noGrp="1"/>
+          </p:cNvSpPr>
           <p:nvPr>
-            <p:ph idx="1" type="body"/>
+            <p:ph type="body" idx="1"/>
           </p:nvPr>
         </p:nvSpPr>
         <p:spPr>
@@ -3549,11 +3547,11 @@
           </a:prstGeom>
         </p:spPr>
         <p:txBody>
-          <a:bodyPr anchorCtr="0" anchor="t" bIns="91425" lIns="91425" spcFirstLastPara="1" rIns="91425" wrap="square" tIns="91425">
+          <a:bodyPr spcFirstLastPara="1" wrap="square" lIns="91425" tIns="91425" rIns="91425" bIns="91425" anchor="t" anchorCtr="0">
             <a:normAutofit/>
           </a:bodyPr>
           <a:lstStyle>
-            <a:lvl1pPr indent="-311150" lvl="0" marL="457200" algn="ctr">
+            <a:lvl1pPr marL="457200" lvl="0" indent="-311150" algn="ctr">
               <a:spcBef>
                 <a:spcPts val="0"/>
               </a:spcBef>
@@ -3564,7 +3562,7 @@
               <a:buChar char="●"/>
               <a:defRPr/>
             </a:lvl1pPr>
-            <a:lvl2pPr indent="-298450" lvl="1" marL="914400" algn="ctr">
+            <a:lvl2pPr marL="914400" lvl="1" indent="-298450" algn="ctr">
               <a:spcBef>
                 <a:spcPts val="0"/>
               </a:spcBef>
@@ -3575,7 +3573,7 @@
               <a:buChar char="○"/>
               <a:defRPr/>
             </a:lvl2pPr>
-            <a:lvl3pPr indent="-298450" lvl="2" marL="1371600" algn="ctr">
+            <a:lvl3pPr marL="1371600" lvl="2" indent="-298450" algn="ctr">
               <a:spcBef>
                 <a:spcPts val="0"/>
               </a:spcBef>
@@ -3586,7 +3584,7 @@
               <a:buChar char="■"/>
               <a:defRPr/>
             </a:lvl3pPr>
-            <a:lvl4pPr indent="-298450" lvl="3" marL="1828800" algn="ctr">
+            <a:lvl4pPr marL="1828800" lvl="3" indent="-298450" algn="ctr">
               <a:spcBef>
                 <a:spcPts val="0"/>
               </a:spcBef>
@@ -3597,7 +3595,7 @@
               <a:buChar char="●"/>
               <a:defRPr/>
             </a:lvl4pPr>
-            <a:lvl5pPr indent="-298450" lvl="4" marL="2286000" algn="ctr">
+            <a:lvl5pPr marL="2286000" lvl="4" indent="-298450" algn="ctr">
               <a:spcBef>
                 <a:spcPts val="0"/>
               </a:spcBef>
@@ -3608,7 +3606,7 @@
               <a:buChar char="○"/>
               <a:defRPr/>
             </a:lvl5pPr>
-            <a:lvl6pPr indent="-298450" lvl="5" marL="2743200" algn="ctr">
+            <a:lvl6pPr marL="2743200" lvl="5" indent="-298450" algn="ctr">
               <a:spcBef>
                 <a:spcPts val="0"/>
               </a:spcBef>
@@ -3619,7 +3617,7 @@
               <a:buChar char="■"/>
               <a:defRPr/>
             </a:lvl6pPr>
-            <a:lvl7pPr indent="-298450" lvl="6" marL="3200400" algn="ctr">
+            <a:lvl7pPr marL="3200400" lvl="6" indent="-298450" algn="ctr">
               <a:spcBef>
                 <a:spcPts val="0"/>
               </a:spcBef>
@@ -3630,7 +3628,7 @@
               <a:buChar char="●"/>
               <a:defRPr/>
             </a:lvl7pPr>
-            <a:lvl8pPr indent="-298450" lvl="7" marL="3657600" algn="ctr">
+            <a:lvl8pPr marL="3657600" lvl="7" indent="-298450" algn="ctr">
               <a:spcBef>
                 <a:spcPts val="0"/>
               </a:spcBef>
@@ -3641,7 +3639,7 @@
               <a:buChar char="○"/>
               <a:defRPr/>
             </a:lvl8pPr>
-            <a:lvl9pPr indent="-298450" lvl="8" marL="4114800" algn="ctr">
+            <a:lvl9pPr marL="4114800" lvl="8" indent="-298450" algn="ctr">
               <a:spcBef>
                 <a:spcPts val="0"/>
               </a:spcBef>
@@ -3653,15 +3651,19 @@
               <a:defRPr/>
             </a:lvl9pPr>
           </a:lstStyle>
-          <a:p/>
+          <a:p>
+            <a:endParaRPr/>
+          </a:p>
         </p:txBody>
       </p:sp>
       <p:sp>
         <p:nvSpPr>
           <p:cNvPr id="121" name="Google Shape;121;p11"/>
-          <p:cNvSpPr txBox="1"/>
+          <p:cNvSpPr txBox="1">
+            <a:spLocks noGrp="1"/>
+          </p:cNvSpPr>
           <p:nvPr>
-            <p:ph idx="12" type="sldNum"/>
+            <p:ph type="sldNum" idx="12"/>
           </p:nvPr>
         </p:nvSpPr>
         <p:spPr>
@@ -3674,7 +3676,7 @@
           </a:prstGeom>
         </p:spPr>
         <p:txBody>
-          <a:bodyPr anchorCtr="0" anchor="ctr" bIns="91425" lIns="91425" spcFirstLastPara="1" rIns="91425" wrap="square" tIns="91425">
+          <a:bodyPr spcFirstLastPara="1" wrap="square" lIns="91425" tIns="91425" rIns="91425" bIns="91425" anchor="ctr" anchorCtr="0">
             <a:normAutofit/>
           </a:bodyPr>
           <a:lstStyle>
@@ -3716,7 +3718,7 @@
             </a:lvl9pPr>
           </a:lstStyle>
           <a:p>
-            <a:pPr indent="0" lvl="0" marL="0" rtl="0" algn="r">
+            <a:pPr marL="0" lvl="0" indent="0" algn="r" rtl="0">
               <a:spcBef>
                 <a:spcPts val="0"/>
               </a:spcBef>
@@ -3742,11 +3744,11 @@
 </file>
 
 <file path=ppt/slideLayouts/slideLayout11.xml><?xml version="1.0" encoding="utf-8"?>
-<p:sldLayout xmlns:a="http://schemas.openxmlformats.org/drawingml/2006/main" xmlns:r="http://schemas.openxmlformats.org/officeDocument/2006/relationships" xmlns:mc="http://schemas.openxmlformats.org/markup-compatibility/2006" xmlns:mv="urn:schemas-microsoft-com:mac:vml" xmlns:p="http://schemas.openxmlformats.org/presentationml/2006/main" xmlns:c="http://schemas.openxmlformats.org/drawingml/2006/chart" xmlns:dgm="http://schemas.openxmlformats.org/drawingml/2006/diagram" xmlns:o="urn:schemas-microsoft-com:office:office" xmlns:v="urn:schemas-microsoft-com:vml" xmlns:pvml="urn:schemas-microsoft-com:office:powerpoint" xmlns:com="http://schemas.openxmlformats.org/drawingml/2006/compatibility" xmlns:p14="http://schemas.microsoft.com/office/powerpoint/2010/main" xmlns:p15="http://schemas.microsoft.com/office/powerpoint/2012/main" xmlns:ahyp="http://schemas.microsoft.com/office/drawing/2018/hyperlinkcolor" matchingName="Blank" type="blank">
+<p:sldLayout xmlns:a="http://schemas.openxmlformats.org/drawingml/2006/main" xmlns:r="http://schemas.openxmlformats.org/officeDocument/2006/relationships" xmlns:p="http://schemas.openxmlformats.org/presentationml/2006/main" matchingName="Blank" type="blank">
   <p:cSld name="BLANK">
     <p:spTree>
       <p:nvGrpSpPr>
-        <p:cNvPr id="122" name="Shape 122"/>
+        <p:cNvPr id="1" name="Shape 122"/>
         <p:cNvGrpSpPr/>
         <p:nvPr/>
       </p:nvGrpSpPr>
@@ -3761,9 +3763,11 @@
       <p:sp>
         <p:nvSpPr>
           <p:cNvPr id="123" name="Google Shape;123;p12"/>
-          <p:cNvSpPr txBox="1"/>
+          <p:cNvSpPr txBox="1">
+            <a:spLocks noGrp="1"/>
+          </p:cNvSpPr>
           <p:nvPr>
-            <p:ph idx="12" type="sldNum"/>
+            <p:ph type="sldNum" idx="12"/>
           </p:nvPr>
         </p:nvSpPr>
         <p:spPr>
@@ -3776,7 +3780,7 @@
           </a:prstGeom>
         </p:spPr>
         <p:txBody>
-          <a:bodyPr anchorCtr="0" anchor="ctr" bIns="91425" lIns="91425" spcFirstLastPara="1" rIns="91425" wrap="square" tIns="91425">
+          <a:bodyPr spcFirstLastPara="1" wrap="square" lIns="91425" tIns="91425" rIns="91425" bIns="91425" anchor="ctr" anchorCtr="0">
             <a:normAutofit/>
           </a:bodyPr>
           <a:lstStyle>
@@ -3818,7 +3822,7 @@
             </a:lvl9pPr>
           </a:lstStyle>
           <a:p>
-            <a:pPr indent="0" lvl="0" marL="0" rtl="0" algn="r">
+            <a:pPr marL="0" lvl="0" indent="0" algn="r" rtl="0">
               <a:spcBef>
                 <a:spcPts val="0"/>
               </a:spcBef>
@@ -3844,18 +3848,19 @@
 </file>
 
 <file path=ppt/slideLayouts/slideLayout2.xml><?xml version="1.0" encoding="utf-8"?>
-<p:sldLayout xmlns:a="http://schemas.openxmlformats.org/drawingml/2006/main" xmlns:r="http://schemas.openxmlformats.org/officeDocument/2006/relationships" xmlns:mc="http://schemas.openxmlformats.org/markup-compatibility/2006" xmlns:mv="urn:schemas-microsoft-com:mac:vml" xmlns:p="http://schemas.openxmlformats.org/presentationml/2006/main" xmlns:c="http://schemas.openxmlformats.org/drawingml/2006/chart" xmlns:dgm="http://schemas.openxmlformats.org/drawingml/2006/diagram" xmlns:o="urn:schemas-microsoft-com:office:office" xmlns:v="urn:schemas-microsoft-com:vml" xmlns:pvml="urn:schemas-microsoft-com:office:powerpoint" xmlns:com="http://schemas.openxmlformats.org/drawingml/2006/compatibility" xmlns:p14="http://schemas.microsoft.com/office/powerpoint/2010/main" xmlns:p15="http://schemas.microsoft.com/office/powerpoint/2012/main" xmlns:ahyp="http://schemas.microsoft.com/office/drawing/2018/hyperlinkcolor" matchingName="Section header" type="secHead">
+<p:sldLayout xmlns:a="http://schemas.openxmlformats.org/drawingml/2006/main" xmlns:r="http://schemas.openxmlformats.org/officeDocument/2006/relationships" xmlns:p="http://schemas.openxmlformats.org/presentationml/2006/main" matchingName="Section header" type="secHead">
   <p:cSld name="SECTION_HEADER">
     <p:bg>
       <p:bgPr>
         <a:solidFill>
           <a:schemeClr val="accent3"/>
         </a:solidFill>
+        <a:effectLst/>
       </p:bgPr>
     </p:bg>
     <p:spTree>
       <p:nvGrpSpPr>
-        <p:cNvPr id="37" name="Shape 37"/>
+        <p:cNvPr id="1" name="Shape 37"/>
         <p:cNvGrpSpPr/>
         <p:nvPr/>
       </p:nvGrpSpPr>
@@ -3889,12 +3894,12 @@
           </a:ln>
         </p:spPr>
         <p:txBody>
-          <a:bodyPr anchorCtr="0" anchor="ctr" bIns="91425" lIns="91425" spcFirstLastPara="1" rIns="91425" wrap="square" tIns="91425">
+          <a:bodyPr spcFirstLastPara="1" wrap="square" lIns="91425" tIns="91425" rIns="91425" bIns="91425" anchor="ctr" anchorCtr="0">
             <a:noAutofit/>
           </a:bodyPr>
           <a:lstStyle/>
           <a:p>
-            <a:pPr indent="0" lvl="0" marL="0" rtl="0" algn="l">
+            <a:pPr marL="0" lvl="0" indent="0" algn="l" rtl="0">
               <a:spcBef>
                 <a:spcPts val="0"/>
               </a:spcBef>
@@ -3903,9 +3908,6 @@
               </a:spcAft>
               <a:buNone/>
             </a:pPr>
-            <a:r>
-              <a:t/>
-            </a:r>
             <a:endParaRPr/>
           </a:p>
         </p:txBody>
@@ -3937,7 +3939,7 @@
             </a:xfrm>
             <a:prstGeom prst="parallelogram">
               <a:avLst>
-                <a:gd fmla="val 158024" name="adj"/>
+                <a:gd name="adj" fmla="val 158024"/>
               </a:avLst>
             </a:prstGeom>
             <a:solidFill>
@@ -3948,12 +3950,12 @@
             </a:ln>
           </p:spPr>
           <p:txBody>
-            <a:bodyPr anchorCtr="0" anchor="ctr" bIns="91425" lIns="91425" spcFirstLastPara="1" rIns="91425" wrap="square" tIns="91425">
+            <a:bodyPr spcFirstLastPara="1" wrap="square" lIns="91425" tIns="91425" rIns="91425" bIns="91425" anchor="ctr" anchorCtr="0">
               <a:noAutofit/>
             </a:bodyPr>
             <a:lstStyle/>
             <a:p>
-              <a:pPr indent="0" lvl="0" marL="0" rtl="0" algn="l">
+              <a:pPr marL="0" lvl="0" indent="0" algn="l" rtl="0">
                 <a:spcBef>
                   <a:spcPts val="0"/>
                 </a:spcBef>
@@ -3962,9 +3964,6 @@
                 </a:spcAft>
                 <a:buNone/>
               </a:pPr>
-              <a:r>
-                <a:t/>
-              </a:r>
               <a:endParaRPr/>
             </a:p>
           </p:txBody>
@@ -3982,7 +3981,7 @@
             </a:xfrm>
             <a:prstGeom prst="parallelogram">
               <a:avLst>
-                <a:gd fmla="val 158024" name="adj"/>
+                <a:gd name="adj" fmla="val 158024"/>
               </a:avLst>
             </a:prstGeom>
             <a:solidFill>
@@ -3993,12 +3992,12 @@
             </a:ln>
           </p:spPr>
           <p:txBody>
-            <a:bodyPr anchorCtr="0" anchor="ctr" bIns="91425" lIns="91425" spcFirstLastPara="1" rIns="91425" wrap="square" tIns="91425">
+            <a:bodyPr spcFirstLastPara="1" wrap="square" lIns="91425" tIns="91425" rIns="91425" bIns="91425" anchor="ctr" anchorCtr="0">
               <a:noAutofit/>
             </a:bodyPr>
             <a:lstStyle/>
             <a:p>
-              <a:pPr indent="0" lvl="0" marL="0" rtl="0" algn="l">
+              <a:pPr marL="0" lvl="0" indent="0" algn="l" rtl="0">
                 <a:spcBef>
                   <a:spcPts val="0"/>
                 </a:spcBef>
@@ -4007,9 +4006,6 @@
                 </a:spcAft>
                 <a:buNone/>
               </a:pPr>
-              <a:r>
-                <a:t/>
-              </a:r>
               <a:endParaRPr/>
             </a:p>
           </p:txBody>
@@ -4027,7 +4023,7 @@
             </a:xfrm>
             <a:prstGeom prst="parallelogram">
               <a:avLst>
-                <a:gd fmla="val 158024" name="adj"/>
+                <a:gd name="adj" fmla="val 158024"/>
               </a:avLst>
             </a:prstGeom>
             <a:solidFill>
@@ -4038,12 +4034,12 @@
             </a:ln>
           </p:spPr>
           <p:txBody>
-            <a:bodyPr anchorCtr="0" anchor="ctr" bIns="91425" lIns="91425" spcFirstLastPara="1" rIns="91425" wrap="square" tIns="91425">
+            <a:bodyPr spcFirstLastPara="1" wrap="square" lIns="91425" tIns="91425" rIns="91425" bIns="91425" anchor="ctr" anchorCtr="0">
               <a:noAutofit/>
             </a:bodyPr>
             <a:lstStyle/>
             <a:p>
-              <a:pPr indent="0" lvl="0" marL="0" rtl="0" algn="l">
+              <a:pPr marL="0" lvl="0" indent="0" algn="l" rtl="0">
                 <a:spcBef>
                   <a:spcPts val="0"/>
                 </a:spcBef>
@@ -4052,9 +4048,6 @@
                 </a:spcAft>
                 <a:buNone/>
               </a:pPr>
-              <a:r>
-                <a:t/>
-              </a:r>
               <a:endParaRPr/>
             </a:p>
           </p:txBody>
@@ -4087,7 +4080,7 @@
             </a:xfrm>
             <a:prstGeom prst="parallelogram">
               <a:avLst>
-                <a:gd fmla="val 158024" name="adj"/>
+                <a:gd name="adj" fmla="val 158024"/>
               </a:avLst>
             </a:prstGeom>
             <a:solidFill>
@@ -4098,12 +4091,12 @@
             </a:ln>
           </p:spPr>
           <p:txBody>
-            <a:bodyPr anchorCtr="0" anchor="ctr" bIns="91425" lIns="91425" spcFirstLastPara="1" rIns="91425" wrap="square" tIns="91425">
+            <a:bodyPr spcFirstLastPara="1" wrap="square" lIns="91425" tIns="91425" rIns="91425" bIns="91425" anchor="ctr" anchorCtr="0">
               <a:noAutofit/>
             </a:bodyPr>
             <a:lstStyle/>
             <a:p>
-              <a:pPr indent="0" lvl="0" marL="0" rtl="0" algn="l">
+              <a:pPr marL="0" lvl="0" indent="0" algn="l" rtl="0">
                 <a:spcBef>
                   <a:spcPts val="0"/>
                 </a:spcBef>
@@ -4112,9 +4105,6 @@
                 </a:spcAft>
                 <a:buNone/>
               </a:pPr>
-              <a:r>
-                <a:t/>
-              </a:r>
               <a:endParaRPr/>
             </a:p>
           </p:txBody>
@@ -4132,7 +4122,7 @@
             </a:xfrm>
             <a:prstGeom prst="parallelogram">
               <a:avLst>
-                <a:gd fmla="val 158024" name="adj"/>
+                <a:gd name="adj" fmla="val 158024"/>
               </a:avLst>
             </a:prstGeom>
             <a:solidFill>
@@ -4143,12 +4133,12 @@
             </a:ln>
           </p:spPr>
           <p:txBody>
-            <a:bodyPr anchorCtr="0" anchor="ctr" bIns="91425" lIns="91425" spcFirstLastPara="1" rIns="91425" wrap="square" tIns="91425">
+            <a:bodyPr spcFirstLastPara="1" wrap="square" lIns="91425" tIns="91425" rIns="91425" bIns="91425" anchor="ctr" anchorCtr="0">
               <a:noAutofit/>
             </a:bodyPr>
             <a:lstStyle/>
             <a:p>
-              <a:pPr indent="0" lvl="0" marL="0" rtl="0" algn="l">
+              <a:pPr marL="0" lvl="0" indent="0" algn="l" rtl="0">
                 <a:spcBef>
                   <a:spcPts val="0"/>
                 </a:spcBef>
@@ -4157,9 +4147,6 @@
                 </a:spcAft>
                 <a:buNone/>
               </a:pPr>
-              <a:r>
-                <a:t/>
-              </a:r>
               <a:endParaRPr/>
             </a:p>
           </p:txBody>
@@ -4177,7 +4164,7 @@
             </a:xfrm>
             <a:prstGeom prst="parallelogram">
               <a:avLst>
-                <a:gd fmla="val 158024" name="adj"/>
+                <a:gd name="adj" fmla="val 158024"/>
               </a:avLst>
             </a:prstGeom>
             <a:solidFill>
@@ -4188,12 +4175,12 @@
             </a:ln>
           </p:spPr>
           <p:txBody>
-            <a:bodyPr anchorCtr="0" anchor="ctr" bIns="91425" lIns="91425" spcFirstLastPara="1" rIns="91425" wrap="square" tIns="91425">
+            <a:bodyPr spcFirstLastPara="1" wrap="square" lIns="91425" tIns="91425" rIns="91425" bIns="91425" anchor="ctr" anchorCtr="0">
               <a:noAutofit/>
             </a:bodyPr>
             <a:lstStyle/>
             <a:p>
-              <a:pPr indent="0" lvl="0" marL="0" rtl="0" algn="l">
+              <a:pPr marL="0" lvl="0" indent="0" algn="l" rtl="0">
                 <a:spcBef>
                   <a:spcPts val="0"/>
                 </a:spcBef>
@@ -4202,9 +4189,6 @@
                 </a:spcAft>
                 <a:buNone/>
               </a:pPr>
-              <a:r>
-                <a:t/>
-              </a:r>
               <a:endParaRPr/>
             </a:p>
           </p:txBody>
@@ -4213,7 +4197,9 @@
       <p:sp>
         <p:nvSpPr>
           <p:cNvPr id="47" name="Google Shape;47;p3"/>
-          <p:cNvSpPr txBox="1"/>
+          <p:cNvSpPr txBox="1">
+            <a:spLocks noGrp="1"/>
+          </p:cNvSpPr>
           <p:nvPr>
             <p:ph type="title"/>
           </p:nvPr>
@@ -4228,7 +4214,7 @@
           </a:prstGeom>
         </p:spPr>
         <p:txBody>
-          <a:bodyPr anchorCtr="0" anchor="ctr" bIns="91425" lIns="91425" spcFirstLastPara="1" rIns="91425" wrap="square" tIns="91425">
+          <a:bodyPr spcFirstLastPara="1" wrap="square" lIns="91425" tIns="91425" rIns="91425" bIns="91425" anchor="ctr" anchorCtr="0">
             <a:normAutofit/>
           </a:bodyPr>
           <a:lstStyle>
@@ -4395,15 +4381,19 @@
               </a:defRPr>
             </a:lvl9pPr>
           </a:lstStyle>
-          <a:p/>
+          <a:p>
+            <a:endParaRPr/>
+          </a:p>
         </p:txBody>
       </p:sp>
       <p:sp>
         <p:nvSpPr>
           <p:cNvPr id="48" name="Google Shape;48;p3"/>
-          <p:cNvSpPr txBox="1"/>
+          <p:cNvSpPr txBox="1">
+            <a:spLocks noGrp="1"/>
+          </p:cNvSpPr>
           <p:nvPr>
-            <p:ph idx="12" type="sldNum"/>
+            <p:ph type="sldNum" idx="12"/>
           </p:nvPr>
         </p:nvSpPr>
         <p:spPr>
@@ -4416,7 +4406,7 @@
           </a:prstGeom>
         </p:spPr>
         <p:txBody>
-          <a:bodyPr anchorCtr="0" anchor="ctr" bIns="91425" lIns="91425" spcFirstLastPara="1" rIns="91425" wrap="square" tIns="91425">
+          <a:bodyPr spcFirstLastPara="1" wrap="square" lIns="91425" tIns="91425" rIns="91425" bIns="91425" anchor="ctr" anchorCtr="0">
             <a:normAutofit/>
           </a:bodyPr>
           <a:lstStyle>
@@ -4458,7 +4448,7 @@
             </a:lvl9pPr>
           </a:lstStyle>
           <a:p>
-            <a:pPr indent="0" lvl="0" marL="0" rtl="0" algn="r">
+            <a:pPr marL="0" lvl="0" indent="0" algn="r" rtl="0">
               <a:spcBef>
                 <a:spcPts val="0"/>
               </a:spcBef>
@@ -4484,18 +4474,19 @@
 </file>
 
 <file path=ppt/slideLayouts/slideLayout3.xml><?xml version="1.0" encoding="utf-8"?>
-<p:sldLayout xmlns:a="http://schemas.openxmlformats.org/drawingml/2006/main" xmlns:r="http://schemas.openxmlformats.org/officeDocument/2006/relationships" xmlns:mc="http://schemas.openxmlformats.org/markup-compatibility/2006" xmlns:mv="urn:schemas-microsoft-com:mac:vml" xmlns:p="http://schemas.openxmlformats.org/presentationml/2006/main" xmlns:c="http://schemas.openxmlformats.org/drawingml/2006/chart" xmlns:dgm="http://schemas.openxmlformats.org/drawingml/2006/diagram" xmlns:o="urn:schemas-microsoft-com:office:office" xmlns:v="urn:schemas-microsoft-com:vml" xmlns:pvml="urn:schemas-microsoft-com:office:powerpoint" xmlns:com="http://schemas.openxmlformats.org/drawingml/2006/compatibility" xmlns:p14="http://schemas.microsoft.com/office/powerpoint/2010/main" xmlns:p15="http://schemas.microsoft.com/office/powerpoint/2012/main" xmlns:ahyp="http://schemas.microsoft.com/office/drawing/2018/hyperlinkcolor" matchingName="Title and body" type="tx">
+<p:sldLayout xmlns:a="http://schemas.openxmlformats.org/drawingml/2006/main" xmlns:r="http://schemas.openxmlformats.org/officeDocument/2006/relationships" xmlns:p="http://schemas.openxmlformats.org/presentationml/2006/main" matchingName="Title and body" type="tx">
   <p:cSld name="TITLE_AND_BODY">
     <p:bg>
       <p:bgPr>
         <a:solidFill>
           <a:schemeClr val="dk2"/>
         </a:solidFill>
+        <a:effectLst/>
       </p:bgPr>
     </p:bg>
     <p:spTree>
       <p:nvGrpSpPr>
-        <p:cNvPr id="49" name="Shape 49"/>
+        <p:cNvPr id="1" name="Shape 49"/>
         <p:cNvGrpSpPr/>
         <p:nvPr/>
       </p:nvGrpSpPr>
@@ -4529,12 +4520,12 @@
           </a:ln>
         </p:spPr>
         <p:txBody>
-          <a:bodyPr anchorCtr="0" anchor="ctr" bIns="91425" lIns="91425" spcFirstLastPara="1" rIns="91425" wrap="square" tIns="91425">
+          <a:bodyPr spcFirstLastPara="1" wrap="square" lIns="91425" tIns="91425" rIns="91425" bIns="91425" anchor="ctr" anchorCtr="0">
             <a:noAutofit/>
           </a:bodyPr>
           <a:lstStyle/>
           <a:p>
-            <a:pPr indent="0" lvl="0" marL="0" rtl="0" algn="l">
+            <a:pPr marL="0" lvl="0" indent="0" algn="l" rtl="0">
               <a:spcBef>
                 <a:spcPts val="0"/>
               </a:spcBef>
@@ -4543,9 +4534,6 @@
               </a:spcAft>
               <a:buNone/>
             </a:pPr>
-            <a:r>
-              <a:t/>
-            </a:r>
             <a:endParaRPr/>
           </a:p>
         </p:txBody>
@@ -4572,12 +4560,12 @@
           </a:ln>
         </p:spPr>
         <p:txBody>
-          <a:bodyPr anchorCtr="0" anchor="ctr" bIns="91425" lIns="91425" spcFirstLastPara="1" rIns="91425" wrap="square" tIns="91425">
+          <a:bodyPr spcFirstLastPara="1" wrap="square" lIns="91425" tIns="91425" rIns="91425" bIns="91425" anchor="ctr" anchorCtr="0">
             <a:noAutofit/>
           </a:bodyPr>
           <a:lstStyle/>
           <a:p>
-            <a:pPr indent="0" lvl="0" marL="0" rtl="0" algn="l">
+            <a:pPr marL="0" lvl="0" indent="0" algn="l" rtl="0">
               <a:spcBef>
                 <a:spcPts val="0"/>
               </a:spcBef>
@@ -4586,9 +4574,6 @@
               </a:spcAft>
               <a:buNone/>
             </a:pPr>
-            <a:r>
-              <a:t/>
-            </a:r>
             <a:endParaRPr/>
           </a:p>
         </p:txBody>
@@ -4614,7 +4599,7 @@
             <a:noFill/>
           </a:ln>
           <a:effectLst>
-            <a:outerShdw blurRad="228600" sx="101000" rotWithShape="0" algn="ctr" sy="101000">
+            <a:outerShdw blurRad="228600" sx="101000" sy="101000" algn="ctr" rotWithShape="0">
               <a:srgbClr val="000000">
                 <a:alpha val="40000"/>
               </a:srgbClr>
@@ -4622,12 +4607,12 @@
           </a:effectLst>
         </p:spPr>
         <p:txBody>
-          <a:bodyPr anchorCtr="0" anchor="ctr" bIns="91425" lIns="91425" spcFirstLastPara="1" rIns="91425" wrap="square" tIns="91425">
+          <a:bodyPr spcFirstLastPara="1" wrap="square" lIns="91425" tIns="91425" rIns="91425" bIns="91425" anchor="ctr" anchorCtr="0">
             <a:noAutofit/>
           </a:bodyPr>
           <a:lstStyle/>
           <a:p>
-            <a:pPr indent="0" lvl="0" marL="0" rtl="0" algn="l">
+            <a:pPr marL="0" lvl="0" indent="0" algn="l" rtl="0">
               <a:spcBef>
                 <a:spcPts val="0"/>
               </a:spcBef>
@@ -4636,9 +4621,6 @@
               </a:spcAft>
               <a:buNone/>
             </a:pPr>
-            <a:r>
-              <a:t/>
-            </a:r>
             <a:endParaRPr/>
           </a:p>
         </p:txBody>
@@ -4646,7 +4628,9 @@
       <p:sp>
         <p:nvSpPr>
           <p:cNvPr id="53" name="Google Shape;53;p4"/>
-          <p:cNvSpPr txBox="1"/>
+          <p:cNvSpPr txBox="1">
+            <a:spLocks noGrp="1"/>
+          </p:cNvSpPr>
           <p:nvPr>
             <p:ph type="title"/>
           </p:nvPr>
@@ -4661,7 +4645,7 @@
           </a:prstGeom>
         </p:spPr>
         <p:txBody>
-          <a:bodyPr anchorCtr="0" anchor="t" bIns="91425" lIns="91425" spcFirstLastPara="1" rIns="91425" wrap="square" tIns="91425">
+          <a:bodyPr spcFirstLastPara="1" wrap="square" lIns="91425" tIns="91425" rIns="91425" bIns="91425" anchor="t" anchorCtr="0">
             <a:normAutofit/>
           </a:bodyPr>
           <a:lstStyle>
@@ -4765,15 +4749,19 @@
               <a:defRPr sz="3000"/>
             </a:lvl9pPr>
           </a:lstStyle>
-          <a:p/>
+          <a:p>
+            <a:endParaRPr/>
+          </a:p>
         </p:txBody>
       </p:sp>
       <p:sp>
         <p:nvSpPr>
           <p:cNvPr id="54" name="Google Shape;54;p4"/>
-          <p:cNvSpPr txBox="1"/>
+          <p:cNvSpPr txBox="1">
+            <a:spLocks noGrp="1"/>
+          </p:cNvSpPr>
           <p:nvPr>
-            <p:ph idx="1" type="body"/>
+            <p:ph type="body" idx="1"/>
           </p:nvPr>
         </p:nvSpPr>
         <p:spPr>
@@ -4786,11 +4774,11 @@
           </a:prstGeom>
         </p:spPr>
         <p:txBody>
-          <a:bodyPr anchorCtr="0" anchor="t" bIns="91425" lIns="91425" spcFirstLastPara="1" rIns="91425" wrap="square" tIns="91425">
+          <a:bodyPr spcFirstLastPara="1" wrap="square" lIns="91425" tIns="91425" rIns="91425" bIns="91425" anchor="t" anchorCtr="0">
             <a:normAutofit/>
           </a:bodyPr>
           <a:lstStyle>
-            <a:lvl1pPr indent="-311150" lvl="0" marL="457200">
+            <a:lvl1pPr marL="457200" lvl="0" indent="-311150">
               <a:spcBef>
                 <a:spcPts val="0"/>
               </a:spcBef>
@@ -4801,7 +4789,7 @@
               <a:buChar char="●"/>
               <a:defRPr/>
             </a:lvl1pPr>
-            <a:lvl2pPr indent="-298450" lvl="1" marL="914400">
+            <a:lvl2pPr marL="914400" lvl="1" indent="-298450">
               <a:spcBef>
                 <a:spcPts val="0"/>
               </a:spcBef>
@@ -4812,7 +4800,7 @@
               <a:buChar char="○"/>
               <a:defRPr/>
             </a:lvl2pPr>
-            <a:lvl3pPr indent="-298450" lvl="2" marL="1371600">
+            <a:lvl3pPr marL="1371600" lvl="2" indent="-298450">
               <a:spcBef>
                 <a:spcPts val="0"/>
               </a:spcBef>
@@ -4823,7 +4811,7 @@
               <a:buChar char="■"/>
               <a:defRPr/>
             </a:lvl3pPr>
-            <a:lvl4pPr indent="-298450" lvl="3" marL="1828800">
+            <a:lvl4pPr marL="1828800" lvl="3" indent="-298450">
               <a:spcBef>
                 <a:spcPts val="0"/>
               </a:spcBef>
@@ -4834,7 +4822,7 @@
               <a:buChar char="●"/>
               <a:defRPr/>
             </a:lvl4pPr>
-            <a:lvl5pPr indent="-298450" lvl="4" marL="2286000">
+            <a:lvl5pPr marL="2286000" lvl="4" indent="-298450">
               <a:spcBef>
                 <a:spcPts val="0"/>
               </a:spcBef>
@@ -4845,7 +4833,7 @@
               <a:buChar char="○"/>
               <a:defRPr/>
             </a:lvl5pPr>
-            <a:lvl6pPr indent="-298450" lvl="5" marL="2743200">
+            <a:lvl6pPr marL="2743200" lvl="5" indent="-298450">
               <a:spcBef>
                 <a:spcPts val="0"/>
               </a:spcBef>
@@ -4856,7 +4844,7 @@
               <a:buChar char="■"/>
               <a:defRPr/>
             </a:lvl6pPr>
-            <a:lvl7pPr indent="-298450" lvl="6" marL="3200400">
+            <a:lvl7pPr marL="3200400" lvl="6" indent="-298450">
               <a:spcBef>
                 <a:spcPts val="0"/>
               </a:spcBef>
@@ -4867,7 +4855,7 @@
               <a:buChar char="●"/>
               <a:defRPr/>
             </a:lvl7pPr>
-            <a:lvl8pPr indent="-298450" lvl="7" marL="3657600">
+            <a:lvl8pPr marL="3657600" lvl="7" indent="-298450">
               <a:spcBef>
                 <a:spcPts val="0"/>
               </a:spcBef>
@@ -4878,7 +4866,7 @@
               <a:buChar char="○"/>
               <a:defRPr/>
             </a:lvl8pPr>
-            <a:lvl9pPr indent="-298450" lvl="8" marL="4114800">
+            <a:lvl9pPr marL="4114800" lvl="8" indent="-298450">
               <a:spcBef>
                 <a:spcPts val="0"/>
               </a:spcBef>
@@ -4890,15 +4878,19 @@
               <a:defRPr/>
             </a:lvl9pPr>
           </a:lstStyle>
-          <a:p/>
+          <a:p>
+            <a:endParaRPr/>
+          </a:p>
         </p:txBody>
       </p:sp>
       <p:sp>
         <p:nvSpPr>
           <p:cNvPr id="55" name="Google Shape;55;p4"/>
-          <p:cNvSpPr txBox="1"/>
+          <p:cNvSpPr txBox="1">
+            <a:spLocks noGrp="1"/>
+          </p:cNvSpPr>
           <p:nvPr>
-            <p:ph idx="12" type="sldNum"/>
+            <p:ph type="sldNum" idx="12"/>
           </p:nvPr>
         </p:nvSpPr>
         <p:spPr>
@@ -4911,7 +4903,7 @@
           </a:prstGeom>
         </p:spPr>
         <p:txBody>
-          <a:bodyPr anchorCtr="0" anchor="ctr" bIns="91425" lIns="91425" spcFirstLastPara="1" rIns="91425" wrap="square" tIns="91425">
+          <a:bodyPr spcFirstLastPara="1" wrap="square" lIns="91425" tIns="91425" rIns="91425" bIns="91425" anchor="ctr" anchorCtr="0">
             <a:normAutofit/>
           </a:bodyPr>
           <a:lstStyle>
@@ -4953,7 +4945,7 @@
             </a:lvl9pPr>
           </a:lstStyle>
           <a:p>
-            <a:pPr indent="0" lvl="0" marL="0" rtl="0" algn="r">
+            <a:pPr marL="0" lvl="0" indent="0" algn="r" rtl="0">
               <a:spcBef>
                 <a:spcPts val="0"/>
               </a:spcBef>
@@ -4979,18 +4971,19 @@
 </file>
 
 <file path=ppt/slideLayouts/slideLayout4.xml><?xml version="1.0" encoding="utf-8"?>
-<p:sldLayout xmlns:a="http://schemas.openxmlformats.org/drawingml/2006/main" xmlns:r="http://schemas.openxmlformats.org/officeDocument/2006/relationships" xmlns:mc="http://schemas.openxmlformats.org/markup-compatibility/2006" xmlns:mv="urn:schemas-microsoft-com:mac:vml" xmlns:p="http://schemas.openxmlformats.org/presentationml/2006/main" xmlns:c="http://schemas.openxmlformats.org/drawingml/2006/chart" xmlns:dgm="http://schemas.openxmlformats.org/drawingml/2006/diagram" xmlns:o="urn:schemas-microsoft-com:office:office" xmlns:v="urn:schemas-microsoft-com:vml" xmlns:pvml="urn:schemas-microsoft-com:office:powerpoint" xmlns:com="http://schemas.openxmlformats.org/drawingml/2006/compatibility" xmlns:p14="http://schemas.microsoft.com/office/powerpoint/2010/main" xmlns:p15="http://schemas.microsoft.com/office/powerpoint/2012/main" xmlns:ahyp="http://schemas.microsoft.com/office/drawing/2018/hyperlinkcolor" matchingName="Title and two columns" type="twoColTx">
+<p:sldLayout xmlns:a="http://schemas.openxmlformats.org/drawingml/2006/main" xmlns:r="http://schemas.openxmlformats.org/officeDocument/2006/relationships" xmlns:p="http://schemas.openxmlformats.org/presentationml/2006/main" matchingName="Title and two columns" type="twoColTx">
   <p:cSld name="TITLE_AND_TWO_COLUMNS">
     <p:bg>
       <p:bgPr>
         <a:solidFill>
           <a:schemeClr val="dk2"/>
         </a:solidFill>
+        <a:effectLst/>
       </p:bgPr>
     </p:bg>
     <p:spTree>
       <p:nvGrpSpPr>
-        <p:cNvPr id="56" name="Shape 56"/>
+        <p:cNvPr id="1" name="Shape 56"/>
         <p:cNvGrpSpPr/>
         <p:nvPr/>
       </p:nvGrpSpPr>
@@ -5024,12 +5017,12 @@
           </a:ln>
         </p:spPr>
         <p:txBody>
-          <a:bodyPr anchorCtr="0" anchor="ctr" bIns="91425" lIns="91425" spcFirstLastPara="1" rIns="91425" wrap="square" tIns="91425">
+          <a:bodyPr spcFirstLastPara="1" wrap="square" lIns="91425" tIns="91425" rIns="91425" bIns="91425" anchor="ctr" anchorCtr="0">
             <a:noAutofit/>
           </a:bodyPr>
           <a:lstStyle/>
           <a:p>
-            <a:pPr indent="0" lvl="0" marL="0" rtl="0" algn="l">
+            <a:pPr marL="0" lvl="0" indent="0" algn="l" rtl="0">
               <a:spcBef>
                 <a:spcPts val="0"/>
               </a:spcBef>
@@ -5038,9 +5031,6 @@
               </a:spcAft>
               <a:buNone/>
             </a:pPr>
-            <a:r>
-              <a:t/>
-            </a:r>
             <a:endParaRPr/>
           </a:p>
         </p:txBody>
@@ -5067,12 +5057,12 @@
           </a:ln>
         </p:spPr>
         <p:txBody>
-          <a:bodyPr anchorCtr="0" anchor="ctr" bIns="91425" lIns="91425" spcFirstLastPara="1" rIns="91425" wrap="square" tIns="91425">
+          <a:bodyPr spcFirstLastPara="1" wrap="square" lIns="91425" tIns="91425" rIns="91425" bIns="91425" anchor="ctr" anchorCtr="0">
             <a:noAutofit/>
           </a:bodyPr>
           <a:lstStyle/>
           <a:p>
-            <a:pPr indent="0" lvl="0" marL="0" rtl="0" algn="l">
+            <a:pPr marL="0" lvl="0" indent="0" algn="l" rtl="0">
               <a:spcBef>
                 <a:spcPts val="0"/>
               </a:spcBef>
@@ -5081,9 +5071,6 @@
               </a:spcAft>
               <a:buNone/>
             </a:pPr>
-            <a:r>
-              <a:t/>
-            </a:r>
             <a:endParaRPr/>
           </a:p>
         </p:txBody>
@@ -5109,7 +5096,7 @@
             <a:noFill/>
           </a:ln>
           <a:effectLst>
-            <a:outerShdw blurRad="228600" sx="101000" rotWithShape="0" algn="ctr" sy="101000">
+            <a:outerShdw blurRad="228600" sx="101000" sy="101000" algn="ctr" rotWithShape="0">
               <a:srgbClr val="000000">
                 <a:alpha val="40000"/>
               </a:srgbClr>
@@ -5117,12 +5104,12 @@
           </a:effectLst>
         </p:spPr>
         <p:txBody>
-          <a:bodyPr anchorCtr="0" anchor="ctr" bIns="91425" lIns="91425" spcFirstLastPara="1" rIns="91425" wrap="square" tIns="91425">
+          <a:bodyPr spcFirstLastPara="1" wrap="square" lIns="91425" tIns="91425" rIns="91425" bIns="91425" anchor="ctr" anchorCtr="0">
             <a:noAutofit/>
           </a:bodyPr>
           <a:lstStyle/>
           <a:p>
-            <a:pPr indent="0" lvl="0" marL="0" rtl="0" algn="l">
+            <a:pPr marL="0" lvl="0" indent="0" algn="l" rtl="0">
               <a:spcBef>
                 <a:spcPts val="0"/>
               </a:spcBef>
@@ -5131,9 +5118,6 @@
               </a:spcAft>
               <a:buNone/>
             </a:pPr>
-            <a:r>
-              <a:t/>
-            </a:r>
             <a:endParaRPr/>
           </a:p>
         </p:txBody>
@@ -5141,7 +5125,9 @@
       <p:sp>
         <p:nvSpPr>
           <p:cNvPr id="60" name="Google Shape;60;p5"/>
-          <p:cNvSpPr txBox="1"/>
+          <p:cNvSpPr txBox="1">
+            <a:spLocks noGrp="1"/>
+          </p:cNvSpPr>
           <p:nvPr>
             <p:ph type="title"/>
           </p:nvPr>
@@ -5156,7 +5142,7 @@
           </a:prstGeom>
         </p:spPr>
         <p:txBody>
-          <a:bodyPr anchorCtr="0" anchor="t" bIns="91425" lIns="91425" spcFirstLastPara="1" rIns="91425" wrap="square" tIns="91425">
+          <a:bodyPr spcFirstLastPara="1" wrap="square" lIns="91425" tIns="91425" rIns="91425" bIns="91425" anchor="t" anchorCtr="0">
             <a:normAutofit/>
           </a:bodyPr>
           <a:lstStyle>
@@ -5260,15 +5246,19 @@
               <a:defRPr sz="3000"/>
             </a:lvl9pPr>
           </a:lstStyle>
-          <a:p/>
+          <a:p>
+            <a:endParaRPr/>
+          </a:p>
         </p:txBody>
       </p:sp>
       <p:sp>
         <p:nvSpPr>
           <p:cNvPr id="61" name="Google Shape;61;p5"/>
-          <p:cNvSpPr txBox="1"/>
+          <p:cNvSpPr txBox="1">
+            <a:spLocks noGrp="1"/>
+          </p:cNvSpPr>
           <p:nvPr>
-            <p:ph idx="1" type="body"/>
+            <p:ph type="body" idx="1"/>
           </p:nvPr>
         </p:nvSpPr>
         <p:spPr>
@@ -5281,11 +5271,11 @@
           </a:prstGeom>
         </p:spPr>
         <p:txBody>
-          <a:bodyPr anchorCtr="0" anchor="t" bIns="91425" lIns="91425" spcFirstLastPara="1" rIns="91425" wrap="square" tIns="91425">
+          <a:bodyPr spcFirstLastPara="1" wrap="square" lIns="91425" tIns="91425" rIns="91425" bIns="91425" anchor="t" anchorCtr="0">
             <a:normAutofit/>
           </a:bodyPr>
           <a:lstStyle>
-            <a:lvl1pPr indent="-311150" lvl="0" marL="457200">
+            <a:lvl1pPr marL="457200" lvl="0" indent="-311150">
               <a:spcBef>
                 <a:spcPts val="0"/>
               </a:spcBef>
@@ -5296,7 +5286,7 @@
               <a:buChar char="●"/>
               <a:defRPr/>
             </a:lvl1pPr>
-            <a:lvl2pPr indent="-298450" lvl="1" marL="914400">
+            <a:lvl2pPr marL="914400" lvl="1" indent="-298450">
               <a:spcBef>
                 <a:spcPts val="0"/>
               </a:spcBef>
@@ -5307,7 +5297,7 @@
               <a:buChar char="○"/>
               <a:defRPr/>
             </a:lvl2pPr>
-            <a:lvl3pPr indent="-298450" lvl="2" marL="1371600">
+            <a:lvl3pPr marL="1371600" lvl="2" indent="-298450">
               <a:spcBef>
                 <a:spcPts val="0"/>
               </a:spcBef>
@@ -5318,7 +5308,7 @@
               <a:buChar char="■"/>
               <a:defRPr/>
             </a:lvl3pPr>
-            <a:lvl4pPr indent="-298450" lvl="3" marL="1828800">
+            <a:lvl4pPr marL="1828800" lvl="3" indent="-298450">
               <a:spcBef>
                 <a:spcPts val="0"/>
               </a:spcBef>
@@ -5329,7 +5319,7 @@
               <a:buChar char="●"/>
               <a:defRPr/>
             </a:lvl4pPr>
-            <a:lvl5pPr indent="-298450" lvl="4" marL="2286000">
+            <a:lvl5pPr marL="2286000" lvl="4" indent="-298450">
               <a:spcBef>
                 <a:spcPts val="0"/>
               </a:spcBef>
@@ -5340,7 +5330,7 @@
               <a:buChar char="○"/>
               <a:defRPr/>
             </a:lvl5pPr>
-            <a:lvl6pPr indent="-298450" lvl="5" marL="2743200">
+            <a:lvl6pPr marL="2743200" lvl="5" indent="-298450">
               <a:spcBef>
                 <a:spcPts val="0"/>
               </a:spcBef>
@@ -5351,7 +5341,7 @@
               <a:buChar char="■"/>
               <a:defRPr/>
             </a:lvl6pPr>
-            <a:lvl7pPr indent="-298450" lvl="6" marL="3200400">
+            <a:lvl7pPr marL="3200400" lvl="6" indent="-298450">
               <a:spcBef>
                 <a:spcPts val="0"/>
               </a:spcBef>
@@ -5362,7 +5352,7 @@
               <a:buChar char="●"/>
               <a:defRPr/>
             </a:lvl7pPr>
-            <a:lvl8pPr indent="-298450" lvl="7" marL="3657600">
+            <a:lvl8pPr marL="3657600" lvl="7" indent="-298450">
               <a:spcBef>
                 <a:spcPts val="0"/>
               </a:spcBef>
@@ -5373,7 +5363,7 @@
               <a:buChar char="○"/>
               <a:defRPr/>
             </a:lvl8pPr>
-            <a:lvl9pPr indent="-298450" lvl="8" marL="4114800">
+            <a:lvl9pPr marL="4114800" lvl="8" indent="-298450">
               <a:spcBef>
                 <a:spcPts val="0"/>
               </a:spcBef>
@@ -5385,15 +5375,19 @@
               <a:defRPr/>
             </a:lvl9pPr>
           </a:lstStyle>
-          <a:p/>
+          <a:p>
+            <a:endParaRPr/>
+          </a:p>
         </p:txBody>
       </p:sp>
       <p:sp>
         <p:nvSpPr>
           <p:cNvPr id="62" name="Google Shape;62;p5"/>
-          <p:cNvSpPr txBox="1"/>
+          <p:cNvSpPr txBox="1">
+            <a:spLocks noGrp="1"/>
+          </p:cNvSpPr>
           <p:nvPr>
-            <p:ph idx="2" type="body"/>
+            <p:ph type="body" idx="2"/>
           </p:nvPr>
         </p:nvSpPr>
         <p:spPr>
@@ -5406,11 +5400,11 @@
           </a:prstGeom>
         </p:spPr>
         <p:txBody>
-          <a:bodyPr anchorCtr="0" anchor="t" bIns="91425" lIns="91425" spcFirstLastPara="1" rIns="91425" wrap="square" tIns="91425">
+          <a:bodyPr spcFirstLastPara="1" wrap="square" lIns="91425" tIns="91425" rIns="91425" bIns="91425" anchor="t" anchorCtr="0">
             <a:normAutofit/>
           </a:bodyPr>
           <a:lstStyle>
-            <a:lvl1pPr indent="-311150" lvl="0" marL="457200">
+            <a:lvl1pPr marL="457200" lvl="0" indent="-311150">
               <a:spcBef>
                 <a:spcPts val="0"/>
               </a:spcBef>
@@ -5421,7 +5415,7 @@
               <a:buChar char="●"/>
               <a:defRPr/>
             </a:lvl1pPr>
-            <a:lvl2pPr indent="-298450" lvl="1" marL="914400">
+            <a:lvl2pPr marL="914400" lvl="1" indent="-298450">
               <a:spcBef>
                 <a:spcPts val="0"/>
               </a:spcBef>
@@ -5432,7 +5426,7 @@
               <a:buChar char="○"/>
               <a:defRPr/>
             </a:lvl2pPr>
-            <a:lvl3pPr indent="-298450" lvl="2" marL="1371600">
+            <a:lvl3pPr marL="1371600" lvl="2" indent="-298450">
               <a:spcBef>
                 <a:spcPts val="0"/>
               </a:spcBef>
@@ -5443,7 +5437,7 @@
               <a:buChar char="■"/>
               <a:defRPr/>
             </a:lvl3pPr>
-            <a:lvl4pPr indent="-298450" lvl="3" marL="1828800">
+            <a:lvl4pPr marL="1828800" lvl="3" indent="-298450">
               <a:spcBef>
                 <a:spcPts val="0"/>
               </a:spcBef>
@@ -5454,7 +5448,7 @@
               <a:buChar char="●"/>
               <a:defRPr/>
             </a:lvl4pPr>
-            <a:lvl5pPr indent="-298450" lvl="4" marL="2286000">
+            <a:lvl5pPr marL="2286000" lvl="4" indent="-298450">
               <a:spcBef>
                 <a:spcPts val="0"/>
               </a:spcBef>
@@ -5465,7 +5459,7 @@
               <a:buChar char="○"/>
               <a:defRPr/>
             </a:lvl5pPr>
-            <a:lvl6pPr indent="-298450" lvl="5" marL="2743200">
+            <a:lvl6pPr marL="2743200" lvl="5" indent="-298450">
               <a:spcBef>
                 <a:spcPts val="0"/>
               </a:spcBef>
@@ -5476,7 +5470,7 @@
               <a:buChar char="■"/>
               <a:defRPr/>
             </a:lvl6pPr>
-            <a:lvl7pPr indent="-298450" lvl="6" marL="3200400">
+            <a:lvl7pPr marL="3200400" lvl="6" indent="-298450">
               <a:spcBef>
                 <a:spcPts val="0"/>
               </a:spcBef>
@@ -5487,7 +5481,7 @@
               <a:buChar char="●"/>
               <a:defRPr/>
             </a:lvl7pPr>
-            <a:lvl8pPr indent="-298450" lvl="7" marL="3657600">
+            <a:lvl8pPr marL="3657600" lvl="7" indent="-298450">
               <a:spcBef>
                 <a:spcPts val="0"/>
               </a:spcBef>
@@ -5498,7 +5492,7 @@
               <a:buChar char="○"/>
               <a:defRPr/>
             </a:lvl8pPr>
-            <a:lvl9pPr indent="-298450" lvl="8" marL="4114800">
+            <a:lvl9pPr marL="4114800" lvl="8" indent="-298450">
               <a:spcBef>
                 <a:spcPts val="0"/>
               </a:spcBef>
@@ -5510,15 +5504,19 @@
               <a:defRPr/>
             </a:lvl9pPr>
           </a:lstStyle>
-          <a:p/>
+          <a:p>
+            <a:endParaRPr/>
+          </a:p>
         </p:txBody>
       </p:sp>
       <p:sp>
         <p:nvSpPr>
           <p:cNvPr id="63" name="Google Shape;63;p5"/>
-          <p:cNvSpPr txBox="1"/>
+          <p:cNvSpPr txBox="1">
+            <a:spLocks noGrp="1"/>
+          </p:cNvSpPr>
           <p:nvPr>
-            <p:ph idx="12" type="sldNum"/>
+            <p:ph type="sldNum" idx="12"/>
           </p:nvPr>
         </p:nvSpPr>
         <p:spPr>
@@ -5531,7 +5529,7 @@
           </a:prstGeom>
         </p:spPr>
         <p:txBody>
-          <a:bodyPr anchorCtr="0" anchor="ctr" bIns="91425" lIns="91425" spcFirstLastPara="1" rIns="91425" wrap="square" tIns="91425">
+          <a:bodyPr spcFirstLastPara="1" wrap="square" lIns="91425" tIns="91425" rIns="91425" bIns="91425" anchor="ctr" anchorCtr="0">
             <a:normAutofit/>
           </a:bodyPr>
           <a:lstStyle>
@@ -5573,7 +5571,7 @@
             </a:lvl9pPr>
           </a:lstStyle>
           <a:p>
-            <a:pPr indent="0" lvl="0" marL="0" rtl="0" algn="r">
+            <a:pPr marL="0" lvl="0" indent="0" algn="r" rtl="0">
               <a:spcBef>
                 <a:spcPts val="0"/>
               </a:spcBef>
@@ -5599,18 +5597,19 @@
 </file>
 
 <file path=ppt/slideLayouts/slideLayout5.xml><?xml version="1.0" encoding="utf-8"?>
-<p:sldLayout xmlns:a="http://schemas.openxmlformats.org/drawingml/2006/main" xmlns:r="http://schemas.openxmlformats.org/officeDocument/2006/relationships" xmlns:mc="http://schemas.openxmlformats.org/markup-compatibility/2006" xmlns:mv="urn:schemas-microsoft-com:mac:vml" xmlns:p="http://schemas.openxmlformats.org/presentationml/2006/main" xmlns:c="http://schemas.openxmlformats.org/drawingml/2006/chart" xmlns:dgm="http://schemas.openxmlformats.org/drawingml/2006/diagram" xmlns:o="urn:schemas-microsoft-com:office:office" xmlns:v="urn:schemas-microsoft-com:vml" xmlns:pvml="urn:schemas-microsoft-com:office:powerpoint" xmlns:com="http://schemas.openxmlformats.org/drawingml/2006/compatibility" xmlns:p14="http://schemas.microsoft.com/office/powerpoint/2010/main" xmlns:p15="http://schemas.microsoft.com/office/powerpoint/2012/main" xmlns:ahyp="http://schemas.microsoft.com/office/drawing/2018/hyperlinkcolor" matchingName="Title only" type="titleOnly">
+<p:sldLayout xmlns:a="http://schemas.openxmlformats.org/drawingml/2006/main" xmlns:r="http://schemas.openxmlformats.org/officeDocument/2006/relationships" xmlns:p="http://schemas.openxmlformats.org/presentationml/2006/main" matchingName="Title only" type="titleOnly">
   <p:cSld name="TITLE_ONLY">
     <p:bg>
       <p:bgPr>
         <a:solidFill>
           <a:schemeClr val="dk2"/>
         </a:solidFill>
+        <a:effectLst/>
       </p:bgPr>
     </p:bg>
     <p:spTree>
       <p:nvGrpSpPr>
-        <p:cNvPr id="64" name="Shape 64"/>
+        <p:cNvPr id="1" name="Shape 64"/>
         <p:cNvGrpSpPr/>
         <p:nvPr/>
       </p:nvGrpSpPr>
@@ -5644,12 +5643,12 @@
           </a:ln>
         </p:spPr>
         <p:txBody>
-          <a:bodyPr anchorCtr="0" anchor="ctr" bIns="91425" lIns="91425" spcFirstLastPara="1" rIns="91425" wrap="square" tIns="91425">
+          <a:bodyPr spcFirstLastPara="1" wrap="square" lIns="91425" tIns="91425" rIns="91425" bIns="91425" anchor="ctr" anchorCtr="0">
             <a:noAutofit/>
           </a:bodyPr>
           <a:lstStyle/>
           <a:p>
-            <a:pPr indent="0" lvl="0" marL="0" rtl="0" algn="l">
+            <a:pPr marL="0" lvl="0" indent="0" algn="l" rtl="0">
               <a:spcBef>
                 <a:spcPts val="0"/>
               </a:spcBef>
@@ -5658,9 +5657,6 @@
               </a:spcAft>
               <a:buNone/>
             </a:pPr>
-            <a:r>
-              <a:t/>
-            </a:r>
             <a:endParaRPr/>
           </a:p>
         </p:txBody>
@@ -5687,12 +5683,12 @@
           </a:ln>
         </p:spPr>
         <p:txBody>
-          <a:bodyPr anchorCtr="0" anchor="ctr" bIns="91425" lIns="91425" spcFirstLastPara="1" rIns="91425" wrap="square" tIns="91425">
+          <a:bodyPr spcFirstLastPara="1" wrap="square" lIns="91425" tIns="91425" rIns="91425" bIns="91425" anchor="ctr" anchorCtr="0">
             <a:noAutofit/>
           </a:bodyPr>
           <a:lstStyle/>
           <a:p>
-            <a:pPr indent="0" lvl="0" marL="0" rtl="0" algn="l">
+            <a:pPr marL="0" lvl="0" indent="0" algn="l" rtl="0">
               <a:spcBef>
                 <a:spcPts val="0"/>
               </a:spcBef>
@@ -5701,9 +5697,6 @@
               </a:spcAft>
               <a:buNone/>
             </a:pPr>
-            <a:r>
-              <a:t/>
-            </a:r>
             <a:endParaRPr/>
           </a:p>
         </p:txBody>
@@ -5729,7 +5722,7 @@
             <a:noFill/>
           </a:ln>
           <a:effectLst>
-            <a:outerShdw blurRad="228600" sx="101000" rotWithShape="0" algn="ctr" sy="101000">
+            <a:outerShdw blurRad="228600" sx="101000" sy="101000" algn="ctr" rotWithShape="0">
               <a:srgbClr val="000000">
                 <a:alpha val="40000"/>
               </a:srgbClr>
@@ -5737,12 +5730,12 @@
           </a:effectLst>
         </p:spPr>
         <p:txBody>
-          <a:bodyPr anchorCtr="0" anchor="ctr" bIns="91425" lIns="91425" spcFirstLastPara="1" rIns="91425" wrap="square" tIns="91425">
+          <a:bodyPr spcFirstLastPara="1" wrap="square" lIns="91425" tIns="91425" rIns="91425" bIns="91425" anchor="ctr" anchorCtr="0">
             <a:noAutofit/>
           </a:bodyPr>
           <a:lstStyle/>
           <a:p>
-            <a:pPr indent="0" lvl="0" marL="0" rtl="0" algn="l">
+            <a:pPr marL="0" lvl="0" indent="0" algn="l" rtl="0">
               <a:spcBef>
                 <a:spcPts val="0"/>
               </a:spcBef>
@@ -5751,9 +5744,6 @@
               </a:spcAft>
               <a:buNone/>
             </a:pPr>
-            <a:r>
-              <a:t/>
-            </a:r>
             <a:endParaRPr/>
           </a:p>
         </p:txBody>
@@ -5761,7 +5751,9 @@
       <p:sp>
         <p:nvSpPr>
           <p:cNvPr id="68" name="Google Shape;68;p6"/>
-          <p:cNvSpPr txBox="1"/>
+          <p:cNvSpPr txBox="1">
+            <a:spLocks noGrp="1"/>
+          </p:cNvSpPr>
           <p:nvPr>
             <p:ph type="title"/>
           </p:nvPr>
@@ -5776,7 +5768,7 @@
           </a:prstGeom>
         </p:spPr>
         <p:txBody>
-          <a:bodyPr anchorCtr="0" anchor="t" bIns="91425" lIns="91425" spcFirstLastPara="1" rIns="91425" wrap="square" tIns="91425">
+          <a:bodyPr spcFirstLastPara="1" wrap="square" lIns="91425" tIns="91425" rIns="91425" bIns="91425" anchor="t" anchorCtr="0">
             <a:normAutofit/>
           </a:bodyPr>
           <a:lstStyle>
@@ -5880,15 +5872,19 @@
               <a:defRPr sz="3000"/>
             </a:lvl9pPr>
           </a:lstStyle>
-          <a:p/>
+          <a:p>
+            <a:endParaRPr/>
+          </a:p>
         </p:txBody>
       </p:sp>
       <p:sp>
         <p:nvSpPr>
           <p:cNvPr id="69" name="Google Shape;69;p6"/>
-          <p:cNvSpPr txBox="1"/>
+          <p:cNvSpPr txBox="1">
+            <a:spLocks noGrp="1"/>
+          </p:cNvSpPr>
           <p:nvPr>
-            <p:ph idx="12" type="sldNum"/>
+            <p:ph type="sldNum" idx="12"/>
           </p:nvPr>
         </p:nvSpPr>
         <p:spPr>
@@ -5901,7 +5897,7 @@
           </a:prstGeom>
         </p:spPr>
         <p:txBody>
-          <a:bodyPr anchorCtr="0" anchor="ctr" bIns="91425" lIns="91425" spcFirstLastPara="1" rIns="91425" wrap="square" tIns="91425">
+          <a:bodyPr spcFirstLastPara="1" wrap="square" lIns="91425" tIns="91425" rIns="91425" bIns="91425" anchor="ctr" anchorCtr="0">
             <a:normAutofit/>
           </a:bodyPr>
           <a:lstStyle>
@@ -5943,7 +5939,7 @@
             </a:lvl9pPr>
           </a:lstStyle>
           <a:p>
-            <a:pPr indent="0" lvl="0" marL="0" rtl="0" algn="r">
+            <a:pPr marL="0" lvl="0" indent="0" algn="r" rtl="0">
               <a:spcBef>
                 <a:spcPts val="0"/>
               </a:spcBef>
@@ -5969,18 +5965,19 @@
 </file>
 
 <file path=ppt/slideLayouts/slideLayout6.xml><?xml version="1.0" encoding="utf-8"?>
-<p:sldLayout xmlns:a="http://schemas.openxmlformats.org/drawingml/2006/main" xmlns:r="http://schemas.openxmlformats.org/officeDocument/2006/relationships" xmlns:mc="http://schemas.openxmlformats.org/markup-compatibility/2006" xmlns:mv="urn:schemas-microsoft-com:mac:vml" xmlns:p="http://schemas.openxmlformats.org/presentationml/2006/main" xmlns:c="http://schemas.openxmlformats.org/drawingml/2006/chart" xmlns:dgm="http://schemas.openxmlformats.org/drawingml/2006/diagram" xmlns:o="urn:schemas-microsoft-com:office:office" xmlns:v="urn:schemas-microsoft-com:vml" xmlns:pvml="urn:schemas-microsoft-com:office:powerpoint" xmlns:com="http://schemas.openxmlformats.org/drawingml/2006/compatibility" xmlns:p14="http://schemas.microsoft.com/office/powerpoint/2010/main" xmlns:p15="http://schemas.microsoft.com/office/powerpoint/2012/main" xmlns:ahyp="http://schemas.microsoft.com/office/drawing/2018/hyperlinkcolor" matchingName="One column text">
+<p:sldLayout xmlns:a="http://schemas.openxmlformats.org/drawingml/2006/main" xmlns:r="http://schemas.openxmlformats.org/officeDocument/2006/relationships" xmlns:p="http://schemas.openxmlformats.org/presentationml/2006/main" matchingName="One column text">
   <p:cSld name="ONE_COLUMN_TEXT">
     <p:bg>
       <p:bgPr>
         <a:solidFill>
           <a:schemeClr val="accent3"/>
         </a:solidFill>
+        <a:effectLst/>
       </p:bgPr>
     </p:bg>
     <p:spTree>
       <p:nvGrpSpPr>
-        <p:cNvPr id="70" name="Shape 70"/>
+        <p:cNvPr id="1" name="Shape 70"/>
         <p:cNvGrpSpPr/>
         <p:nvPr/>
       </p:nvGrpSpPr>
@@ -6014,12 +6011,12 @@
           </a:ln>
         </p:spPr>
         <p:txBody>
-          <a:bodyPr anchorCtr="0" anchor="ctr" bIns="91425" lIns="91425" spcFirstLastPara="1" rIns="91425" wrap="square" tIns="91425">
+          <a:bodyPr spcFirstLastPara="1" wrap="square" lIns="91425" tIns="91425" rIns="91425" bIns="91425" anchor="ctr" anchorCtr="0">
             <a:noAutofit/>
           </a:bodyPr>
           <a:lstStyle/>
           <a:p>
-            <a:pPr indent="0" lvl="0" marL="0" rtl="0" algn="l">
+            <a:pPr marL="0" lvl="0" indent="0" algn="l" rtl="0">
               <a:spcBef>
                 <a:spcPts val="0"/>
               </a:spcBef>
@@ -6028,9 +6025,6 @@
               </a:spcAft>
               <a:buNone/>
             </a:pPr>
-            <a:r>
-              <a:t/>
-            </a:r>
             <a:endParaRPr/>
           </a:p>
         </p:txBody>
@@ -6057,12 +6051,12 @@
           </a:ln>
         </p:spPr>
         <p:txBody>
-          <a:bodyPr anchorCtr="0" anchor="ctr" bIns="91425" lIns="91425" spcFirstLastPara="1" rIns="91425" wrap="square" tIns="91425">
+          <a:bodyPr spcFirstLastPara="1" wrap="square" lIns="91425" tIns="91425" rIns="91425" bIns="91425" anchor="ctr" anchorCtr="0">
             <a:noAutofit/>
           </a:bodyPr>
           <a:lstStyle/>
           <a:p>
-            <a:pPr indent="0" lvl="0" marL="0" rtl="0" algn="l">
+            <a:pPr marL="0" lvl="0" indent="0" algn="l" rtl="0">
               <a:spcBef>
                 <a:spcPts val="0"/>
               </a:spcBef>
@@ -6071,9 +6065,6 @@
               </a:spcAft>
               <a:buNone/>
             </a:pPr>
-            <a:r>
-              <a:t/>
-            </a:r>
             <a:endParaRPr/>
           </a:p>
         </p:txBody>
@@ -6099,7 +6090,7 @@
             <a:noFill/>
           </a:ln>
           <a:effectLst>
-            <a:outerShdw blurRad="228600" sx="101000" rotWithShape="0" algn="ctr" sy="101000">
+            <a:outerShdw blurRad="228600" sx="101000" sy="101000" algn="ctr" rotWithShape="0">
               <a:srgbClr val="000000">
                 <a:alpha val="40000"/>
               </a:srgbClr>
@@ -6107,12 +6098,12 @@
           </a:effectLst>
         </p:spPr>
         <p:txBody>
-          <a:bodyPr anchorCtr="0" anchor="ctr" bIns="91425" lIns="91425" spcFirstLastPara="1" rIns="91425" wrap="square" tIns="91425">
+          <a:bodyPr spcFirstLastPara="1" wrap="square" lIns="91425" tIns="91425" rIns="91425" bIns="91425" anchor="ctr" anchorCtr="0">
             <a:noAutofit/>
           </a:bodyPr>
           <a:lstStyle/>
           <a:p>
-            <a:pPr indent="0" lvl="0" marL="0" rtl="0" algn="l">
+            <a:pPr marL="0" lvl="0" indent="0" algn="l" rtl="0">
               <a:spcBef>
                 <a:spcPts val="0"/>
               </a:spcBef>
@@ -6121,9 +6112,6 @@
               </a:spcAft>
               <a:buNone/>
             </a:pPr>
-            <a:r>
-              <a:t/>
-            </a:r>
             <a:endParaRPr/>
           </a:p>
         </p:txBody>
@@ -6131,7 +6119,9 @@
       <p:sp>
         <p:nvSpPr>
           <p:cNvPr id="74" name="Google Shape;74;p7"/>
-          <p:cNvSpPr txBox="1"/>
+          <p:cNvSpPr txBox="1">
+            <a:spLocks noGrp="1"/>
+          </p:cNvSpPr>
           <p:nvPr>
             <p:ph type="title"/>
           </p:nvPr>
@@ -6146,7 +6136,7 @@
           </a:prstGeom>
         </p:spPr>
         <p:txBody>
-          <a:bodyPr anchorCtr="0" anchor="t" bIns="91425" lIns="91425" spcFirstLastPara="1" rIns="91425" wrap="square" tIns="91425">
+          <a:bodyPr spcFirstLastPara="1" wrap="square" lIns="91425" tIns="91425" rIns="91425" bIns="91425" anchor="t" anchorCtr="0">
             <a:normAutofit/>
           </a:bodyPr>
           <a:lstStyle>
@@ -6250,15 +6240,19 @@
               <a:defRPr sz="3000"/>
             </a:lvl9pPr>
           </a:lstStyle>
-          <a:p/>
+          <a:p>
+            <a:endParaRPr/>
+          </a:p>
         </p:txBody>
       </p:sp>
       <p:sp>
         <p:nvSpPr>
           <p:cNvPr id="75" name="Google Shape;75;p7"/>
-          <p:cNvSpPr txBox="1"/>
+          <p:cNvSpPr txBox="1">
+            <a:spLocks noGrp="1"/>
+          </p:cNvSpPr>
           <p:nvPr>
-            <p:ph idx="1" type="body"/>
+            <p:ph type="body" idx="1"/>
           </p:nvPr>
         </p:nvSpPr>
         <p:spPr>
@@ -6271,11 +6265,11 @@
           </a:prstGeom>
         </p:spPr>
         <p:txBody>
-          <a:bodyPr anchorCtr="0" anchor="t" bIns="91425" lIns="91425" spcFirstLastPara="1" rIns="91425" wrap="square" tIns="91425">
+          <a:bodyPr spcFirstLastPara="1" wrap="square" lIns="91425" tIns="91425" rIns="91425" bIns="91425" anchor="t" anchorCtr="0">
             <a:normAutofit/>
           </a:bodyPr>
           <a:lstStyle>
-            <a:lvl1pPr indent="-311150" lvl="0" marL="457200">
+            <a:lvl1pPr marL="457200" lvl="0" indent="-311150">
               <a:spcBef>
                 <a:spcPts val="0"/>
               </a:spcBef>
@@ -6286,7 +6280,7 @@
               <a:buChar char="●"/>
               <a:defRPr/>
             </a:lvl1pPr>
-            <a:lvl2pPr indent="-298450" lvl="1" marL="914400">
+            <a:lvl2pPr marL="914400" lvl="1" indent="-298450">
               <a:spcBef>
                 <a:spcPts val="0"/>
               </a:spcBef>
@@ -6297,7 +6291,7 @@
               <a:buChar char="○"/>
               <a:defRPr/>
             </a:lvl2pPr>
-            <a:lvl3pPr indent="-298450" lvl="2" marL="1371600">
+            <a:lvl3pPr marL="1371600" lvl="2" indent="-298450">
               <a:spcBef>
                 <a:spcPts val="0"/>
               </a:spcBef>
@@ -6308,7 +6302,7 @@
               <a:buChar char="■"/>
               <a:defRPr/>
             </a:lvl3pPr>
-            <a:lvl4pPr indent="-298450" lvl="3" marL="1828800">
+            <a:lvl4pPr marL="1828800" lvl="3" indent="-298450">
               <a:spcBef>
                 <a:spcPts val="0"/>
               </a:spcBef>
@@ -6319,7 +6313,7 @@
               <a:buChar char="●"/>
               <a:defRPr/>
             </a:lvl4pPr>
-            <a:lvl5pPr indent="-298450" lvl="4" marL="2286000">
+            <a:lvl5pPr marL="2286000" lvl="4" indent="-298450">
               <a:spcBef>
                 <a:spcPts val="0"/>
               </a:spcBef>
@@ -6330,7 +6324,7 @@
               <a:buChar char="○"/>
               <a:defRPr/>
             </a:lvl5pPr>
-            <a:lvl6pPr indent="-298450" lvl="5" marL="2743200">
+            <a:lvl6pPr marL="2743200" lvl="5" indent="-298450">
               <a:spcBef>
                 <a:spcPts val="0"/>
               </a:spcBef>
@@ -6341,7 +6335,7 @@
               <a:buChar char="■"/>
               <a:defRPr/>
             </a:lvl6pPr>
-            <a:lvl7pPr indent="-298450" lvl="6" marL="3200400">
+            <a:lvl7pPr marL="3200400" lvl="6" indent="-298450">
               <a:spcBef>
                 <a:spcPts val="0"/>
               </a:spcBef>
@@ -6352,7 +6346,7 @@
               <a:buChar char="●"/>
               <a:defRPr/>
             </a:lvl7pPr>
-            <a:lvl8pPr indent="-298450" lvl="7" marL="3657600">
+            <a:lvl8pPr marL="3657600" lvl="7" indent="-298450">
               <a:spcBef>
                 <a:spcPts val="0"/>
               </a:spcBef>
@@ -6363,7 +6357,7 @@
               <a:buChar char="○"/>
               <a:defRPr/>
             </a:lvl8pPr>
-            <a:lvl9pPr indent="-298450" lvl="8" marL="4114800">
+            <a:lvl9pPr marL="4114800" lvl="8" indent="-298450">
               <a:spcBef>
                 <a:spcPts val="0"/>
               </a:spcBef>
@@ -6375,15 +6369,19 @@
               <a:defRPr/>
             </a:lvl9pPr>
           </a:lstStyle>
-          <a:p/>
+          <a:p>
+            <a:endParaRPr/>
+          </a:p>
         </p:txBody>
       </p:sp>
       <p:sp>
         <p:nvSpPr>
           <p:cNvPr id="76" name="Google Shape;76;p7"/>
-          <p:cNvSpPr txBox="1"/>
+          <p:cNvSpPr txBox="1">
+            <a:spLocks noGrp="1"/>
+          </p:cNvSpPr>
           <p:nvPr>
-            <p:ph idx="12" type="sldNum"/>
+            <p:ph type="sldNum" idx="12"/>
           </p:nvPr>
         </p:nvSpPr>
         <p:spPr>
@@ -6396,7 +6394,7 @@
           </a:prstGeom>
         </p:spPr>
         <p:txBody>
-          <a:bodyPr anchorCtr="0" anchor="ctr" bIns="91425" lIns="91425" spcFirstLastPara="1" rIns="91425" wrap="square" tIns="91425">
+          <a:bodyPr spcFirstLastPara="1" wrap="square" lIns="91425" tIns="91425" rIns="91425" bIns="91425" anchor="ctr" anchorCtr="0">
             <a:normAutofit/>
           </a:bodyPr>
           <a:lstStyle>
@@ -6438,7 +6436,7 @@
             </a:lvl9pPr>
           </a:lstStyle>
           <a:p>
-            <a:pPr indent="0" lvl="0" marL="0" rtl="0" algn="r">
+            <a:pPr marL="0" lvl="0" indent="0" algn="r" rtl="0">
               <a:spcBef>
                 <a:spcPts val="0"/>
               </a:spcBef>
@@ -6464,18 +6462,19 @@
 </file>
 
 <file path=ppt/slideLayouts/slideLayout7.xml><?xml version="1.0" encoding="utf-8"?>
-<p:sldLayout xmlns:a="http://schemas.openxmlformats.org/drawingml/2006/main" xmlns:r="http://schemas.openxmlformats.org/officeDocument/2006/relationships" xmlns:mc="http://schemas.openxmlformats.org/markup-compatibility/2006" xmlns:mv="urn:schemas-microsoft-com:mac:vml" xmlns:p="http://schemas.openxmlformats.org/presentationml/2006/main" xmlns:c="http://schemas.openxmlformats.org/drawingml/2006/chart" xmlns:dgm="http://schemas.openxmlformats.org/drawingml/2006/diagram" xmlns:o="urn:schemas-microsoft-com:office:office" xmlns:v="urn:schemas-microsoft-com:vml" xmlns:pvml="urn:schemas-microsoft-com:office:powerpoint" xmlns:com="http://schemas.openxmlformats.org/drawingml/2006/compatibility" xmlns:p14="http://schemas.microsoft.com/office/powerpoint/2010/main" xmlns:p15="http://schemas.microsoft.com/office/powerpoint/2012/main" xmlns:ahyp="http://schemas.microsoft.com/office/drawing/2018/hyperlinkcolor" matchingName="Main point">
+<p:sldLayout xmlns:a="http://schemas.openxmlformats.org/drawingml/2006/main" xmlns:r="http://schemas.openxmlformats.org/officeDocument/2006/relationships" xmlns:p="http://schemas.openxmlformats.org/presentationml/2006/main" matchingName="Main point">
   <p:cSld name="MAIN_POINT">
     <p:bg>
       <p:bgPr>
         <a:solidFill>
           <a:schemeClr val="accent1"/>
         </a:solidFill>
+        <a:effectLst/>
       </p:bgPr>
     </p:bg>
     <p:spTree>
       <p:nvGrpSpPr>
-        <p:cNvPr id="77" name="Shape 77"/>
+        <p:cNvPr id="1" name="Shape 77"/>
         <p:cNvGrpSpPr/>
         <p:nvPr/>
       </p:nvGrpSpPr>
@@ -6509,12 +6508,12 @@
           </a:ln>
         </p:spPr>
         <p:txBody>
-          <a:bodyPr anchorCtr="0" anchor="ctr" bIns="91425" lIns="91425" spcFirstLastPara="1" rIns="91425" wrap="square" tIns="91425">
+          <a:bodyPr spcFirstLastPara="1" wrap="square" lIns="91425" tIns="91425" rIns="91425" bIns="91425" anchor="ctr" anchorCtr="0">
             <a:noAutofit/>
           </a:bodyPr>
           <a:lstStyle/>
           <a:p>
-            <a:pPr indent="0" lvl="0" marL="0" rtl="0" algn="l">
+            <a:pPr marL="0" lvl="0" indent="0" algn="l" rtl="0">
               <a:spcBef>
                 <a:spcPts val="0"/>
               </a:spcBef>
@@ -6523,9 +6522,6 @@
               </a:spcAft>
               <a:buNone/>
             </a:pPr>
-            <a:r>
-              <a:t/>
-            </a:r>
             <a:endParaRPr/>
           </a:p>
         </p:txBody>
@@ -6552,12 +6548,12 @@
           </a:ln>
         </p:spPr>
         <p:txBody>
-          <a:bodyPr anchorCtr="0" anchor="ctr" bIns="91425" lIns="91425" spcFirstLastPara="1" rIns="91425" wrap="square" tIns="91425">
+          <a:bodyPr spcFirstLastPara="1" wrap="square" lIns="91425" tIns="91425" rIns="91425" bIns="91425" anchor="ctr" anchorCtr="0">
             <a:noAutofit/>
           </a:bodyPr>
           <a:lstStyle/>
           <a:p>
-            <a:pPr indent="0" lvl="0" marL="0" rtl="0" algn="l">
+            <a:pPr marL="0" lvl="0" indent="0" algn="l" rtl="0">
               <a:spcBef>
                 <a:spcPts val="0"/>
               </a:spcBef>
@@ -6566,9 +6562,6 @@
               </a:spcAft>
               <a:buNone/>
             </a:pPr>
-            <a:r>
-              <a:t/>
-            </a:r>
             <a:endParaRPr/>
           </a:p>
         </p:txBody>
@@ -6600,7 +6593,7 @@
             </a:xfrm>
             <a:prstGeom prst="parallelogram">
               <a:avLst>
-                <a:gd fmla="val 153193" name="adj"/>
+                <a:gd name="adj" fmla="val 153193"/>
               </a:avLst>
             </a:prstGeom>
             <a:solidFill>
@@ -6611,12 +6604,12 @@
             </a:ln>
           </p:spPr>
           <p:txBody>
-            <a:bodyPr anchorCtr="0" anchor="ctr" bIns="91425" lIns="91425" spcFirstLastPara="1" rIns="91425" wrap="square" tIns="91425">
+            <a:bodyPr spcFirstLastPara="1" wrap="square" lIns="91425" tIns="91425" rIns="91425" bIns="91425" anchor="ctr" anchorCtr="0">
               <a:noAutofit/>
             </a:bodyPr>
             <a:lstStyle/>
             <a:p>
-              <a:pPr indent="0" lvl="0" marL="0" rtl="0" algn="l">
+              <a:pPr marL="0" lvl="0" indent="0" algn="l" rtl="0">
                 <a:spcBef>
                   <a:spcPts val="0"/>
                 </a:spcBef>
@@ -6625,9 +6618,6 @@
                 </a:spcAft>
                 <a:buNone/>
               </a:pPr>
-              <a:r>
-                <a:t/>
-              </a:r>
               <a:endParaRPr/>
             </a:p>
           </p:txBody>
@@ -6645,7 +6635,7 @@
             </a:xfrm>
             <a:prstGeom prst="parallelogram">
               <a:avLst>
-                <a:gd fmla="val 153193" name="adj"/>
+                <a:gd name="adj" fmla="val 153193"/>
               </a:avLst>
             </a:prstGeom>
             <a:solidFill>
@@ -6656,12 +6646,12 @@
             </a:ln>
           </p:spPr>
           <p:txBody>
-            <a:bodyPr anchorCtr="0" anchor="ctr" bIns="91425" lIns="91425" spcFirstLastPara="1" rIns="91425" wrap="square" tIns="91425">
+            <a:bodyPr spcFirstLastPara="1" wrap="square" lIns="91425" tIns="91425" rIns="91425" bIns="91425" anchor="ctr" anchorCtr="0">
               <a:noAutofit/>
             </a:bodyPr>
             <a:lstStyle/>
             <a:p>
-              <a:pPr indent="0" lvl="0" marL="0" rtl="0" algn="l">
+              <a:pPr marL="0" lvl="0" indent="0" algn="l" rtl="0">
                 <a:spcBef>
                   <a:spcPts val="0"/>
                 </a:spcBef>
@@ -6670,9 +6660,6 @@
                 </a:spcAft>
                 <a:buNone/>
               </a:pPr>
-              <a:r>
-                <a:t/>
-              </a:r>
               <a:endParaRPr/>
             </a:p>
           </p:txBody>
@@ -6690,7 +6677,7 @@
             </a:xfrm>
             <a:prstGeom prst="parallelogram">
               <a:avLst>
-                <a:gd fmla="val 153193" name="adj"/>
+                <a:gd name="adj" fmla="val 153193"/>
               </a:avLst>
             </a:prstGeom>
             <a:solidFill>
@@ -6701,12 +6688,12 @@
             </a:ln>
           </p:spPr>
           <p:txBody>
-            <a:bodyPr anchorCtr="0" anchor="ctr" bIns="91425" lIns="91425" spcFirstLastPara="1" rIns="91425" wrap="square" tIns="91425">
+            <a:bodyPr spcFirstLastPara="1" wrap="square" lIns="91425" tIns="91425" rIns="91425" bIns="91425" anchor="ctr" anchorCtr="0">
               <a:noAutofit/>
             </a:bodyPr>
             <a:lstStyle/>
             <a:p>
-              <a:pPr indent="0" lvl="0" marL="0" rtl="0" algn="l">
+              <a:pPr marL="0" lvl="0" indent="0" algn="l" rtl="0">
                 <a:spcBef>
                   <a:spcPts val="0"/>
                 </a:spcBef>
@@ -6715,9 +6702,6 @@
                 </a:spcAft>
                 <a:buNone/>
               </a:pPr>
-              <a:r>
-                <a:t/>
-              </a:r>
               <a:endParaRPr/>
             </a:p>
           </p:txBody>
@@ -6744,7 +6728,7 @@
             <a:noFill/>
           </a:ln>
           <a:effectLst>
-            <a:outerShdw blurRad="228600" sx="101000" rotWithShape="0" algn="ctr" sy="101000">
+            <a:outerShdw blurRad="228600" sx="101000" sy="101000" algn="ctr" rotWithShape="0">
               <a:srgbClr val="000000">
                 <a:alpha val="40000"/>
               </a:srgbClr>
@@ -6752,12 +6736,12 @@
           </a:effectLst>
         </p:spPr>
         <p:txBody>
-          <a:bodyPr anchorCtr="0" anchor="ctr" bIns="91425" lIns="91425" spcFirstLastPara="1" rIns="91425" wrap="square" tIns="91425">
+          <a:bodyPr spcFirstLastPara="1" wrap="square" lIns="91425" tIns="91425" rIns="91425" bIns="91425" anchor="ctr" anchorCtr="0">
             <a:noAutofit/>
           </a:bodyPr>
           <a:lstStyle/>
           <a:p>
-            <a:pPr indent="0" lvl="0" marL="0" rtl="0" algn="l">
+            <a:pPr marL="0" lvl="0" indent="0" algn="l" rtl="0">
               <a:spcBef>
                 <a:spcPts val="0"/>
               </a:spcBef>
@@ -6766,9 +6750,6 @@
               </a:spcAft>
               <a:buNone/>
             </a:pPr>
-            <a:r>
-              <a:t/>
-            </a:r>
             <a:endParaRPr/>
           </a:p>
         </p:txBody>
@@ -6800,7 +6781,7 @@
             </a:xfrm>
             <a:prstGeom prst="parallelogram">
               <a:avLst>
-                <a:gd fmla="val 158024" name="adj"/>
+                <a:gd name="adj" fmla="val 158024"/>
               </a:avLst>
             </a:prstGeom>
             <a:solidFill>
@@ -6811,12 +6792,12 @@
             </a:ln>
           </p:spPr>
           <p:txBody>
-            <a:bodyPr anchorCtr="0" anchor="ctr" bIns="91425" lIns="91425" spcFirstLastPara="1" rIns="91425" wrap="square" tIns="91425">
+            <a:bodyPr spcFirstLastPara="1" wrap="square" lIns="91425" tIns="91425" rIns="91425" bIns="91425" anchor="ctr" anchorCtr="0">
               <a:noAutofit/>
             </a:bodyPr>
             <a:lstStyle/>
             <a:p>
-              <a:pPr indent="0" lvl="0" marL="0" rtl="0" algn="l">
+              <a:pPr marL="0" lvl="0" indent="0" algn="l" rtl="0">
                 <a:spcBef>
                   <a:spcPts val="0"/>
                 </a:spcBef>
@@ -6825,9 +6806,6 @@
                 </a:spcAft>
                 <a:buNone/>
               </a:pPr>
-              <a:r>
-                <a:t/>
-              </a:r>
               <a:endParaRPr/>
             </a:p>
           </p:txBody>
@@ -6845,7 +6823,7 @@
             </a:xfrm>
             <a:prstGeom prst="parallelogram">
               <a:avLst>
-                <a:gd fmla="val 158024" name="adj"/>
+                <a:gd name="adj" fmla="val 158024"/>
               </a:avLst>
             </a:prstGeom>
             <a:solidFill>
@@ -6856,12 +6834,12 @@
             </a:ln>
           </p:spPr>
           <p:txBody>
-            <a:bodyPr anchorCtr="0" anchor="ctr" bIns="91425" lIns="91425" spcFirstLastPara="1" rIns="91425" wrap="square" tIns="91425">
+            <a:bodyPr spcFirstLastPara="1" wrap="square" lIns="91425" tIns="91425" rIns="91425" bIns="91425" anchor="ctr" anchorCtr="0">
               <a:noAutofit/>
             </a:bodyPr>
             <a:lstStyle/>
             <a:p>
-              <a:pPr indent="0" lvl="0" marL="0" rtl="0" algn="l">
+              <a:pPr marL="0" lvl="0" indent="0" algn="l" rtl="0">
                 <a:spcBef>
                   <a:spcPts val="0"/>
                 </a:spcBef>
@@ -6870,9 +6848,6 @@
                 </a:spcAft>
                 <a:buNone/>
               </a:pPr>
-              <a:r>
-                <a:t/>
-              </a:r>
               <a:endParaRPr/>
             </a:p>
           </p:txBody>
@@ -6890,7 +6865,7 @@
             </a:xfrm>
             <a:prstGeom prst="parallelogram">
               <a:avLst>
-                <a:gd fmla="val 158024" name="adj"/>
+                <a:gd name="adj" fmla="val 158024"/>
               </a:avLst>
             </a:prstGeom>
             <a:solidFill>
@@ -6901,12 +6876,12 @@
             </a:ln>
           </p:spPr>
           <p:txBody>
-            <a:bodyPr anchorCtr="0" anchor="ctr" bIns="91425" lIns="91425" spcFirstLastPara="1" rIns="91425" wrap="square" tIns="91425">
+            <a:bodyPr spcFirstLastPara="1" wrap="square" lIns="91425" tIns="91425" rIns="91425" bIns="91425" anchor="ctr" anchorCtr="0">
               <a:noAutofit/>
             </a:bodyPr>
             <a:lstStyle/>
             <a:p>
-              <a:pPr indent="0" lvl="0" marL="0" rtl="0" algn="l">
+              <a:pPr marL="0" lvl="0" indent="0" algn="l" rtl="0">
                 <a:spcBef>
                   <a:spcPts val="0"/>
                 </a:spcBef>
@@ -6915,9 +6890,6 @@
                 </a:spcAft>
                 <a:buNone/>
               </a:pPr>
-              <a:r>
-                <a:t/>
-              </a:r>
               <a:endParaRPr/>
             </a:p>
           </p:txBody>
@@ -6950,7 +6922,7 @@
             </a:xfrm>
             <a:prstGeom prst="parallelogram">
               <a:avLst>
-                <a:gd fmla="val 158024" name="adj"/>
+                <a:gd name="adj" fmla="val 158024"/>
               </a:avLst>
             </a:prstGeom>
             <a:solidFill>
@@ -6961,12 +6933,12 @@
             </a:ln>
           </p:spPr>
           <p:txBody>
-            <a:bodyPr anchorCtr="0" anchor="ctr" bIns="91425" lIns="91425" spcFirstLastPara="1" rIns="91425" wrap="square" tIns="91425">
+            <a:bodyPr spcFirstLastPara="1" wrap="square" lIns="91425" tIns="91425" rIns="91425" bIns="91425" anchor="ctr" anchorCtr="0">
               <a:noAutofit/>
             </a:bodyPr>
             <a:lstStyle/>
             <a:p>
-              <a:pPr indent="0" lvl="0" marL="0" rtl="0" algn="l">
+              <a:pPr marL="0" lvl="0" indent="0" algn="l" rtl="0">
                 <a:spcBef>
                   <a:spcPts val="0"/>
                 </a:spcBef>
@@ -6975,9 +6947,6 @@
                 </a:spcAft>
                 <a:buNone/>
               </a:pPr>
-              <a:r>
-                <a:t/>
-              </a:r>
               <a:endParaRPr/>
             </a:p>
           </p:txBody>
@@ -6995,7 +6964,7 @@
             </a:xfrm>
             <a:prstGeom prst="parallelogram">
               <a:avLst>
-                <a:gd fmla="val 158024" name="adj"/>
+                <a:gd name="adj" fmla="val 158024"/>
               </a:avLst>
             </a:prstGeom>
             <a:solidFill>
@@ -7006,12 +6975,12 @@
             </a:ln>
           </p:spPr>
           <p:txBody>
-            <a:bodyPr anchorCtr="0" anchor="ctr" bIns="91425" lIns="91425" spcFirstLastPara="1" rIns="91425" wrap="square" tIns="91425">
+            <a:bodyPr spcFirstLastPara="1" wrap="square" lIns="91425" tIns="91425" rIns="91425" bIns="91425" anchor="ctr" anchorCtr="0">
               <a:noAutofit/>
             </a:bodyPr>
             <a:lstStyle/>
             <a:p>
-              <a:pPr indent="0" lvl="0" marL="0" rtl="0" algn="l">
+              <a:pPr marL="0" lvl="0" indent="0" algn="l" rtl="0">
                 <a:spcBef>
                   <a:spcPts val="0"/>
                 </a:spcBef>
@@ -7020,9 +6989,6 @@
                 </a:spcAft>
                 <a:buNone/>
               </a:pPr>
-              <a:r>
-                <a:t/>
-              </a:r>
               <a:endParaRPr/>
             </a:p>
           </p:txBody>
@@ -7040,7 +7006,7 @@
             </a:xfrm>
             <a:prstGeom prst="parallelogram">
               <a:avLst>
-                <a:gd fmla="val 158024" name="adj"/>
+                <a:gd name="adj" fmla="val 158024"/>
               </a:avLst>
             </a:prstGeom>
             <a:solidFill>
@@ -7051,12 +7017,12 @@
             </a:ln>
           </p:spPr>
           <p:txBody>
-            <a:bodyPr anchorCtr="0" anchor="ctr" bIns="91425" lIns="91425" spcFirstLastPara="1" rIns="91425" wrap="square" tIns="91425">
+            <a:bodyPr spcFirstLastPara="1" wrap="square" lIns="91425" tIns="91425" rIns="91425" bIns="91425" anchor="ctr" anchorCtr="0">
               <a:noAutofit/>
             </a:bodyPr>
             <a:lstStyle/>
             <a:p>
-              <a:pPr indent="0" lvl="0" marL="0" rtl="0" algn="l">
+              <a:pPr marL="0" lvl="0" indent="0" algn="l" rtl="0">
                 <a:spcBef>
                   <a:spcPts val="0"/>
                 </a:spcBef>
@@ -7065,9 +7031,6 @@
                 </a:spcAft>
                 <a:buNone/>
               </a:pPr>
-              <a:r>
-                <a:t/>
-              </a:r>
               <a:endParaRPr/>
             </a:p>
           </p:txBody>
@@ -7076,7 +7039,9 @@
       <p:sp>
         <p:nvSpPr>
           <p:cNvPr id="93" name="Google Shape;93;p8"/>
-          <p:cNvSpPr txBox="1"/>
+          <p:cNvSpPr txBox="1">
+            <a:spLocks noGrp="1"/>
+          </p:cNvSpPr>
           <p:nvPr>
             <p:ph type="title"/>
           </p:nvPr>
@@ -7091,7 +7056,7 @@
           </a:prstGeom>
         </p:spPr>
         <p:txBody>
-          <a:bodyPr anchorCtr="0" anchor="ctr" bIns="91425" lIns="91425" spcFirstLastPara="1" rIns="91425" wrap="square" tIns="91425">
+          <a:bodyPr spcFirstLastPara="1" wrap="square" lIns="91425" tIns="91425" rIns="91425" bIns="91425" anchor="ctr" anchorCtr="0">
             <a:normAutofit/>
           </a:bodyPr>
           <a:lstStyle>
@@ -7195,15 +7160,19 @@
               <a:defRPr sz="3200"/>
             </a:lvl9pPr>
           </a:lstStyle>
-          <a:p/>
+          <a:p>
+            <a:endParaRPr/>
+          </a:p>
         </p:txBody>
       </p:sp>
       <p:sp>
         <p:nvSpPr>
           <p:cNvPr id="94" name="Google Shape;94;p8"/>
-          <p:cNvSpPr txBox="1"/>
+          <p:cNvSpPr txBox="1">
+            <a:spLocks noGrp="1"/>
+          </p:cNvSpPr>
           <p:nvPr>
-            <p:ph idx="12" type="sldNum"/>
+            <p:ph type="sldNum" idx="12"/>
           </p:nvPr>
         </p:nvSpPr>
         <p:spPr>
@@ -7216,7 +7185,7 @@
           </a:prstGeom>
         </p:spPr>
         <p:txBody>
-          <a:bodyPr anchorCtr="0" anchor="ctr" bIns="91425" lIns="91425" spcFirstLastPara="1" rIns="91425" wrap="square" tIns="91425">
+          <a:bodyPr spcFirstLastPara="1" wrap="square" lIns="91425" tIns="91425" rIns="91425" bIns="91425" anchor="ctr" anchorCtr="0">
             <a:normAutofit/>
           </a:bodyPr>
           <a:lstStyle>
@@ -7258,7 +7227,7 @@
             </a:lvl9pPr>
           </a:lstStyle>
           <a:p>
-            <a:pPr indent="0" lvl="0" marL="0" rtl="0" algn="r">
+            <a:pPr marL="0" lvl="0" indent="0" algn="r" rtl="0">
               <a:spcBef>
                 <a:spcPts val="0"/>
               </a:spcBef>
@@ -7284,18 +7253,19 @@
 </file>
 
 <file path=ppt/slideLayouts/slideLayout8.xml><?xml version="1.0" encoding="utf-8"?>
-<p:sldLayout xmlns:a="http://schemas.openxmlformats.org/drawingml/2006/main" xmlns:r="http://schemas.openxmlformats.org/officeDocument/2006/relationships" xmlns:mc="http://schemas.openxmlformats.org/markup-compatibility/2006" xmlns:mv="urn:schemas-microsoft-com:mac:vml" xmlns:p="http://schemas.openxmlformats.org/presentationml/2006/main" xmlns:c="http://schemas.openxmlformats.org/drawingml/2006/chart" xmlns:dgm="http://schemas.openxmlformats.org/drawingml/2006/diagram" xmlns:o="urn:schemas-microsoft-com:office:office" xmlns:v="urn:schemas-microsoft-com:vml" xmlns:pvml="urn:schemas-microsoft-com:office:powerpoint" xmlns:com="http://schemas.openxmlformats.org/drawingml/2006/compatibility" xmlns:p14="http://schemas.microsoft.com/office/powerpoint/2010/main" xmlns:p15="http://schemas.microsoft.com/office/powerpoint/2012/main" xmlns:ahyp="http://schemas.microsoft.com/office/drawing/2018/hyperlinkcolor" matchingName="Section title and description">
+<p:sldLayout xmlns:a="http://schemas.openxmlformats.org/drawingml/2006/main" xmlns:r="http://schemas.openxmlformats.org/officeDocument/2006/relationships" xmlns:p="http://schemas.openxmlformats.org/presentationml/2006/main" matchingName="Section title and description">
   <p:cSld name="SECTION_TITLE_AND_DESCRIPTION">
     <p:bg>
       <p:bgPr>
         <a:solidFill>
           <a:schemeClr val="dk2"/>
         </a:solidFill>
+        <a:effectLst/>
       </p:bgPr>
     </p:bg>
     <p:spTree>
       <p:nvGrpSpPr>
-        <p:cNvPr id="95" name="Shape 95"/>
+        <p:cNvPr id="1" name="Shape 95"/>
         <p:cNvGrpSpPr/>
         <p:nvPr/>
       </p:nvGrpSpPr>
@@ -7329,12 +7299,12 @@
           </a:ln>
         </p:spPr>
         <p:txBody>
-          <a:bodyPr anchorCtr="0" anchor="ctr" bIns="91425" lIns="91425" spcFirstLastPara="1" rIns="91425" wrap="square" tIns="91425">
+          <a:bodyPr spcFirstLastPara="1" wrap="square" lIns="91425" tIns="91425" rIns="91425" bIns="91425" anchor="ctr" anchorCtr="0">
             <a:noAutofit/>
           </a:bodyPr>
           <a:lstStyle/>
           <a:p>
-            <a:pPr indent="0" lvl="0" marL="0" rtl="0" algn="l">
+            <a:pPr marL="0" lvl="0" indent="0" algn="l" rtl="0">
               <a:spcBef>
                 <a:spcPts val="0"/>
               </a:spcBef>
@@ -7343,9 +7313,6 @@
               </a:spcAft>
               <a:buNone/>
             </a:pPr>
-            <a:r>
-              <a:t/>
-            </a:r>
             <a:endParaRPr/>
           </a:p>
         </p:txBody>
@@ -7372,12 +7339,12 @@
           </a:ln>
         </p:spPr>
         <p:txBody>
-          <a:bodyPr anchorCtr="0" anchor="ctr" bIns="91425" lIns="91425" spcFirstLastPara="1" rIns="91425" wrap="square" tIns="91425">
+          <a:bodyPr spcFirstLastPara="1" wrap="square" lIns="91425" tIns="91425" rIns="91425" bIns="91425" anchor="ctr" anchorCtr="0">
             <a:noAutofit/>
           </a:bodyPr>
           <a:lstStyle/>
           <a:p>
-            <a:pPr indent="0" lvl="0" marL="0" rtl="0" algn="l">
+            <a:pPr marL="0" lvl="0" indent="0" algn="l" rtl="0">
               <a:spcBef>
                 <a:spcPts val="0"/>
               </a:spcBef>
@@ -7386,9 +7353,6 @@
               </a:spcAft>
               <a:buNone/>
             </a:pPr>
-            <a:r>
-              <a:t/>
-            </a:r>
             <a:endParaRPr/>
           </a:p>
         </p:txBody>
@@ -7414,7 +7378,7 @@
             <a:noFill/>
           </a:ln>
           <a:effectLst>
-            <a:outerShdw blurRad="228600" sx="101000" rotWithShape="0" algn="ctr" sy="101000">
+            <a:outerShdw blurRad="228600" sx="101000" sy="101000" algn="ctr" rotWithShape="0">
               <a:srgbClr val="000000">
                 <a:alpha val="40000"/>
               </a:srgbClr>
@@ -7422,12 +7386,12 @@
           </a:effectLst>
         </p:spPr>
         <p:txBody>
-          <a:bodyPr anchorCtr="0" anchor="ctr" bIns="91425" lIns="91425" spcFirstLastPara="1" rIns="91425" wrap="square" tIns="91425">
+          <a:bodyPr spcFirstLastPara="1" wrap="square" lIns="91425" tIns="91425" rIns="91425" bIns="91425" anchor="ctr" anchorCtr="0">
             <a:noAutofit/>
           </a:bodyPr>
           <a:lstStyle/>
           <a:p>
-            <a:pPr indent="0" lvl="0" marL="0" rtl="0" algn="l">
+            <a:pPr marL="0" lvl="0" indent="0" algn="l" rtl="0">
               <a:spcBef>
                 <a:spcPts val="0"/>
               </a:spcBef>
@@ -7436,9 +7400,6 @@
               </a:spcAft>
               <a:buNone/>
             </a:pPr>
-            <a:r>
-              <a:t/>
-            </a:r>
             <a:endParaRPr/>
           </a:p>
         </p:txBody>
@@ -7446,7 +7407,9 @@
       <p:sp>
         <p:nvSpPr>
           <p:cNvPr id="99" name="Google Shape;99;p9"/>
-          <p:cNvSpPr txBox="1"/>
+          <p:cNvSpPr txBox="1">
+            <a:spLocks noGrp="1"/>
+          </p:cNvSpPr>
           <p:nvPr>
             <p:ph type="title"/>
           </p:nvPr>
@@ -7461,7 +7424,7 @@
           </a:prstGeom>
         </p:spPr>
         <p:txBody>
-          <a:bodyPr anchorCtr="0" anchor="t" bIns="91425" lIns="91425" spcFirstLastPara="1" rIns="91425" wrap="square" tIns="91425">
+          <a:bodyPr spcFirstLastPara="1" wrap="square" lIns="91425" tIns="91425" rIns="91425" bIns="91425" anchor="t" anchorCtr="0">
             <a:normAutofit/>
           </a:bodyPr>
           <a:lstStyle>
@@ -7565,15 +7528,19 @@
               <a:defRPr sz="3000"/>
             </a:lvl9pPr>
           </a:lstStyle>
-          <a:p/>
+          <a:p>
+            <a:endParaRPr/>
+          </a:p>
         </p:txBody>
       </p:sp>
       <p:sp>
         <p:nvSpPr>
           <p:cNvPr id="100" name="Google Shape;100;p9"/>
-          <p:cNvSpPr txBox="1"/>
+          <p:cNvSpPr txBox="1">
+            <a:spLocks noGrp="1"/>
+          </p:cNvSpPr>
           <p:nvPr>
-            <p:ph idx="1" type="subTitle"/>
+            <p:ph type="subTitle" idx="1"/>
           </p:nvPr>
         </p:nvSpPr>
         <p:spPr>
@@ -7586,7 +7553,7 @@
           </a:prstGeom>
         </p:spPr>
         <p:txBody>
-          <a:bodyPr anchorCtr="0" anchor="t" bIns="91425" lIns="91425" spcFirstLastPara="1" rIns="91425" wrap="square" tIns="91425">
+          <a:bodyPr spcFirstLastPara="1" wrap="square" lIns="91425" tIns="91425" rIns="91425" bIns="91425" anchor="t" anchorCtr="0">
             <a:normAutofit/>
           </a:bodyPr>
           <a:lstStyle>
@@ -7780,15 +7747,19 @@
               </a:defRPr>
             </a:lvl9pPr>
           </a:lstStyle>
-          <a:p/>
+          <a:p>
+            <a:endParaRPr/>
+          </a:p>
         </p:txBody>
       </p:sp>
       <p:sp>
         <p:nvSpPr>
           <p:cNvPr id="101" name="Google Shape;101;p9"/>
-          <p:cNvSpPr txBox="1"/>
+          <p:cNvSpPr txBox="1">
+            <a:spLocks noGrp="1"/>
+          </p:cNvSpPr>
           <p:nvPr>
-            <p:ph idx="2" type="body"/>
+            <p:ph type="body" idx="2"/>
           </p:nvPr>
         </p:nvSpPr>
         <p:spPr>
@@ -7801,11 +7772,11 @@
           </a:prstGeom>
         </p:spPr>
         <p:txBody>
-          <a:bodyPr anchorCtr="0" anchor="t" bIns="91425" lIns="91425" spcFirstLastPara="1" rIns="91425" wrap="square" tIns="91425">
+          <a:bodyPr spcFirstLastPara="1" wrap="square" lIns="91425" tIns="91425" rIns="91425" bIns="91425" anchor="t" anchorCtr="0">
             <a:normAutofit/>
           </a:bodyPr>
           <a:lstStyle>
-            <a:lvl1pPr indent="-311150" lvl="0" marL="457200">
+            <a:lvl1pPr marL="457200" lvl="0" indent="-311150">
               <a:spcBef>
                 <a:spcPts val="0"/>
               </a:spcBef>
@@ -7816,7 +7787,7 @@
               <a:buChar char="●"/>
               <a:defRPr/>
             </a:lvl1pPr>
-            <a:lvl2pPr indent="-298450" lvl="1" marL="914400">
+            <a:lvl2pPr marL="914400" lvl="1" indent="-298450">
               <a:spcBef>
                 <a:spcPts val="0"/>
               </a:spcBef>
@@ -7827,7 +7798,7 @@
               <a:buChar char="○"/>
               <a:defRPr/>
             </a:lvl2pPr>
-            <a:lvl3pPr indent="-298450" lvl="2" marL="1371600">
+            <a:lvl3pPr marL="1371600" lvl="2" indent="-298450">
               <a:spcBef>
                 <a:spcPts val="0"/>
               </a:spcBef>
@@ -7838,7 +7809,7 @@
               <a:buChar char="■"/>
               <a:defRPr/>
             </a:lvl3pPr>
-            <a:lvl4pPr indent="-298450" lvl="3" marL="1828800">
+            <a:lvl4pPr marL="1828800" lvl="3" indent="-298450">
               <a:spcBef>
                 <a:spcPts val="0"/>
               </a:spcBef>
@@ -7849,7 +7820,7 @@
               <a:buChar char="●"/>
               <a:defRPr/>
             </a:lvl4pPr>
-            <a:lvl5pPr indent="-298450" lvl="4" marL="2286000">
+            <a:lvl5pPr marL="2286000" lvl="4" indent="-298450">
               <a:spcBef>
                 <a:spcPts val="0"/>
               </a:spcBef>
@@ -7860,7 +7831,7 @@
               <a:buChar char="○"/>
               <a:defRPr/>
             </a:lvl5pPr>
-            <a:lvl6pPr indent="-298450" lvl="5" marL="2743200">
+            <a:lvl6pPr marL="2743200" lvl="5" indent="-298450">
               <a:spcBef>
                 <a:spcPts val="0"/>
               </a:spcBef>
@@ -7871,7 +7842,7 @@
               <a:buChar char="■"/>
               <a:defRPr/>
             </a:lvl6pPr>
-            <a:lvl7pPr indent="-298450" lvl="6" marL="3200400">
+            <a:lvl7pPr marL="3200400" lvl="6" indent="-298450">
               <a:spcBef>
                 <a:spcPts val="0"/>
               </a:spcBef>
@@ -7882,7 +7853,7 @@
               <a:buChar char="●"/>
               <a:defRPr/>
             </a:lvl7pPr>
-            <a:lvl8pPr indent="-298450" lvl="7" marL="3657600">
+            <a:lvl8pPr marL="3657600" lvl="7" indent="-298450">
               <a:spcBef>
                 <a:spcPts val="0"/>
               </a:spcBef>
@@ -7893,7 +7864,7 @@
               <a:buChar char="○"/>
               <a:defRPr/>
             </a:lvl8pPr>
-            <a:lvl9pPr indent="-298450" lvl="8" marL="4114800">
+            <a:lvl9pPr marL="4114800" lvl="8" indent="-298450">
               <a:spcBef>
                 <a:spcPts val="0"/>
               </a:spcBef>
@@ -7905,15 +7876,19 @@
               <a:defRPr/>
             </a:lvl9pPr>
           </a:lstStyle>
-          <a:p/>
+          <a:p>
+            <a:endParaRPr/>
+          </a:p>
         </p:txBody>
       </p:sp>
       <p:sp>
         <p:nvSpPr>
           <p:cNvPr id="102" name="Google Shape;102;p9"/>
-          <p:cNvSpPr txBox="1"/>
+          <p:cNvSpPr txBox="1">
+            <a:spLocks noGrp="1"/>
+          </p:cNvSpPr>
           <p:nvPr>
-            <p:ph idx="12" type="sldNum"/>
+            <p:ph type="sldNum" idx="12"/>
           </p:nvPr>
         </p:nvSpPr>
         <p:spPr>
@@ -7926,7 +7901,7 @@
           </a:prstGeom>
         </p:spPr>
         <p:txBody>
-          <a:bodyPr anchorCtr="0" anchor="ctr" bIns="91425" lIns="91425" spcFirstLastPara="1" rIns="91425" wrap="square" tIns="91425">
+          <a:bodyPr spcFirstLastPara="1" wrap="square" lIns="91425" tIns="91425" rIns="91425" bIns="91425" anchor="ctr" anchorCtr="0">
             <a:normAutofit/>
           </a:bodyPr>
           <a:lstStyle>
@@ -7968,7 +7943,7 @@
             </a:lvl9pPr>
           </a:lstStyle>
           <a:p>
-            <a:pPr indent="0" lvl="0" marL="0" rtl="0" algn="r">
+            <a:pPr marL="0" lvl="0" indent="0" algn="r" rtl="0">
               <a:spcBef>
                 <a:spcPts val="0"/>
               </a:spcBef>
@@ -7994,18 +7969,19 @@
 </file>
 
 <file path=ppt/slideLayouts/slideLayout9.xml><?xml version="1.0" encoding="utf-8"?>
-<p:sldLayout xmlns:a="http://schemas.openxmlformats.org/drawingml/2006/main" xmlns:r="http://schemas.openxmlformats.org/officeDocument/2006/relationships" xmlns:mc="http://schemas.openxmlformats.org/markup-compatibility/2006" xmlns:mv="urn:schemas-microsoft-com:mac:vml" xmlns:p="http://schemas.openxmlformats.org/presentationml/2006/main" xmlns:c="http://schemas.openxmlformats.org/drawingml/2006/chart" xmlns:dgm="http://schemas.openxmlformats.org/drawingml/2006/diagram" xmlns:o="urn:schemas-microsoft-com:office:office" xmlns:v="urn:schemas-microsoft-com:vml" xmlns:pvml="urn:schemas-microsoft-com:office:powerpoint" xmlns:com="http://schemas.openxmlformats.org/drawingml/2006/compatibility" xmlns:p14="http://schemas.microsoft.com/office/powerpoint/2010/main" xmlns:p15="http://schemas.microsoft.com/office/powerpoint/2012/main" xmlns:ahyp="http://schemas.microsoft.com/office/drawing/2018/hyperlinkcolor" matchingName="Caption">
+<p:sldLayout xmlns:a="http://schemas.openxmlformats.org/drawingml/2006/main" xmlns:r="http://schemas.openxmlformats.org/officeDocument/2006/relationships" xmlns:p="http://schemas.openxmlformats.org/presentationml/2006/main" matchingName="Caption">
   <p:cSld name="CAPTION_ONLY">
     <p:bg>
       <p:bgPr>
         <a:solidFill>
           <a:schemeClr val="accent1"/>
         </a:solidFill>
+        <a:effectLst/>
       </p:bgPr>
     </p:bg>
     <p:spTree>
       <p:nvGrpSpPr>
-        <p:cNvPr id="103" name="Shape 103"/>
+        <p:cNvPr id="1" name="Shape 103"/>
         <p:cNvGrpSpPr/>
         <p:nvPr/>
       </p:nvGrpSpPr>
@@ -8039,12 +8015,12 @@
           </a:ln>
         </p:spPr>
         <p:txBody>
-          <a:bodyPr anchorCtr="0" anchor="ctr" bIns="91425" lIns="91425" spcFirstLastPara="1" rIns="91425" wrap="square" tIns="91425">
+          <a:bodyPr spcFirstLastPara="1" wrap="square" lIns="91425" tIns="91425" rIns="91425" bIns="91425" anchor="ctr" anchorCtr="0">
             <a:noAutofit/>
           </a:bodyPr>
           <a:lstStyle/>
           <a:p>
-            <a:pPr indent="0" lvl="0" marL="0" rtl="0" algn="l">
+            <a:pPr marL="0" lvl="0" indent="0" algn="l" rtl="0">
               <a:spcBef>
                 <a:spcPts val="0"/>
               </a:spcBef>
@@ -8053,9 +8029,6 @@
               </a:spcAft>
               <a:buNone/>
             </a:pPr>
-            <a:r>
-              <a:t/>
-            </a:r>
             <a:endParaRPr/>
           </a:p>
         </p:txBody>
@@ -8082,12 +8055,12 @@
           </a:ln>
         </p:spPr>
         <p:txBody>
-          <a:bodyPr anchorCtr="0" anchor="ctr" bIns="91425" lIns="91425" spcFirstLastPara="1" rIns="91425" wrap="square" tIns="91425">
+          <a:bodyPr spcFirstLastPara="1" wrap="square" lIns="91425" tIns="91425" rIns="91425" bIns="91425" anchor="ctr" anchorCtr="0">
             <a:noAutofit/>
           </a:bodyPr>
           <a:lstStyle/>
           <a:p>
-            <a:pPr indent="0" lvl="0" marL="0" rtl="0" algn="l">
+            <a:pPr marL="0" lvl="0" indent="0" algn="l" rtl="0">
               <a:spcBef>
                 <a:spcPts val="0"/>
               </a:spcBef>
@@ -8096,9 +8069,6 @@
               </a:spcAft>
               <a:buNone/>
             </a:pPr>
-            <a:r>
-              <a:t/>
-            </a:r>
             <a:endParaRPr/>
           </a:p>
         </p:txBody>
@@ -8124,7 +8094,7 @@
             <a:noFill/>
           </a:ln>
           <a:effectLst>
-            <a:outerShdw blurRad="228600" sx="101000" rotWithShape="0" algn="ctr" sy="101000">
+            <a:outerShdw blurRad="228600" sx="101000" sy="101000" algn="ctr" rotWithShape="0">
               <a:srgbClr val="000000">
                 <a:alpha val="40000"/>
               </a:srgbClr>
@@ -8132,12 +8102,12 @@
           </a:effectLst>
         </p:spPr>
         <p:txBody>
-          <a:bodyPr anchorCtr="0" anchor="ctr" bIns="91425" lIns="91425" spcFirstLastPara="1" rIns="91425" wrap="square" tIns="91425">
+          <a:bodyPr spcFirstLastPara="1" wrap="square" lIns="91425" tIns="91425" rIns="91425" bIns="91425" anchor="ctr" anchorCtr="0">
             <a:noAutofit/>
           </a:bodyPr>
           <a:lstStyle/>
           <a:p>
-            <a:pPr indent="0" lvl="0" marL="0" rtl="0" algn="l">
+            <a:pPr marL="0" lvl="0" indent="0" algn="l" rtl="0">
               <a:spcBef>
                 <a:spcPts val="0"/>
               </a:spcBef>
@@ -8146,9 +8116,6 @@
               </a:spcAft>
               <a:buNone/>
             </a:pPr>
-            <a:r>
-              <a:t/>
-            </a:r>
             <a:endParaRPr/>
           </a:p>
         </p:txBody>
@@ -8156,9 +8123,11 @@
       <p:sp>
         <p:nvSpPr>
           <p:cNvPr id="107" name="Google Shape;107;p10"/>
-          <p:cNvSpPr txBox="1"/>
+          <p:cNvSpPr txBox="1">
+            <a:spLocks noGrp="1"/>
+          </p:cNvSpPr>
           <p:nvPr>
-            <p:ph idx="1" type="body"/>
+            <p:ph type="body" idx="1"/>
           </p:nvPr>
         </p:nvSpPr>
         <p:spPr>
@@ -8171,11 +8140,11 @@
           </a:prstGeom>
         </p:spPr>
         <p:txBody>
-          <a:bodyPr anchorCtr="0" anchor="b" bIns="91425" lIns="91425" spcFirstLastPara="1" rIns="91425" wrap="square" tIns="91425">
+          <a:bodyPr spcFirstLastPara="1" wrap="square" lIns="91425" tIns="91425" rIns="91425" bIns="91425" anchor="b" anchorCtr="0">
             <a:normAutofit/>
           </a:bodyPr>
           <a:lstStyle>
-            <a:lvl1pPr indent="-228600" lvl="0" marL="457200">
+            <a:lvl1pPr marL="457200" lvl="0" indent="-228600">
               <a:lnSpc>
                 <a:spcPct val="100000"/>
               </a:lnSpc>
@@ -8190,15 +8159,19 @@
               <a:defRPr/>
             </a:lvl1pPr>
           </a:lstStyle>
-          <a:p/>
+          <a:p>
+            <a:endParaRPr/>
+          </a:p>
         </p:txBody>
       </p:sp>
       <p:sp>
         <p:nvSpPr>
           <p:cNvPr id="108" name="Google Shape;108;p10"/>
-          <p:cNvSpPr txBox="1"/>
+          <p:cNvSpPr txBox="1">
+            <a:spLocks noGrp="1"/>
+          </p:cNvSpPr>
           <p:nvPr>
-            <p:ph idx="12" type="sldNum"/>
+            <p:ph type="sldNum" idx="12"/>
           </p:nvPr>
         </p:nvSpPr>
         <p:spPr>
@@ -8211,7 +8184,7 @@
           </a:prstGeom>
         </p:spPr>
         <p:txBody>
-          <a:bodyPr anchorCtr="0" anchor="ctr" bIns="91425" lIns="91425" spcFirstLastPara="1" rIns="91425" wrap="square" tIns="91425">
+          <a:bodyPr spcFirstLastPara="1" wrap="square" lIns="91425" tIns="91425" rIns="91425" bIns="91425" anchor="ctr" anchorCtr="0">
             <a:normAutofit/>
           </a:bodyPr>
           <a:lstStyle>
@@ -8253,7 +8226,7 @@
             </a:lvl9pPr>
           </a:lstStyle>
           <a:p>
-            <a:pPr indent="0" lvl="0" marL="0" rtl="0" algn="r">
+            <a:pPr marL="0" lvl="0" indent="0" algn="r" rtl="0">
               <a:spcBef>
                 <a:spcPts val="0"/>
               </a:spcBef>
@@ -8279,18 +8252,19 @@
 </file>
 
 <file path=ppt/slideMasters/slideMaster1.xml><?xml version="1.0" encoding="utf-8"?>
-<p:sldMaster xmlns:a="http://schemas.openxmlformats.org/drawingml/2006/main" xmlns:r="http://schemas.openxmlformats.org/officeDocument/2006/relationships" xmlns:mc="http://schemas.openxmlformats.org/markup-compatibility/2006" xmlns:mv="urn:schemas-microsoft-com:mac:vml" xmlns:p="http://schemas.openxmlformats.org/presentationml/2006/main" xmlns:c="http://schemas.openxmlformats.org/drawingml/2006/chart" xmlns:dgm="http://schemas.openxmlformats.org/drawingml/2006/diagram" xmlns:o="urn:schemas-microsoft-com:office:office" xmlns:v="urn:schemas-microsoft-com:vml" xmlns:pvml="urn:schemas-microsoft-com:office:powerpoint" xmlns:com="http://schemas.openxmlformats.org/drawingml/2006/compatibility" xmlns:p14="http://schemas.microsoft.com/office/powerpoint/2010/main" xmlns:p15="http://schemas.microsoft.com/office/powerpoint/2012/main" xmlns:ahyp="http://schemas.microsoft.com/office/drawing/2018/hyperlinkcolor">
+<p:sldMaster xmlns:a="http://schemas.openxmlformats.org/drawingml/2006/main" xmlns:r="http://schemas.openxmlformats.org/officeDocument/2006/relationships" xmlns:p="http://schemas.openxmlformats.org/presentationml/2006/main">
   <p:cSld name="shift">
     <p:bg>
       <p:bgPr>
         <a:solidFill>
           <a:schemeClr val="dk1"/>
         </a:solidFill>
+        <a:effectLst/>
       </p:bgPr>
     </p:bg>
     <p:spTree>
       <p:nvGrpSpPr>
-        <p:cNvPr id="5" name="Shape 5"/>
+        <p:cNvPr id="1" name="Shape 5"/>
         <p:cNvGrpSpPr/>
         <p:nvPr/>
       </p:nvGrpSpPr>
@@ -8305,7 +8279,9 @@
       <p:sp>
         <p:nvSpPr>
           <p:cNvPr id="6" name="Google Shape;6;p1"/>
-          <p:cNvSpPr txBox="1"/>
+          <p:cNvSpPr txBox="1">
+            <a:spLocks noGrp="1"/>
+          </p:cNvSpPr>
           <p:nvPr>
             <p:ph type="title"/>
           </p:nvPr>
@@ -8324,7 +8300,7 @@
           </a:ln>
         </p:spPr>
         <p:txBody>
-          <a:bodyPr anchorCtr="0" anchor="t" bIns="91425" lIns="91425" spcFirstLastPara="1" rIns="91425" wrap="square" tIns="91425">
+          <a:bodyPr spcFirstLastPara="1" wrap="square" lIns="91425" tIns="91425" rIns="91425" bIns="91425" anchor="t" anchorCtr="0">
             <a:normAutofit/>
           </a:bodyPr>
           <a:lstStyle>
@@ -8536,15 +8512,19 @@
               </a:defRPr>
             </a:lvl9pPr>
           </a:lstStyle>
-          <a:p/>
+          <a:p>
+            <a:endParaRPr/>
+          </a:p>
         </p:txBody>
       </p:sp>
       <p:sp>
         <p:nvSpPr>
           <p:cNvPr id="7" name="Google Shape;7;p1"/>
-          <p:cNvSpPr txBox="1"/>
+          <p:cNvSpPr txBox="1">
+            <a:spLocks noGrp="1"/>
+          </p:cNvSpPr>
           <p:nvPr>
-            <p:ph idx="1" type="body"/>
+            <p:ph type="body" idx="1"/>
           </p:nvPr>
         </p:nvSpPr>
         <p:spPr>
@@ -8561,11 +8541,11 @@
           </a:ln>
         </p:spPr>
         <p:txBody>
-          <a:bodyPr anchorCtr="0" anchor="t" bIns="91425" lIns="91425" spcFirstLastPara="1" rIns="91425" wrap="square" tIns="91425">
+          <a:bodyPr spcFirstLastPara="1" wrap="square" lIns="91425" tIns="91425" rIns="91425" bIns="91425" anchor="t" anchorCtr="0">
             <a:normAutofit/>
           </a:bodyPr>
           <a:lstStyle>
-            <a:lvl1pPr indent="-311150" lvl="0" marL="457200">
+            <a:lvl1pPr marL="457200" lvl="0" indent="-311150">
               <a:lnSpc>
                 <a:spcPct val="115000"/>
               </a:lnSpc>
@@ -8591,7 +8571,7 @@
                 <a:sym typeface="Calibri"/>
               </a:defRPr>
             </a:lvl1pPr>
-            <a:lvl2pPr indent="-298450" lvl="1" marL="914400">
+            <a:lvl2pPr marL="914400" lvl="1" indent="-298450">
               <a:lnSpc>
                 <a:spcPct val="115000"/>
               </a:lnSpc>
@@ -8617,7 +8597,7 @@
                 <a:sym typeface="Calibri"/>
               </a:defRPr>
             </a:lvl2pPr>
-            <a:lvl3pPr indent="-298450" lvl="2" marL="1371600">
+            <a:lvl3pPr marL="1371600" lvl="2" indent="-298450">
               <a:lnSpc>
                 <a:spcPct val="115000"/>
               </a:lnSpc>
@@ -8643,7 +8623,7 @@
                 <a:sym typeface="Calibri"/>
               </a:defRPr>
             </a:lvl3pPr>
-            <a:lvl4pPr indent="-298450" lvl="3" marL="1828800">
+            <a:lvl4pPr marL="1828800" lvl="3" indent="-298450">
               <a:lnSpc>
                 <a:spcPct val="115000"/>
               </a:lnSpc>
@@ -8669,7 +8649,7 @@
                 <a:sym typeface="Calibri"/>
               </a:defRPr>
             </a:lvl4pPr>
-            <a:lvl5pPr indent="-298450" lvl="4" marL="2286000">
+            <a:lvl5pPr marL="2286000" lvl="4" indent="-298450">
               <a:lnSpc>
                 <a:spcPct val="115000"/>
               </a:lnSpc>
@@ -8695,7 +8675,7 @@
                 <a:sym typeface="Calibri"/>
               </a:defRPr>
             </a:lvl5pPr>
-            <a:lvl6pPr indent="-298450" lvl="5" marL="2743200">
+            <a:lvl6pPr marL="2743200" lvl="5" indent="-298450">
               <a:lnSpc>
                 <a:spcPct val="115000"/>
               </a:lnSpc>
@@ -8721,7 +8701,7 @@
                 <a:sym typeface="Calibri"/>
               </a:defRPr>
             </a:lvl6pPr>
-            <a:lvl7pPr indent="-298450" lvl="6" marL="3200400">
+            <a:lvl7pPr marL="3200400" lvl="6" indent="-298450">
               <a:lnSpc>
                 <a:spcPct val="115000"/>
               </a:lnSpc>
@@ -8747,7 +8727,7 @@
                 <a:sym typeface="Calibri"/>
               </a:defRPr>
             </a:lvl7pPr>
-            <a:lvl8pPr indent="-298450" lvl="7" marL="3657600">
+            <a:lvl8pPr marL="3657600" lvl="7" indent="-298450">
               <a:lnSpc>
                 <a:spcPct val="115000"/>
               </a:lnSpc>
@@ -8773,7 +8753,7 @@
                 <a:sym typeface="Calibri"/>
               </a:defRPr>
             </a:lvl8pPr>
-            <a:lvl9pPr indent="-298450" lvl="8" marL="4114800">
+            <a:lvl9pPr marL="4114800" lvl="8" indent="-298450">
               <a:lnSpc>
                 <a:spcPct val="115000"/>
               </a:lnSpc>
@@ -8800,15 +8780,19 @@
               </a:defRPr>
             </a:lvl9pPr>
           </a:lstStyle>
-          <a:p/>
+          <a:p>
+            <a:endParaRPr/>
+          </a:p>
         </p:txBody>
       </p:sp>
       <p:sp>
         <p:nvSpPr>
           <p:cNvPr id="8" name="Google Shape;8;p1"/>
-          <p:cNvSpPr txBox="1"/>
+          <p:cNvSpPr txBox="1">
+            <a:spLocks noGrp="1"/>
+          </p:cNvSpPr>
           <p:nvPr>
-            <p:ph idx="12" type="sldNum"/>
+            <p:ph type="sldNum" idx="12"/>
           </p:nvPr>
         </p:nvSpPr>
         <p:spPr>
@@ -8825,7 +8809,7 @@
           </a:ln>
         </p:spPr>
         <p:txBody>
-          <a:bodyPr anchorCtr="0" anchor="ctr" bIns="91425" lIns="91425" spcFirstLastPara="1" rIns="91425" wrap="square" tIns="91425">
+          <a:bodyPr spcFirstLastPara="1" wrap="square" lIns="91425" tIns="91425" rIns="91425" bIns="91425" anchor="ctr" anchorCtr="0">
             <a:normAutofit/>
           </a:bodyPr>
           <a:lstStyle>
@@ -8939,7 +8923,7 @@
             </a:lvl9pPr>
           </a:lstStyle>
           <a:p>
-            <a:pPr indent="0" lvl="0" marL="0" rtl="0" algn="r">
+            <a:pPr marL="0" lvl="0" indent="0" algn="r" rtl="0">
               <a:spcBef>
                 <a:spcPts val="0"/>
               </a:spcBef>
@@ -8958,7 +8942,7 @@
       </p:sp>
     </p:spTree>
   </p:cSld>
-  <p:clrMap accent1="accent1" accent2="accent2" accent3="accent3" accent4="accent4" accent5="accent5" accent6="accent6" bg1="lt1" bg2="dk2" tx1="dk1" tx2="lt2" folHlink="folHlink" hlink="hlink"/>
+  <p:clrMap bg1="lt1" tx1="dk1" bg2="dk2" tx2="lt2" accent1="accent1" accent2="accent2" accent3="accent3" accent4="accent4" accent5="accent5" accent6="accent6" hlink="hlink" folHlink="folHlink"/>
   <p:sldLayoutIdLst>
     <p:sldLayoutId id="2147483648" r:id="rId1"/>
     <p:sldLayoutId id="2147483649" r:id="rId2"/>
@@ -8972,10 +8956,10 @@
     <p:sldLayoutId id="2147483657" r:id="rId10"/>
     <p:sldLayoutId id="2147483658" r:id="rId11"/>
   </p:sldLayoutIdLst>
-  <p:hf dt="0" ftr="0" hdr="0" sldNum="0"/>
+  <p:hf sldNum="0" hdr="0" ftr="0" dt="0"/>
   <p:txStyles>
     <p:titleStyle>
-      <a:defPPr lvl="0" marR="0" rtl="0" algn="l">
+      <a:defPPr marR="0" lvl="0" algn="l" rtl="0">
         <a:lnSpc>
           <a:spcPct val="100000"/>
         </a:lnSpc>
@@ -8986,7 +8970,7 @@
           <a:spcPts val="0"/>
         </a:spcAft>
       </a:defPPr>
-      <a:lvl1pPr lvl="0" marR="0" rtl="0" algn="l">
+      <a:lvl1pPr marR="0" lvl="0" algn="l" rtl="0">
         <a:lnSpc>
           <a:spcPct val="100000"/>
         </a:lnSpc>
@@ -9000,7 +8984,7 @@
           <a:srgbClr val="000000"/>
         </a:buClr>
         <a:buFont typeface="Arial"/>
-        <a:defRPr b="0" i="0" sz="1400" u="none" cap="none" strike="noStrike">
+        <a:defRPr sz="1400" b="0" i="0" u="none" strike="noStrike" cap="none">
           <a:solidFill>
             <a:srgbClr val="000000"/>
           </a:solidFill>
@@ -9010,7 +8994,7 @@
           <a:sym typeface="Arial"/>
         </a:defRPr>
       </a:lvl1pPr>
-      <a:lvl2pPr lvl="1" marR="0" rtl="0" algn="l">
+      <a:lvl2pPr marR="0" lvl="1" algn="l" rtl="0">
         <a:lnSpc>
           <a:spcPct val="100000"/>
         </a:lnSpc>
@@ -9024,7 +9008,7 @@
           <a:srgbClr val="000000"/>
         </a:buClr>
         <a:buFont typeface="Arial"/>
-        <a:defRPr b="0" i="0" sz="1400" u="none" cap="none" strike="noStrike">
+        <a:defRPr sz="1400" b="0" i="0" u="none" strike="noStrike" cap="none">
           <a:solidFill>
             <a:srgbClr val="000000"/>
           </a:solidFill>
@@ -9034,7 +9018,7 @@
           <a:sym typeface="Arial"/>
         </a:defRPr>
       </a:lvl2pPr>
-      <a:lvl3pPr lvl="2" marR="0" rtl="0" algn="l">
+      <a:lvl3pPr marR="0" lvl="2" algn="l" rtl="0">
         <a:lnSpc>
           <a:spcPct val="100000"/>
         </a:lnSpc>
@@ -9048,7 +9032,7 @@
           <a:srgbClr val="000000"/>
         </a:buClr>
         <a:buFont typeface="Arial"/>
-        <a:defRPr b="0" i="0" sz="1400" u="none" cap="none" strike="noStrike">
+        <a:defRPr sz="1400" b="0" i="0" u="none" strike="noStrike" cap="none">
           <a:solidFill>
             <a:srgbClr val="000000"/>
           </a:solidFill>
@@ -9058,7 +9042,7 @@
           <a:sym typeface="Arial"/>
         </a:defRPr>
       </a:lvl3pPr>
-      <a:lvl4pPr lvl="3" marR="0" rtl="0" algn="l">
+      <a:lvl4pPr marR="0" lvl="3" algn="l" rtl="0">
         <a:lnSpc>
           <a:spcPct val="100000"/>
         </a:lnSpc>
@@ -9072,7 +9056,7 @@
           <a:srgbClr val="000000"/>
         </a:buClr>
         <a:buFont typeface="Arial"/>
-        <a:defRPr b="0" i="0" sz="1400" u="none" cap="none" strike="noStrike">
+        <a:defRPr sz="1400" b="0" i="0" u="none" strike="noStrike" cap="none">
           <a:solidFill>
             <a:srgbClr val="000000"/>
           </a:solidFill>
@@ -9082,7 +9066,7 @@
           <a:sym typeface="Arial"/>
         </a:defRPr>
       </a:lvl4pPr>
-      <a:lvl5pPr lvl="4" marR="0" rtl="0" algn="l">
+      <a:lvl5pPr marR="0" lvl="4" algn="l" rtl="0">
         <a:lnSpc>
           <a:spcPct val="100000"/>
         </a:lnSpc>
@@ -9096,7 +9080,7 @@
           <a:srgbClr val="000000"/>
         </a:buClr>
         <a:buFont typeface="Arial"/>
-        <a:defRPr b="0" i="0" sz="1400" u="none" cap="none" strike="noStrike">
+        <a:defRPr sz="1400" b="0" i="0" u="none" strike="noStrike" cap="none">
           <a:solidFill>
             <a:srgbClr val="000000"/>
           </a:solidFill>
@@ -9106,7 +9090,7 @@
           <a:sym typeface="Arial"/>
         </a:defRPr>
       </a:lvl5pPr>
-      <a:lvl6pPr lvl="5" marR="0" rtl="0" algn="l">
+      <a:lvl6pPr marR="0" lvl="5" algn="l" rtl="0">
         <a:lnSpc>
           <a:spcPct val="100000"/>
         </a:lnSpc>
@@ -9120,7 +9104,7 @@
           <a:srgbClr val="000000"/>
         </a:buClr>
         <a:buFont typeface="Arial"/>
-        <a:defRPr b="0" i="0" sz="1400" u="none" cap="none" strike="noStrike">
+        <a:defRPr sz="1400" b="0" i="0" u="none" strike="noStrike" cap="none">
           <a:solidFill>
             <a:srgbClr val="000000"/>
           </a:solidFill>
@@ -9130,7 +9114,7 @@
           <a:sym typeface="Arial"/>
         </a:defRPr>
       </a:lvl6pPr>
-      <a:lvl7pPr lvl="6" marR="0" rtl="0" algn="l">
+      <a:lvl7pPr marR="0" lvl="6" algn="l" rtl="0">
         <a:lnSpc>
           <a:spcPct val="100000"/>
         </a:lnSpc>
@@ -9144,7 +9128,7 @@
           <a:srgbClr val="000000"/>
         </a:buClr>
         <a:buFont typeface="Arial"/>
-        <a:defRPr b="0" i="0" sz="1400" u="none" cap="none" strike="noStrike">
+        <a:defRPr sz="1400" b="0" i="0" u="none" strike="noStrike" cap="none">
           <a:solidFill>
             <a:srgbClr val="000000"/>
           </a:solidFill>
@@ -9154,7 +9138,7 @@
           <a:sym typeface="Arial"/>
         </a:defRPr>
       </a:lvl7pPr>
-      <a:lvl8pPr lvl="7" marR="0" rtl="0" algn="l">
+      <a:lvl8pPr marR="0" lvl="7" algn="l" rtl="0">
         <a:lnSpc>
           <a:spcPct val="100000"/>
         </a:lnSpc>
@@ -9168,7 +9152,7 @@
           <a:srgbClr val="000000"/>
         </a:buClr>
         <a:buFont typeface="Arial"/>
-        <a:defRPr b="0" i="0" sz="1400" u="none" cap="none" strike="noStrike">
+        <a:defRPr sz="1400" b="0" i="0" u="none" strike="noStrike" cap="none">
           <a:solidFill>
             <a:srgbClr val="000000"/>
           </a:solidFill>
@@ -9178,7 +9162,7 @@
           <a:sym typeface="Arial"/>
         </a:defRPr>
       </a:lvl8pPr>
-      <a:lvl9pPr lvl="8" marR="0" rtl="0" algn="l">
+      <a:lvl9pPr marR="0" lvl="8" algn="l" rtl="0">
         <a:lnSpc>
           <a:spcPct val="100000"/>
         </a:lnSpc>
@@ -9192,7 +9176,7 @@
           <a:srgbClr val="000000"/>
         </a:buClr>
         <a:buFont typeface="Arial"/>
-        <a:defRPr b="0" i="0" sz="1400" u="none" cap="none" strike="noStrike">
+        <a:defRPr sz="1400" b="0" i="0" u="none" strike="noStrike" cap="none">
           <a:solidFill>
             <a:srgbClr val="000000"/>
           </a:solidFill>
@@ -9204,7 +9188,7 @@
       </a:lvl9pPr>
     </p:titleStyle>
     <p:bodyStyle>
-      <a:defPPr lvl="0" marR="0" rtl="0" algn="l">
+      <a:defPPr marR="0" lvl="0" algn="l" rtl="0">
         <a:lnSpc>
           <a:spcPct val="100000"/>
         </a:lnSpc>
@@ -9215,7 +9199,7 @@
           <a:spcPts val="0"/>
         </a:spcAft>
       </a:defPPr>
-      <a:lvl1pPr lvl="0" marR="0" rtl="0" algn="l">
+      <a:lvl1pPr marR="0" lvl="0" algn="l" rtl="0">
         <a:lnSpc>
           <a:spcPct val="100000"/>
         </a:lnSpc>
@@ -9229,7 +9213,7 @@
           <a:srgbClr val="000000"/>
         </a:buClr>
         <a:buFont typeface="Arial"/>
-        <a:defRPr b="0" i="0" sz="1400" u="none" cap="none" strike="noStrike">
+        <a:defRPr sz="1400" b="0" i="0" u="none" strike="noStrike" cap="none">
           <a:solidFill>
             <a:srgbClr val="000000"/>
           </a:solidFill>
@@ -9239,7 +9223,7 @@
           <a:sym typeface="Arial"/>
         </a:defRPr>
       </a:lvl1pPr>
-      <a:lvl2pPr lvl="1" marR="0" rtl="0" algn="l">
+      <a:lvl2pPr marR="0" lvl="1" algn="l" rtl="0">
         <a:lnSpc>
           <a:spcPct val="100000"/>
         </a:lnSpc>
@@ -9253,7 +9237,7 @@
           <a:srgbClr val="000000"/>
         </a:buClr>
         <a:buFont typeface="Arial"/>
-        <a:defRPr b="0" i="0" sz="1400" u="none" cap="none" strike="noStrike">
+        <a:defRPr sz="1400" b="0" i="0" u="none" strike="noStrike" cap="none">
           <a:solidFill>
             <a:srgbClr val="000000"/>
           </a:solidFill>
@@ -9263,7 +9247,7 @@
           <a:sym typeface="Arial"/>
         </a:defRPr>
       </a:lvl2pPr>
-      <a:lvl3pPr lvl="2" marR="0" rtl="0" algn="l">
+      <a:lvl3pPr marR="0" lvl="2" algn="l" rtl="0">
         <a:lnSpc>
           <a:spcPct val="100000"/>
         </a:lnSpc>
@@ -9277,7 +9261,7 @@
           <a:srgbClr val="000000"/>
         </a:buClr>
         <a:buFont typeface="Arial"/>
-        <a:defRPr b="0" i="0" sz="1400" u="none" cap="none" strike="noStrike">
+        <a:defRPr sz="1400" b="0" i="0" u="none" strike="noStrike" cap="none">
           <a:solidFill>
             <a:srgbClr val="000000"/>
           </a:solidFill>
@@ -9287,7 +9271,7 @@
           <a:sym typeface="Arial"/>
         </a:defRPr>
       </a:lvl3pPr>
-      <a:lvl4pPr lvl="3" marR="0" rtl="0" algn="l">
+      <a:lvl4pPr marR="0" lvl="3" algn="l" rtl="0">
         <a:lnSpc>
           <a:spcPct val="100000"/>
         </a:lnSpc>
@@ -9301,7 +9285,7 @@
           <a:srgbClr val="000000"/>
         </a:buClr>
         <a:buFont typeface="Arial"/>
-        <a:defRPr b="0" i="0" sz="1400" u="none" cap="none" strike="noStrike">
+        <a:defRPr sz="1400" b="0" i="0" u="none" strike="noStrike" cap="none">
           <a:solidFill>
             <a:srgbClr val="000000"/>
           </a:solidFill>
@@ -9311,7 +9295,7 @@
           <a:sym typeface="Arial"/>
         </a:defRPr>
       </a:lvl4pPr>
-      <a:lvl5pPr lvl="4" marR="0" rtl="0" algn="l">
+      <a:lvl5pPr marR="0" lvl="4" algn="l" rtl="0">
         <a:lnSpc>
           <a:spcPct val="100000"/>
         </a:lnSpc>
@@ -9325,7 +9309,7 @@
           <a:srgbClr val="000000"/>
         </a:buClr>
         <a:buFont typeface="Arial"/>
-        <a:defRPr b="0" i="0" sz="1400" u="none" cap="none" strike="noStrike">
+        <a:defRPr sz="1400" b="0" i="0" u="none" strike="noStrike" cap="none">
           <a:solidFill>
             <a:srgbClr val="000000"/>
           </a:solidFill>
@@ -9335,7 +9319,7 @@
           <a:sym typeface="Arial"/>
         </a:defRPr>
       </a:lvl5pPr>
-      <a:lvl6pPr lvl="5" marR="0" rtl="0" algn="l">
+      <a:lvl6pPr marR="0" lvl="5" algn="l" rtl="0">
         <a:lnSpc>
           <a:spcPct val="100000"/>
         </a:lnSpc>
@@ -9349,7 +9333,7 @@
           <a:srgbClr val="000000"/>
         </a:buClr>
         <a:buFont typeface="Arial"/>
-        <a:defRPr b="0" i="0" sz="1400" u="none" cap="none" strike="noStrike">
+        <a:defRPr sz="1400" b="0" i="0" u="none" strike="noStrike" cap="none">
           <a:solidFill>
             <a:srgbClr val="000000"/>
           </a:solidFill>
@@ -9359,7 +9343,7 @@
           <a:sym typeface="Arial"/>
         </a:defRPr>
       </a:lvl6pPr>
-      <a:lvl7pPr lvl="6" marR="0" rtl="0" algn="l">
+      <a:lvl7pPr marR="0" lvl="6" algn="l" rtl="0">
         <a:lnSpc>
           <a:spcPct val="100000"/>
         </a:lnSpc>
@@ -9373,7 +9357,7 @@
           <a:srgbClr val="000000"/>
         </a:buClr>
         <a:buFont typeface="Arial"/>
-        <a:defRPr b="0" i="0" sz="1400" u="none" cap="none" strike="noStrike">
+        <a:defRPr sz="1400" b="0" i="0" u="none" strike="noStrike" cap="none">
           <a:solidFill>
             <a:srgbClr val="000000"/>
           </a:solidFill>
@@ -9383,7 +9367,7 @@
           <a:sym typeface="Arial"/>
         </a:defRPr>
       </a:lvl7pPr>
-      <a:lvl8pPr lvl="7" marR="0" rtl="0" algn="l">
+      <a:lvl8pPr marR="0" lvl="7" algn="l" rtl="0">
         <a:lnSpc>
           <a:spcPct val="100000"/>
         </a:lnSpc>
@@ -9397,7 +9381,7 @@
           <a:srgbClr val="000000"/>
         </a:buClr>
         <a:buFont typeface="Arial"/>
-        <a:defRPr b="0" i="0" sz="1400" u="none" cap="none" strike="noStrike">
+        <a:defRPr sz="1400" b="0" i="0" u="none" strike="noStrike" cap="none">
           <a:solidFill>
             <a:srgbClr val="000000"/>
           </a:solidFill>
@@ -9407,7 +9391,7 @@
           <a:sym typeface="Arial"/>
         </a:defRPr>
       </a:lvl8pPr>
-      <a:lvl9pPr lvl="8" marR="0" rtl="0" algn="l">
+      <a:lvl9pPr marR="0" lvl="8" algn="l" rtl="0">
         <a:lnSpc>
           <a:spcPct val="100000"/>
         </a:lnSpc>
@@ -9421,7 +9405,7 @@
           <a:srgbClr val="000000"/>
         </a:buClr>
         <a:buFont typeface="Arial"/>
-        <a:defRPr b="0" i="0" sz="1400" u="none" cap="none" strike="noStrike">
+        <a:defRPr sz="1400" b="0" i="0" u="none" strike="noStrike" cap="none">
           <a:solidFill>
             <a:srgbClr val="000000"/>
           </a:solidFill>
@@ -9433,7 +9417,7 @@
       </a:lvl9pPr>
     </p:bodyStyle>
     <p:otherStyle>
-      <a:defPPr lvl="0" marR="0" rtl="0" algn="l">
+      <a:defPPr marR="0" lvl="0" algn="l" rtl="0">
         <a:lnSpc>
           <a:spcPct val="100000"/>
         </a:lnSpc>
@@ -9444,7 +9428,7 @@
           <a:spcPts val="0"/>
         </a:spcAft>
       </a:defPPr>
-      <a:lvl1pPr lvl="0" marR="0" rtl="0" algn="l">
+      <a:lvl1pPr marR="0" lvl="0" algn="l" rtl="0">
         <a:lnSpc>
           <a:spcPct val="100000"/>
         </a:lnSpc>
@@ -9458,7 +9442,7 @@
           <a:srgbClr val="000000"/>
         </a:buClr>
         <a:buFont typeface="Arial"/>
-        <a:defRPr b="0" i="0" sz="1400" u="none" cap="none" strike="noStrike">
+        <a:defRPr sz="1400" b="0" i="0" u="none" strike="noStrike" cap="none">
           <a:solidFill>
             <a:srgbClr val="000000"/>
           </a:solidFill>
@@ -9468,7 +9452,7 @@
           <a:sym typeface="Arial"/>
         </a:defRPr>
       </a:lvl1pPr>
-      <a:lvl2pPr lvl="1" marR="0" rtl="0" algn="l">
+      <a:lvl2pPr marR="0" lvl="1" algn="l" rtl="0">
         <a:lnSpc>
           <a:spcPct val="100000"/>
         </a:lnSpc>
@@ -9482,7 +9466,7 @@
           <a:srgbClr val="000000"/>
         </a:buClr>
         <a:buFont typeface="Arial"/>
-        <a:defRPr b="0" i="0" sz="1400" u="none" cap="none" strike="noStrike">
+        <a:defRPr sz="1400" b="0" i="0" u="none" strike="noStrike" cap="none">
           <a:solidFill>
             <a:srgbClr val="000000"/>
           </a:solidFill>
@@ -9492,7 +9476,7 @@
           <a:sym typeface="Arial"/>
         </a:defRPr>
       </a:lvl2pPr>
-      <a:lvl3pPr lvl="2" marR="0" rtl="0" algn="l">
+      <a:lvl3pPr marR="0" lvl="2" algn="l" rtl="0">
         <a:lnSpc>
           <a:spcPct val="100000"/>
         </a:lnSpc>
@@ -9506,7 +9490,7 @@
           <a:srgbClr val="000000"/>
         </a:buClr>
         <a:buFont typeface="Arial"/>
-        <a:defRPr b="0" i="0" sz="1400" u="none" cap="none" strike="noStrike">
+        <a:defRPr sz="1400" b="0" i="0" u="none" strike="noStrike" cap="none">
           <a:solidFill>
             <a:srgbClr val="000000"/>
           </a:solidFill>
@@ -9516,7 +9500,7 @@
           <a:sym typeface="Arial"/>
         </a:defRPr>
       </a:lvl3pPr>
-      <a:lvl4pPr lvl="3" marR="0" rtl="0" algn="l">
+      <a:lvl4pPr marR="0" lvl="3" algn="l" rtl="0">
         <a:lnSpc>
           <a:spcPct val="100000"/>
         </a:lnSpc>
@@ -9530,7 +9514,7 @@
           <a:srgbClr val="000000"/>
         </a:buClr>
         <a:buFont typeface="Arial"/>
-        <a:defRPr b="0" i="0" sz="1400" u="none" cap="none" strike="noStrike">
+        <a:defRPr sz="1400" b="0" i="0" u="none" strike="noStrike" cap="none">
           <a:solidFill>
             <a:srgbClr val="000000"/>
           </a:solidFill>
@@ -9540,7 +9524,7 @@
           <a:sym typeface="Arial"/>
         </a:defRPr>
       </a:lvl4pPr>
-      <a:lvl5pPr lvl="4" marR="0" rtl="0" algn="l">
+      <a:lvl5pPr marR="0" lvl="4" algn="l" rtl="0">
         <a:lnSpc>
           <a:spcPct val="100000"/>
         </a:lnSpc>
@@ -9554,7 +9538,7 @@
           <a:srgbClr val="000000"/>
         </a:buClr>
         <a:buFont typeface="Arial"/>
-        <a:defRPr b="0" i="0" sz="1400" u="none" cap="none" strike="noStrike">
+        <a:defRPr sz="1400" b="0" i="0" u="none" strike="noStrike" cap="none">
           <a:solidFill>
             <a:srgbClr val="000000"/>
           </a:solidFill>
@@ -9564,7 +9548,7 @@
           <a:sym typeface="Arial"/>
         </a:defRPr>
       </a:lvl5pPr>
-      <a:lvl6pPr lvl="5" marR="0" rtl="0" algn="l">
+      <a:lvl6pPr marR="0" lvl="5" algn="l" rtl="0">
         <a:lnSpc>
           <a:spcPct val="100000"/>
         </a:lnSpc>
@@ -9578,7 +9562,7 @@
           <a:srgbClr val="000000"/>
         </a:buClr>
         <a:buFont typeface="Arial"/>
-        <a:defRPr b="0" i="0" sz="1400" u="none" cap="none" strike="noStrike">
+        <a:defRPr sz="1400" b="0" i="0" u="none" strike="noStrike" cap="none">
           <a:solidFill>
             <a:srgbClr val="000000"/>
           </a:solidFill>
@@ -9588,7 +9572,7 @@
           <a:sym typeface="Arial"/>
         </a:defRPr>
       </a:lvl6pPr>
-      <a:lvl7pPr lvl="6" marR="0" rtl="0" algn="l">
+      <a:lvl7pPr marR="0" lvl="6" algn="l" rtl="0">
         <a:lnSpc>
           <a:spcPct val="100000"/>
         </a:lnSpc>
@@ -9602,7 +9586,7 @@
           <a:srgbClr val="000000"/>
         </a:buClr>
         <a:buFont typeface="Arial"/>
-        <a:defRPr b="0" i="0" sz="1400" u="none" cap="none" strike="noStrike">
+        <a:defRPr sz="1400" b="0" i="0" u="none" strike="noStrike" cap="none">
           <a:solidFill>
             <a:srgbClr val="000000"/>
           </a:solidFill>
@@ -9612,7 +9596,7 @@
           <a:sym typeface="Arial"/>
         </a:defRPr>
       </a:lvl7pPr>
-      <a:lvl8pPr lvl="7" marR="0" rtl="0" algn="l">
+      <a:lvl8pPr marR="0" lvl="7" algn="l" rtl="0">
         <a:lnSpc>
           <a:spcPct val="100000"/>
         </a:lnSpc>
@@ -9626,7 +9610,7 @@
           <a:srgbClr val="000000"/>
         </a:buClr>
         <a:buFont typeface="Arial"/>
-        <a:defRPr b="0" i="0" sz="1400" u="none" cap="none" strike="noStrike">
+        <a:defRPr sz="1400" b="0" i="0" u="none" strike="noStrike" cap="none">
           <a:solidFill>
             <a:srgbClr val="000000"/>
           </a:solidFill>
@@ -9636,7 +9620,7 @@
           <a:sym typeface="Arial"/>
         </a:defRPr>
       </a:lvl8pPr>
-      <a:lvl9pPr lvl="8" marR="0" rtl="0" algn="l">
+      <a:lvl9pPr marR="0" lvl="8" algn="l" rtl="0">
         <a:lnSpc>
           <a:spcPct val="100000"/>
         </a:lnSpc>
@@ -9650,7 +9634,7 @@
           <a:srgbClr val="000000"/>
         </a:buClr>
         <a:buFont typeface="Arial"/>
-        <a:defRPr b="0" i="0" sz="1400" u="none" cap="none" strike="noStrike">
+        <a:defRPr sz="1400" b="0" i="0" u="none" strike="noStrike" cap="none">
           <a:solidFill>
             <a:srgbClr val="000000"/>
           </a:solidFill>
@@ -9666,11 +9650,11 @@
 </file>
 
 <file path=ppt/slides/slide1.xml><?xml version="1.0" encoding="utf-8"?>
-<p:sld xmlns:a="http://schemas.openxmlformats.org/drawingml/2006/main" xmlns:r="http://schemas.openxmlformats.org/officeDocument/2006/relationships" xmlns:mc="http://schemas.openxmlformats.org/markup-compatibility/2006" xmlns:mv="urn:schemas-microsoft-com:mac:vml" xmlns:p="http://schemas.openxmlformats.org/presentationml/2006/main" xmlns:c="http://schemas.openxmlformats.org/drawingml/2006/chart" xmlns:dgm="http://schemas.openxmlformats.org/drawingml/2006/diagram" xmlns:o="urn:schemas-microsoft-com:office:office" xmlns:v="urn:schemas-microsoft-com:vml" xmlns:pvml="urn:schemas-microsoft-com:office:powerpoint" xmlns:com="http://schemas.openxmlformats.org/drawingml/2006/compatibility" xmlns:p14="http://schemas.microsoft.com/office/powerpoint/2010/main" xmlns:p15="http://schemas.microsoft.com/office/powerpoint/2012/main" xmlns:ahyp="http://schemas.microsoft.com/office/drawing/2018/hyperlinkcolor">
+<p:sld xmlns:a="http://schemas.openxmlformats.org/drawingml/2006/main" xmlns:r="http://schemas.openxmlformats.org/officeDocument/2006/relationships" xmlns:p="http://schemas.openxmlformats.org/presentationml/2006/main">
   <p:cSld>
     <p:spTree>
       <p:nvGrpSpPr>
-        <p:cNvPr id="127" name="Shape 127"/>
+        <p:cNvPr id="1" name="Shape 127"/>
         <p:cNvGrpSpPr/>
         <p:nvPr/>
       </p:nvGrpSpPr>
@@ -9685,7 +9669,9 @@
       <p:sp>
         <p:nvSpPr>
           <p:cNvPr id="128" name="Google Shape;128;p13"/>
-          <p:cNvSpPr txBox="1"/>
+          <p:cNvSpPr txBox="1">
+            <a:spLocks noGrp="1"/>
+          </p:cNvSpPr>
           <p:nvPr>
             <p:ph type="ctrTitle"/>
           </p:nvPr>
@@ -9700,12 +9686,12 @@
           </a:prstGeom>
         </p:spPr>
         <p:txBody>
-          <a:bodyPr anchorCtr="0" anchor="ctr" bIns="91425" lIns="91425" spcFirstLastPara="1" rIns="91425" wrap="square" tIns="91425">
+          <a:bodyPr spcFirstLastPara="1" wrap="square" lIns="91425" tIns="91425" rIns="91425" bIns="91425" anchor="ctr" anchorCtr="0">
             <a:normAutofit/>
           </a:bodyPr>
           <a:lstStyle/>
           <a:p>
-            <a:pPr indent="0" lvl="0" marL="0" rtl="0" algn="ctr">
+            <a:pPr marL="0" lvl="0" indent="0" algn="ctr" rtl="0">
               <a:spcBef>
                 <a:spcPts val="0"/>
               </a:spcBef>
@@ -9725,9 +9711,11 @@
       <p:sp>
         <p:nvSpPr>
           <p:cNvPr id="129" name="Google Shape;129;p13"/>
-          <p:cNvSpPr txBox="1"/>
+          <p:cNvSpPr txBox="1">
+            <a:spLocks noGrp="1"/>
+          </p:cNvSpPr>
           <p:nvPr>
-            <p:ph idx="1" type="subTitle"/>
+            <p:ph type="subTitle" idx="1"/>
           </p:nvPr>
         </p:nvSpPr>
         <p:spPr>
@@ -9740,12 +9728,12 @@
           </a:prstGeom>
         </p:spPr>
         <p:txBody>
-          <a:bodyPr anchorCtr="0" anchor="t" bIns="91425" lIns="91425" spcFirstLastPara="1" rIns="91425" wrap="square" tIns="91425">
+          <a:bodyPr spcFirstLastPara="1" wrap="square" lIns="91425" tIns="91425" rIns="91425" bIns="91425" anchor="t" anchorCtr="0">
             <a:normAutofit/>
           </a:bodyPr>
           <a:lstStyle/>
           <a:p>
-            <a:pPr indent="0" lvl="0" marL="0" rtl="0" algn="ctr">
+            <a:pPr marL="0" lvl="0" indent="0" algn="ctr" rtl="0">
               <a:spcBef>
                 <a:spcPts val="0"/>
               </a:spcBef>
@@ -9771,11 +9759,11 @@
 </file>
 
 <file path=ppt/slides/slide2.xml><?xml version="1.0" encoding="utf-8"?>
-<p:sld xmlns:a="http://schemas.openxmlformats.org/drawingml/2006/main" xmlns:r="http://schemas.openxmlformats.org/officeDocument/2006/relationships" xmlns:mc="http://schemas.openxmlformats.org/markup-compatibility/2006" xmlns:mv="urn:schemas-microsoft-com:mac:vml" xmlns:p="http://schemas.openxmlformats.org/presentationml/2006/main" xmlns:c="http://schemas.openxmlformats.org/drawingml/2006/chart" xmlns:dgm="http://schemas.openxmlformats.org/drawingml/2006/diagram" xmlns:o="urn:schemas-microsoft-com:office:office" xmlns:v="urn:schemas-microsoft-com:vml" xmlns:pvml="urn:schemas-microsoft-com:office:powerpoint" xmlns:com="http://schemas.openxmlformats.org/drawingml/2006/compatibility" xmlns:p14="http://schemas.microsoft.com/office/powerpoint/2010/main" xmlns:p15="http://schemas.microsoft.com/office/powerpoint/2012/main" xmlns:ahyp="http://schemas.microsoft.com/office/drawing/2018/hyperlinkcolor">
+<p:sld xmlns:a="http://schemas.openxmlformats.org/drawingml/2006/main" xmlns:r="http://schemas.openxmlformats.org/officeDocument/2006/relationships" xmlns:p="http://schemas.openxmlformats.org/presentationml/2006/main">
   <p:cSld>
     <p:spTree>
       <p:nvGrpSpPr>
-        <p:cNvPr id="133" name="Shape 133"/>
+        <p:cNvPr id="1" name="Shape 133"/>
         <p:cNvGrpSpPr/>
         <p:nvPr/>
       </p:nvGrpSpPr>
@@ -9790,7 +9778,9 @@
       <p:sp>
         <p:nvSpPr>
           <p:cNvPr id="134" name="Google Shape;134;p14"/>
-          <p:cNvSpPr txBox="1"/>
+          <p:cNvSpPr txBox="1">
+            <a:spLocks noGrp="1"/>
+          </p:cNvSpPr>
           <p:nvPr>
             <p:ph type="title"/>
           </p:nvPr>
@@ -9805,12 +9795,12 @@
           </a:prstGeom>
         </p:spPr>
         <p:txBody>
-          <a:bodyPr anchorCtr="0" anchor="t" bIns="91425" lIns="91425" spcFirstLastPara="1" rIns="91425" wrap="square" tIns="91425">
+          <a:bodyPr spcFirstLastPara="1" wrap="square" lIns="91425" tIns="91425" rIns="91425" bIns="91425" anchor="t" anchorCtr="0">
             <a:normAutofit fontScale="90000"/>
           </a:bodyPr>
           <a:lstStyle/>
           <a:p>
-            <a:pPr indent="0" lvl="0" marL="0" rtl="0" algn="l">
+            <a:pPr marL="0" lvl="0" indent="0" algn="l" rtl="0">
               <a:spcBef>
                 <a:spcPts val="0"/>
               </a:spcBef>
@@ -9830,9 +9820,11 @@
       <p:sp>
         <p:nvSpPr>
           <p:cNvPr id="135" name="Google Shape;135;p14"/>
-          <p:cNvSpPr txBox="1"/>
+          <p:cNvSpPr txBox="1">
+            <a:spLocks noGrp="1"/>
+          </p:cNvSpPr>
           <p:nvPr>
-            <p:ph idx="1" type="body"/>
+            <p:ph type="body" idx="1"/>
           </p:nvPr>
         </p:nvSpPr>
         <p:spPr>
@@ -9845,12 +9837,12 @@
           </a:prstGeom>
         </p:spPr>
         <p:txBody>
-          <a:bodyPr anchorCtr="0" anchor="t" bIns="91425" lIns="91425" spcFirstLastPara="1" rIns="91425" wrap="square" tIns="91425">
+          <a:bodyPr spcFirstLastPara="1" wrap="square" lIns="91425" tIns="91425" rIns="91425" bIns="91425" anchor="t" anchorCtr="0">
             <a:normAutofit/>
           </a:bodyPr>
           <a:lstStyle/>
           <a:p>
-            <a:pPr indent="457200" lvl="0" marL="0" rtl="0" algn="just">
+            <a:pPr marL="0" lvl="0" indent="457200" algn="just" rtl="0">
               <a:spcBef>
                 <a:spcPts val="0"/>
               </a:spcBef>
@@ -9876,11 +9868,11 @@
 </file>
 
 <file path=ppt/slides/slide3.xml><?xml version="1.0" encoding="utf-8"?>
-<p:sld xmlns:a="http://schemas.openxmlformats.org/drawingml/2006/main" xmlns:r="http://schemas.openxmlformats.org/officeDocument/2006/relationships" xmlns:mc="http://schemas.openxmlformats.org/markup-compatibility/2006" xmlns:mv="urn:schemas-microsoft-com:mac:vml" xmlns:p="http://schemas.openxmlformats.org/presentationml/2006/main" xmlns:c="http://schemas.openxmlformats.org/drawingml/2006/chart" xmlns:dgm="http://schemas.openxmlformats.org/drawingml/2006/diagram" xmlns:o="urn:schemas-microsoft-com:office:office" xmlns:v="urn:schemas-microsoft-com:vml" xmlns:pvml="urn:schemas-microsoft-com:office:powerpoint" xmlns:com="http://schemas.openxmlformats.org/drawingml/2006/compatibility" xmlns:p14="http://schemas.microsoft.com/office/powerpoint/2010/main" xmlns:p15="http://schemas.microsoft.com/office/powerpoint/2012/main" xmlns:ahyp="http://schemas.microsoft.com/office/drawing/2018/hyperlinkcolor">
+<p:sld xmlns:a="http://schemas.openxmlformats.org/drawingml/2006/main" xmlns:r="http://schemas.openxmlformats.org/officeDocument/2006/relationships" xmlns:p="http://schemas.openxmlformats.org/presentationml/2006/main">
   <p:cSld>
     <p:spTree>
       <p:nvGrpSpPr>
-        <p:cNvPr id="139" name="Shape 139"/>
+        <p:cNvPr id="1" name="Shape 139"/>
         <p:cNvGrpSpPr/>
         <p:nvPr/>
       </p:nvGrpSpPr>
@@ -9895,7 +9887,9 @@
       <p:sp>
         <p:nvSpPr>
           <p:cNvPr id="140" name="Google Shape;140;p15"/>
-          <p:cNvSpPr txBox="1"/>
+          <p:cNvSpPr txBox="1">
+            <a:spLocks noGrp="1"/>
+          </p:cNvSpPr>
           <p:nvPr>
             <p:ph type="title"/>
           </p:nvPr>
@@ -9910,12 +9904,12 @@
           </a:prstGeom>
         </p:spPr>
         <p:txBody>
-          <a:bodyPr anchorCtr="0" anchor="t" bIns="91425" lIns="91425" spcFirstLastPara="1" rIns="91425" wrap="square" tIns="91425">
+          <a:bodyPr spcFirstLastPara="1" wrap="square" lIns="91425" tIns="91425" rIns="91425" bIns="91425" anchor="t" anchorCtr="0">
             <a:normAutofit/>
           </a:bodyPr>
           <a:lstStyle/>
           <a:p>
-            <a:pPr indent="0" lvl="0" marL="0" rtl="0" algn="l">
+            <a:pPr marL="0" lvl="0" indent="0" algn="l" rtl="0">
               <a:spcBef>
                 <a:spcPts val="0"/>
               </a:spcBef>
@@ -9935,9 +9929,11 @@
       <p:sp>
         <p:nvSpPr>
           <p:cNvPr id="141" name="Google Shape;141;p15"/>
-          <p:cNvSpPr txBox="1"/>
+          <p:cNvSpPr txBox="1">
+            <a:spLocks noGrp="1"/>
+          </p:cNvSpPr>
           <p:nvPr>
-            <p:ph idx="1" type="body"/>
+            <p:ph type="body" idx="1"/>
           </p:nvPr>
         </p:nvSpPr>
         <p:spPr>
@@ -9950,12 +9946,12 @@
           </a:prstGeom>
         </p:spPr>
         <p:txBody>
-          <a:bodyPr anchorCtr="0" anchor="t" bIns="91425" lIns="91425" spcFirstLastPara="1" rIns="91425" wrap="square" tIns="91425">
+          <a:bodyPr spcFirstLastPara="1" wrap="square" lIns="91425" tIns="91425" rIns="91425" bIns="91425" anchor="t" anchorCtr="0">
             <a:normAutofit/>
           </a:bodyPr>
           <a:lstStyle/>
           <a:p>
-            <a:pPr indent="-349250" lvl="0" marL="457200" rtl="0" algn="l">
+            <a:pPr marL="457200" lvl="0" indent="-349250" algn="l" rtl="0">
               <a:spcBef>
                 <a:spcPts val="0"/>
               </a:spcBef>
@@ -9972,7 +9968,7 @@
             <a:endParaRPr sz="1900"/>
           </a:p>
           <a:p>
-            <a:pPr indent="-349250" lvl="0" marL="457200" rtl="0" algn="l">
+            <a:pPr marL="457200" lvl="0" indent="-349250" algn="l" rtl="0">
               <a:spcBef>
                 <a:spcPts val="0"/>
               </a:spcBef>
@@ -9989,7 +9985,7 @@
             <a:endParaRPr sz="1900"/>
           </a:p>
           <a:p>
-            <a:pPr indent="-349250" lvl="0" marL="457200" rtl="0" algn="l">
+            <a:pPr marL="457200" lvl="0" indent="-349250" algn="l" rtl="0">
               <a:spcBef>
                 <a:spcPts val="0"/>
               </a:spcBef>
@@ -10006,7 +10002,7 @@
             <a:endParaRPr sz="1900"/>
           </a:p>
           <a:p>
-            <a:pPr indent="-349250" lvl="0" marL="457200" rtl="0" algn="l">
+            <a:pPr marL="457200" lvl="0" indent="-349250" algn="l" rtl="0">
               <a:spcBef>
                 <a:spcPts val="0"/>
               </a:spcBef>
@@ -10023,7 +10019,7 @@
             <a:endParaRPr sz="1900"/>
           </a:p>
           <a:p>
-            <a:pPr indent="-349250" lvl="0" marL="457200" rtl="0" algn="l">
+            <a:pPr marL="457200" lvl="0" indent="-349250" algn="l" rtl="0">
               <a:spcBef>
                 <a:spcPts val="0"/>
               </a:spcBef>
@@ -10050,11 +10046,11 @@
 </file>
 
 <file path=ppt/slides/slide4.xml><?xml version="1.0" encoding="utf-8"?>
-<p:sld xmlns:a="http://schemas.openxmlformats.org/drawingml/2006/main" xmlns:r="http://schemas.openxmlformats.org/officeDocument/2006/relationships" xmlns:mc="http://schemas.openxmlformats.org/markup-compatibility/2006" xmlns:mv="urn:schemas-microsoft-com:mac:vml" xmlns:p="http://schemas.openxmlformats.org/presentationml/2006/main" xmlns:c="http://schemas.openxmlformats.org/drawingml/2006/chart" xmlns:dgm="http://schemas.openxmlformats.org/drawingml/2006/diagram" xmlns:o="urn:schemas-microsoft-com:office:office" xmlns:v="urn:schemas-microsoft-com:vml" xmlns:pvml="urn:schemas-microsoft-com:office:powerpoint" xmlns:com="http://schemas.openxmlformats.org/drawingml/2006/compatibility" xmlns:p14="http://schemas.microsoft.com/office/powerpoint/2010/main" xmlns:p15="http://schemas.microsoft.com/office/powerpoint/2012/main" xmlns:ahyp="http://schemas.microsoft.com/office/drawing/2018/hyperlinkcolor">
+<p:sld xmlns:a="http://schemas.openxmlformats.org/drawingml/2006/main" xmlns:r="http://schemas.openxmlformats.org/officeDocument/2006/relationships" xmlns:p="http://schemas.openxmlformats.org/presentationml/2006/main">
   <p:cSld>
     <p:spTree>
       <p:nvGrpSpPr>
-        <p:cNvPr id="145" name="Shape 145"/>
+        <p:cNvPr id="1" name="Shape 145"/>
         <p:cNvGrpSpPr/>
         <p:nvPr/>
       </p:nvGrpSpPr>
@@ -10069,7 +10065,9 @@
       <p:sp>
         <p:nvSpPr>
           <p:cNvPr id="146" name="Google Shape;146;p16"/>
-          <p:cNvSpPr txBox="1"/>
+          <p:cNvSpPr txBox="1">
+            <a:spLocks noGrp="1"/>
+          </p:cNvSpPr>
           <p:nvPr>
             <p:ph type="title"/>
           </p:nvPr>
@@ -10084,12 +10082,12 @@
           </a:prstGeom>
         </p:spPr>
         <p:txBody>
-          <a:bodyPr anchorCtr="0" anchor="t" bIns="91425" lIns="91425" spcFirstLastPara="1" rIns="91425" wrap="square" tIns="91425">
+          <a:bodyPr spcFirstLastPara="1" wrap="square" lIns="91425" tIns="91425" rIns="91425" bIns="91425" anchor="t" anchorCtr="0">
             <a:normAutofit/>
           </a:bodyPr>
           <a:lstStyle/>
           <a:p>
-            <a:pPr indent="0" lvl="0" marL="0" rtl="0" algn="l">
+            <a:pPr marL="0" lvl="0" indent="0" algn="l" rtl="0">
               <a:spcBef>
                 <a:spcPts val="0"/>
               </a:spcBef>
@@ -10100,7 +10098,15 @@
             </a:pPr>
             <a:r>
               <a:rPr lang="en"/>
-              <a:t>Types of Network Operating System :</a:t>
+              <a:t>Types of Network</a:t>
+            </a:r>
+            <a:r>
+              <a:rPr lang="en-GB"/>
+              <a:t> Models</a:t>
+            </a:r>
+            <a:r>
+              <a:rPr lang="en"/>
+              <a:t> :</a:t>
             </a:r>
             <a:endParaRPr/>
           </a:p>
@@ -10109,9 +10115,11 @@
       <p:sp>
         <p:nvSpPr>
           <p:cNvPr id="147" name="Google Shape;147;p16"/>
-          <p:cNvSpPr txBox="1"/>
+          <p:cNvSpPr txBox="1">
+            <a:spLocks noGrp="1"/>
+          </p:cNvSpPr>
           <p:nvPr>
-            <p:ph idx="1" type="body"/>
+            <p:ph type="body" idx="1"/>
           </p:nvPr>
         </p:nvSpPr>
         <p:spPr>
@@ -10124,12 +10132,12 @@
           </a:prstGeom>
         </p:spPr>
         <p:txBody>
-          <a:bodyPr anchorCtr="0" anchor="t" bIns="91425" lIns="91425" spcFirstLastPara="1" rIns="91425" wrap="square" tIns="91425">
+          <a:bodyPr spcFirstLastPara="1" wrap="square" lIns="91425" tIns="91425" rIns="91425" bIns="91425" anchor="t" anchorCtr="0">
             <a:normAutofit/>
           </a:bodyPr>
           <a:lstStyle/>
           <a:p>
-            <a:pPr indent="0" lvl="0" marL="0" rtl="0" algn="l">
+            <a:pPr marL="0" lvl="0" indent="0" algn="l" rtl="0">
               <a:spcBef>
                 <a:spcPts val="0"/>
               </a:spcBef>
@@ -10139,13 +10147,13 @@
               <a:buNone/>
             </a:pPr>
             <a:r>
-              <a:rPr b="1" lang="en" sz="1600"/>
+              <a:rPr lang="en" sz="1600" b="1"/>
               <a:t>Peer to Peer :</a:t>
             </a:r>
-            <a:endParaRPr b="1" sz="100"/>
+            <a:endParaRPr sz="100" b="1"/>
           </a:p>
           <a:p>
-            <a:pPr indent="457200" lvl="0" marL="0" rtl="0" algn="just">
+            <a:pPr marL="0" lvl="0" indent="457200" algn="just" rtl="0">
               <a:spcBef>
                 <a:spcPts val="1200"/>
               </a:spcBef>
@@ -10156,11 +10164,7 @@
             </a:pPr>
             <a:r>
               <a:rPr lang="en" sz="1500"/>
-              <a:t>    </a:t>
-            </a:r>
-            <a:r>
-              <a:rPr lang="en" sz="1500"/>
-              <a:t>Peer-to-peer network operating systems allow sharing resources and files with small-sized networks and having fewer resources. In general, peer-to-peer network operating systems are used on LAN.</a:t>
+              <a:t>    Peer-to-peer network operating systems allow sharing resources and files with small-sized networks and having fewer resources. In general, peer-to-peer network operating systems are used on LAN.</a:t>
             </a:r>
             <a:endParaRPr sz="1500"/>
           </a:p>
@@ -10169,9 +10173,11 @@
       <p:sp>
         <p:nvSpPr>
           <p:cNvPr id="148" name="Google Shape;148;p16"/>
-          <p:cNvSpPr txBox="1"/>
+          <p:cNvSpPr txBox="1">
+            <a:spLocks noGrp="1"/>
+          </p:cNvSpPr>
           <p:nvPr>
-            <p:ph idx="2" type="body"/>
+            <p:ph type="body" idx="2"/>
           </p:nvPr>
         </p:nvSpPr>
         <p:spPr>
@@ -10184,12 +10190,12 @@
           </a:prstGeom>
         </p:spPr>
         <p:txBody>
-          <a:bodyPr anchorCtr="0" anchor="t" bIns="91425" lIns="91425" spcFirstLastPara="1" rIns="91425" wrap="square" tIns="91425">
+          <a:bodyPr spcFirstLastPara="1" wrap="square" lIns="91425" tIns="91425" rIns="91425" bIns="91425" anchor="t" anchorCtr="0">
             <a:normAutofit lnSpcReduction="10000"/>
           </a:bodyPr>
           <a:lstStyle/>
           <a:p>
-            <a:pPr indent="0" lvl="0" marL="0" rtl="0" algn="l">
+            <a:pPr marL="0" lvl="0" indent="0" algn="l" rtl="0">
               <a:spcBef>
                 <a:spcPts val="0"/>
               </a:spcBef>
@@ -10199,17 +10205,13 @@
               <a:buNone/>
             </a:pPr>
             <a:r>
-              <a:rPr b="1" lang="en" sz="1600"/>
-              <a:t>Client/serve</a:t>
+              <a:rPr lang="en" sz="1600" b="1"/>
+              <a:t>Client/server :</a:t>
             </a:r>
-            <a:r>
-              <a:rPr b="1" lang="en" sz="1600"/>
-              <a:t>r :</a:t>
-            </a:r>
-            <a:endParaRPr b="1" sz="1600"/>
+            <a:endParaRPr sz="1600" b="1"/>
           </a:p>
           <a:p>
-            <a:pPr indent="457200" lvl="0" marL="0" rtl="0" algn="just">
+            <a:pPr marL="0" lvl="0" indent="457200" algn="just" rtl="0">
               <a:spcBef>
                 <a:spcPts val="1200"/>
               </a:spcBef>
@@ -10225,7 +10227,7 @@
             <a:endParaRPr sz="1500"/>
           </a:p>
           <a:p>
-            <a:pPr indent="0" lvl="0" marL="0" rtl="0" algn="l">
+            <a:pPr marL="0" lvl="0" indent="0" algn="l" rtl="0">
               <a:spcBef>
                 <a:spcPts val="1200"/>
               </a:spcBef>
@@ -10234,9 +10236,6 @@
               </a:spcAft>
               <a:buNone/>
             </a:pPr>
-            <a:r>
-              <a:t/>
-            </a:r>
             <a:endParaRPr/>
           </a:p>
         </p:txBody>
@@ -10250,11 +10249,11 @@
 </file>
 
 <file path=ppt/slides/slide5.xml><?xml version="1.0" encoding="utf-8"?>
-<p:sld xmlns:a="http://schemas.openxmlformats.org/drawingml/2006/main" xmlns:r="http://schemas.openxmlformats.org/officeDocument/2006/relationships" xmlns:mc="http://schemas.openxmlformats.org/markup-compatibility/2006" xmlns:mv="urn:schemas-microsoft-com:mac:vml" xmlns:p="http://schemas.openxmlformats.org/presentationml/2006/main" xmlns:c="http://schemas.openxmlformats.org/drawingml/2006/chart" xmlns:dgm="http://schemas.openxmlformats.org/drawingml/2006/diagram" xmlns:o="urn:schemas-microsoft-com:office:office" xmlns:v="urn:schemas-microsoft-com:vml" xmlns:pvml="urn:schemas-microsoft-com:office:powerpoint" xmlns:com="http://schemas.openxmlformats.org/drawingml/2006/compatibility" xmlns:p14="http://schemas.microsoft.com/office/powerpoint/2010/main" xmlns:p15="http://schemas.microsoft.com/office/powerpoint/2012/main" xmlns:ahyp="http://schemas.microsoft.com/office/drawing/2018/hyperlinkcolor">
+<p:sld xmlns:a="http://schemas.openxmlformats.org/drawingml/2006/main" xmlns:r="http://schemas.openxmlformats.org/officeDocument/2006/relationships" xmlns:p="http://schemas.openxmlformats.org/presentationml/2006/main">
   <p:cSld>
     <p:spTree>
       <p:nvGrpSpPr>
-        <p:cNvPr id="152" name="Shape 152"/>
+        <p:cNvPr id="1" name="Shape 152"/>
         <p:cNvGrpSpPr/>
         <p:nvPr/>
       </p:nvGrpSpPr>
@@ -10269,7 +10268,9 @@
       <p:sp>
         <p:nvSpPr>
           <p:cNvPr id="153" name="Google Shape;153;p17"/>
-          <p:cNvSpPr txBox="1"/>
+          <p:cNvSpPr txBox="1">
+            <a:spLocks noGrp="1"/>
+          </p:cNvSpPr>
           <p:nvPr>
             <p:ph type="title"/>
           </p:nvPr>
@@ -10284,12 +10285,12 @@
           </a:prstGeom>
         </p:spPr>
         <p:txBody>
-          <a:bodyPr anchorCtr="0" anchor="t" bIns="91425" lIns="91425" spcFirstLastPara="1" rIns="91425" wrap="square" tIns="91425">
+          <a:bodyPr spcFirstLastPara="1" wrap="square" lIns="91425" tIns="91425" rIns="91425" bIns="91425" anchor="t" anchorCtr="0">
             <a:normAutofit/>
           </a:bodyPr>
           <a:lstStyle/>
           <a:p>
-            <a:pPr indent="0" lvl="0" marL="0" rtl="0" algn="l">
+            <a:pPr marL="0" lvl="0" indent="0" algn="l" rtl="0">
               <a:spcBef>
                 <a:spcPts val="0"/>
               </a:spcBef>
@@ -10309,9 +10310,11 @@
       <p:sp>
         <p:nvSpPr>
           <p:cNvPr id="154" name="Google Shape;154;p17"/>
-          <p:cNvSpPr txBox="1"/>
+          <p:cNvSpPr txBox="1">
+            <a:spLocks noGrp="1"/>
+          </p:cNvSpPr>
           <p:nvPr>
-            <p:ph idx="1" type="body"/>
+            <p:ph type="body" idx="1"/>
           </p:nvPr>
         </p:nvSpPr>
         <p:spPr>
@@ -10324,12 +10327,12 @@
           </a:prstGeom>
         </p:spPr>
         <p:txBody>
-          <a:bodyPr anchorCtr="0" anchor="t" bIns="91425" lIns="91425" spcFirstLastPara="1" rIns="91425" wrap="square" tIns="91425">
+          <a:bodyPr spcFirstLastPara="1" wrap="square" lIns="91425" tIns="91425" rIns="91425" bIns="91425" anchor="t" anchorCtr="0">
             <a:normAutofit/>
           </a:bodyPr>
           <a:lstStyle/>
           <a:p>
-            <a:pPr indent="-342900" lvl="0" marL="457200" rtl="0" algn="l">
+            <a:pPr marL="457200" lvl="0" indent="-342900" algn="l" rtl="0">
               <a:spcBef>
                 <a:spcPts val="0"/>
               </a:spcBef>
@@ -10346,7 +10349,7 @@
             <a:endParaRPr sz="1800"/>
           </a:p>
           <a:p>
-            <a:pPr indent="-342900" lvl="0" marL="457200" rtl="0" algn="l">
+            <a:pPr marL="457200" lvl="0" indent="-342900" algn="l" rtl="0">
               <a:spcBef>
                 <a:spcPts val="0"/>
               </a:spcBef>
@@ -10363,7 +10366,7 @@
             <a:endParaRPr sz="1800"/>
           </a:p>
           <a:p>
-            <a:pPr indent="-342900" lvl="0" marL="457200" rtl="0" algn="l">
+            <a:pPr marL="457200" lvl="0" indent="-342900" algn="l" rtl="0">
               <a:spcBef>
                 <a:spcPts val="0"/>
               </a:spcBef>
@@ -10380,7 +10383,7 @@
             <a:endParaRPr sz="1800"/>
           </a:p>
           <a:p>
-            <a:pPr indent="-342900" lvl="0" marL="457200" rtl="0" algn="l">
+            <a:pPr marL="457200" lvl="0" indent="-342900" algn="l" rtl="0">
               <a:spcBef>
                 <a:spcPts val="0"/>
               </a:spcBef>
@@ -10397,7 +10400,7 @@
             <a:endParaRPr sz="1800"/>
           </a:p>
           <a:p>
-            <a:pPr indent="-342900" lvl="0" marL="457200" rtl="0" algn="l">
+            <a:pPr marL="457200" lvl="0" indent="-342900" algn="l" rtl="0">
               <a:spcBef>
                 <a:spcPts val="0"/>
               </a:spcBef>
@@ -10424,11 +10427,11 @@
 </file>
 
 <file path=ppt/slides/slide6.xml><?xml version="1.0" encoding="utf-8"?>
-<p:sld xmlns:a="http://schemas.openxmlformats.org/drawingml/2006/main" xmlns:r="http://schemas.openxmlformats.org/officeDocument/2006/relationships" xmlns:mc="http://schemas.openxmlformats.org/markup-compatibility/2006" xmlns:mv="urn:schemas-microsoft-com:mac:vml" xmlns:p="http://schemas.openxmlformats.org/presentationml/2006/main" xmlns:c="http://schemas.openxmlformats.org/drawingml/2006/chart" xmlns:dgm="http://schemas.openxmlformats.org/drawingml/2006/diagram" xmlns:o="urn:schemas-microsoft-com:office:office" xmlns:v="urn:schemas-microsoft-com:vml" xmlns:pvml="urn:schemas-microsoft-com:office:powerpoint" xmlns:com="http://schemas.openxmlformats.org/drawingml/2006/compatibility" xmlns:p14="http://schemas.microsoft.com/office/powerpoint/2010/main" xmlns:p15="http://schemas.microsoft.com/office/powerpoint/2012/main" xmlns:ahyp="http://schemas.microsoft.com/office/drawing/2018/hyperlinkcolor">
+<p:sld xmlns:a="http://schemas.openxmlformats.org/drawingml/2006/main" xmlns:r="http://schemas.openxmlformats.org/officeDocument/2006/relationships" xmlns:p="http://schemas.openxmlformats.org/presentationml/2006/main">
   <p:cSld>
     <p:spTree>
       <p:nvGrpSpPr>
-        <p:cNvPr id="158" name="Shape 158"/>
+        <p:cNvPr id="1" name="Shape 158"/>
         <p:cNvGrpSpPr/>
         <p:nvPr/>
       </p:nvGrpSpPr>
@@ -10443,7 +10446,9 @@
       <p:sp>
         <p:nvSpPr>
           <p:cNvPr id="159" name="Google Shape;159;p18"/>
-          <p:cNvSpPr txBox="1"/>
+          <p:cNvSpPr txBox="1">
+            <a:spLocks noGrp="1"/>
+          </p:cNvSpPr>
           <p:nvPr>
             <p:ph type="title"/>
           </p:nvPr>
@@ -10458,12 +10463,12 @@
           </a:prstGeom>
         </p:spPr>
         <p:txBody>
-          <a:bodyPr anchorCtr="0" anchor="t" bIns="91425" lIns="91425" spcFirstLastPara="1" rIns="91425" wrap="square" tIns="91425">
+          <a:bodyPr spcFirstLastPara="1" wrap="square" lIns="91425" tIns="91425" rIns="91425" bIns="91425" anchor="t" anchorCtr="0">
             <a:normAutofit fontScale="90000"/>
           </a:bodyPr>
           <a:lstStyle/>
           <a:p>
-            <a:pPr indent="0" lvl="0" marL="0" rtl="0" algn="l">
+            <a:pPr marL="0" lvl="0" indent="0" algn="l" rtl="0">
               <a:spcBef>
                 <a:spcPts val="0"/>
               </a:spcBef>
@@ -10483,9 +10488,11 @@
       <p:sp>
         <p:nvSpPr>
           <p:cNvPr id="160" name="Google Shape;160;p18"/>
-          <p:cNvSpPr txBox="1"/>
+          <p:cNvSpPr txBox="1">
+            <a:spLocks noGrp="1"/>
+          </p:cNvSpPr>
           <p:nvPr>
-            <p:ph idx="1" type="body"/>
+            <p:ph type="body" idx="1"/>
           </p:nvPr>
         </p:nvSpPr>
         <p:spPr>
@@ -10498,12 +10505,12 @@
           </a:prstGeom>
         </p:spPr>
         <p:txBody>
-          <a:bodyPr anchorCtr="0" anchor="t" bIns="91425" lIns="91425" spcFirstLastPara="1" rIns="91425" wrap="square" tIns="91425">
+          <a:bodyPr spcFirstLastPara="1" wrap="square" lIns="91425" tIns="91425" rIns="91425" bIns="91425" anchor="t" anchorCtr="0">
             <a:normAutofit/>
           </a:bodyPr>
           <a:lstStyle/>
           <a:p>
-            <a:pPr indent="-355600" lvl="0" marL="457200" rtl="0" algn="l">
+            <a:pPr marL="457200" lvl="0" indent="-355600" algn="l" rtl="0">
               <a:spcBef>
                 <a:spcPts val="0"/>
               </a:spcBef>
@@ -10520,7 +10527,7 @@
             <a:endParaRPr sz="2000"/>
           </a:p>
           <a:p>
-            <a:pPr indent="-355600" lvl="0" marL="457200" rtl="0" algn="l">
+            <a:pPr marL="457200" lvl="0" indent="-355600" algn="l" rtl="0">
               <a:spcBef>
                 <a:spcPts val="0"/>
               </a:spcBef>
@@ -10537,7 +10544,7 @@
             <a:endParaRPr sz="2000"/>
           </a:p>
           <a:p>
-            <a:pPr indent="-355600" lvl="0" marL="457200" rtl="0" algn="l">
+            <a:pPr marL="457200" lvl="0" indent="-355600" algn="l" rtl="0">
               <a:spcBef>
                 <a:spcPts val="0"/>
               </a:spcBef>
@@ -10554,7 +10561,7 @@
             <a:endParaRPr sz="2000"/>
           </a:p>
           <a:p>
-            <a:pPr indent="-355600" lvl="0" marL="457200" rtl="0" algn="l">
+            <a:pPr marL="457200" lvl="0" indent="-355600" algn="l" rtl="0">
               <a:spcBef>
                 <a:spcPts val="0"/>
               </a:spcBef>
@@ -10581,11 +10588,11 @@
 </file>
 
 <file path=ppt/slides/slide7.xml><?xml version="1.0" encoding="utf-8"?>
-<p:sld xmlns:a="http://schemas.openxmlformats.org/drawingml/2006/main" xmlns:r="http://schemas.openxmlformats.org/officeDocument/2006/relationships" xmlns:mc="http://schemas.openxmlformats.org/markup-compatibility/2006" xmlns:mv="urn:schemas-microsoft-com:mac:vml" xmlns:p="http://schemas.openxmlformats.org/presentationml/2006/main" xmlns:c="http://schemas.openxmlformats.org/drawingml/2006/chart" xmlns:dgm="http://schemas.openxmlformats.org/drawingml/2006/diagram" xmlns:o="urn:schemas-microsoft-com:office:office" xmlns:v="urn:schemas-microsoft-com:vml" xmlns:pvml="urn:schemas-microsoft-com:office:powerpoint" xmlns:com="http://schemas.openxmlformats.org/drawingml/2006/compatibility" xmlns:p14="http://schemas.microsoft.com/office/powerpoint/2010/main" xmlns:p15="http://schemas.microsoft.com/office/powerpoint/2012/main" xmlns:ahyp="http://schemas.microsoft.com/office/drawing/2018/hyperlinkcolor">
+<p:sld xmlns:a="http://schemas.openxmlformats.org/drawingml/2006/main" xmlns:r="http://schemas.openxmlformats.org/officeDocument/2006/relationships" xmlns:p="http://schemas.openxmlformats.org/presentationml/2006/main">
   <p:cSld>
     <p:spTree>
       <p:nvGrpSpPr>
-        <p:cNvPr id="164" name="Shape 164"/>
+        <p:cNvPr id="1" name="Shape 164"/>
         <p:cNvGrpSpPr/>
         <p:nvPr/>
       </p:nvGrpSpPr>
@@ -10600,7 +10607,9 @@
       <p:sp>
         <p:nvSpPr>
           <p:cNvPr id="165" name="Google Shape;165;p19"/>
-          <p:cNvSpPr txBox="1"/>
+          <p:cNvSpPr txBox="1">
+            <a:spLocks noGrp="1"/>
+          </p:cNvSpPr>
           <p:nvPr>
             <p:ph type="title"/>
           </p:nvPr>
@@ -10615,12 +10624,12 @@
           </a:prstGeom>
         </p:spPr>
         <p:txBody>
-          <a:bodyPr anchorCtr="0" anchor="t" bIns="91425" lIns="91425" spcFirstLastPara="1" rIns="91425" wrap="square" tIns="91425">
+          <a:bodyPr spcFirstLastPara="1" wrap="square" lIns="91425" tIns="91425" rIns="91425" bIns="91425" anchor="t" anchorCtr="0">
             <a:normAutofit fontScale="90000"/>
           </a:bodyPr>
           <a:lstStyle/>
           <a:p>
-            <a:pPr indent="0" lvl="0" marL="0" rtl="0" algn="l">
+            <a:pPr marL="0" lvl="0" indent="0" algn="l" rtl="0">
               <a:spcBef>
                 <a:spcPts val="0"/>
               </a:spcBef>
@@ -10640,9 +10649,11 @@
       <p:sp>
         <p:nvSpPr>
           <p:cNvPr id="166" name="Google Shape;166;p19"/>
-          <p:cNvSpPr txBox="1"/>
+          <p:cNvSpPr txBox="1">
+            <a:spLocks noGrp="1"/>
+          </p:cNvSpPr>
           <p:nvPr>
-            <p:ph idx="1" type="body"/>
+            <p:ph type="body" idx="1"/>
           </p:nvPr>
         </p:nvSpPr>
         <p:spPr>
@@ -10655,12 +10666,12 @@
           </a:prstGeom>
         </p:spPr>
         <p:txBody>
-          <a:bodyPr anchorCtr="0" anchor="t" bIns="91425" lIns="91425" spcFirstLastPara="1" rIns="91425" wrap="square" tIns="91425">
+          <a:bodyPr spcFirstLastPara="1" wrap="square" lIns="91425" tIns="91425" rIns="91425" bIns="91425" anchor="t" anchorCtr="0">
             <a:normAutofit/>
           </a:bodyPr>
           <a:lstStyle/>
           <a:p>
-            <a:pPr indent="-368300" lvl="0" marL="457200" rtl="0" algn="l">
+            <a:pPr marL="457200" lvl="0" indent="-368300" algn="l" rtl="0">
               <a:spcBef>
                 <a:spcPts val="0"/>
               </a:spcBef>
@@ -10677,7 +10688,7 @@
             <a:endParaRPr sz="2200"/>
           </a:p>
           <a:p>
-            <a:pPr indent="-368300" lvl="0" marL="457200" rtl="0" algn="l">
+            <a:pPr marL="457200" lvl="0" indent="-368300" algn="l" rtl="0">
               <a:spcBef>
                 <a:spcPts val="0"/>
               </a:spcBef>
@@ -10694,7 +10705,7 @@
             <a:endParaRPr sz="2200"/>
           </a:p>
           <a:p>
-            <a:pPr indent="-368300" lvl="0" marL="457200" rtl="0" algn="l">
+            <a:pPr marL="457200" lvl="0" indent="-368300" algn="l" rtl="0">
               <a:spcBef>
                 <a:spcPts val="0"/>
               </a:spcBef>
@@ -10711,7 +10722,7 @@
             <a:endParaRPr sz="2200"/>
           </a:p>
           <a:p>
-            <a:pPr indent="0" lvl="0" marL="0" rtl="0" algn="l">
+            <a:pPr marL="0" lvl="0" indent="0" algn="l" rtl="0">
               <a:spcBef>
                 <a:spcPts val="1200"/>
               </a:spcBef>
@@ -10720,9 +10731,6 @@
               </a:spcAft>
               <a:buNone/>
             </a:pPr>
-            <a:r>
-              <a:t/>
-            </a:r>
             <a:endParaRPr/>
           </a:p>
         </p:txBody>
@@ -10736,11 +10744,11 @@
 </file>
 
 <file path=ppt/slides/slide8.xml><?xml version="1.0" encoding="utf-8"?>
-<p:sld xmlns:a="http://schemas.openxmlformats.org/drawingml/2006/main" xmlns:r="http://schemas.openxmlformats.org/officeDocument/2006/relationships" xmlns:mc="http://schemas.openxmlformats.org/markup-compatibility/2006" xmlns:mv="urn:schemas-microsoft-com:mac:vml" xmlns:p="http://schemas.openxmlformats.org/presentationml/2006/main" xmlns:c="http://schemas.openxmlformats.org/drawingml/2006/chart" xmlns:dgm="http://schemas.openxmlformats.org/drawingml/2006/diagram" xmlns:o="urn:schemas-microsoft-com:office:office" xmlns:v="urn:schemas-microsoft-com:vml" xmlns:pvml="urn:schemas-microsoft-com:office:powerpoint" xmlns:com="http://schemas.openxmlformats.org/drawingml/2006/compatibility" xmlns:p14="http://schemas.microsoft.com/office/powerpoint/2010/main" xmlns:p15="http://schemas.microsoft.com/office/powerpoint/2012/main" xmlns:ahyp="http://schemas.microsoft.com/office/drawing/2018/hyperlinkcolor">
+<p:sld xmlns:a="http://schemas.openxmlformats.org/drawingml/2006/main" xmlns:r="http://schemas.openxmlformats.org/officeDocument/2006/relationships" xmlns:p="http://schemas.openxmlformats.org/presentationml/2006/main">
   <p:cSld>
     <p:spTree>
       <p:nvGrpSpPr>
-        <p:cNvPr id="170" name="Shape 170"/>
+        <p:cNvPr id="1" name="Shape 170"/>
         <p:cNvGrpSpPr/>
         <p:nvPr/>
       </p:nvGrpSpPr>
@@ -10755,7 +10763,9 @@
       <p:sp>
         <p:nvSpPr>
           <p:cNvPr id="171" name="Google Shape;171;p20"/>
-          <p:cNvSpPr txBox="1"/>
+          <p:cNvSpPr txBox="1">
+            <a:spLocks noGrp="1"/>
+          </p:cNvSpPr>
           <p:nvPr>
             <p:ph type="title"/>
           </p:nvPr>
@@ -10770,12 +10780,12 @@
           </a:prstGeom>
         </p:spPr>
         <p:txBody>
-          <a:bodyPr anchorCtr="0" anchor="t" bIns="91425" lIns="91425" spcFirstLastPara="1" rIns="91425" wrap="square" tIns="91425">
+          <a:bodyPr spcFirstLastPara="1" wrap="square" lIns="91425" tIns="91425" rIns="91425" bIns="91425" anchor="t" anchorCtr="0">
             <a:normAutofit/>
           </a:bodyPr>
           <a:lstStyle/>
           <a:p>
-            <a:pPr indent="0" lvl="0" marL="0" rtl="0" algn="l">
+            <a:pPr marL="0" lvl="0" indent="0" algn="l" rtl="0">
               <a:spcBef>
                 <a:spcPts val="0"/>
               </a:spcBef>
@@ -10795,9 +10805,11 @@
       <p:sp>
         <p:nvSpPr>
           <p:cNvPr id="172" name="Google Shape;172;p20"/>
-          <p:cNvSpPr txBox="1"/>
+          <p:cNvSpPr txBox="1">
+            <a:spLocks noGrp="1"/>
+          </p:cNvSpPr>
           <p:nvPr>
-            <p:ph idx="1" type="body"/>
+            <p:ph type="body" idx="1"/>
           </p:nvPr>
         </p:nvSpPr>
         <p:spPr>
@@ -10810,12 +10822,12 @@
           </a:prstGeom>
         </p:spPr>
         <p:txBody>
-          <a:bodyPr anchorCtr="0" anchor="t" bIns="91425" lIns="91425" spcFirstLastPara="1" rIns="91425" wrap="square" tIns="91425">
+          <a:bodyPr spcFirstLastPara="1" wrap="square" lIns="91425" tIns="91425" rIns="91425" bIns="91425" anchor="t" anchorCtr="0">
             <a:normAutofit/>
           </a:bodyPr>
           <a:lstStyle/>
           <a:p>
-            <a:pPr indent="-381000" lvl="0" marL="457200" rtl="0" algn="l">
+            <a:pPr marL="457200" lvl="0" indent="-381000" algn="l" rtl="0">
               <a:spcBef>
                 <a:spcPts val="0"/>
               </a:spcBef>
@@ -10832,7 +10844,7 @@
             <a:endParaRPr sz="2400"/>
           </a:p>
           <a:p>
-            <a:pPr indent="-381000" lvl="0" marL="457200" rtl="0" algn="l">
+            <a:pPr marL="457200" lvl="0" indent="-381000" algn="l" rtl="0">
               <a:spcBef>
                 <a:spcPts val="0"/>
               </a:spcBef>
@@ -10849,7 +10861,7 @@
             <a:endParaRPr sz="2400"/>
           </a:p>
           <a:p>
-            <a:pPr indent="-381000" lvl="0" marL="457200" rtl="0" algn="l">
+            <a:pPr marL="457200" lvl="0" indent="-381000" algn="l" rtl="0">
               <a:spcBef>
                 <a:spcPts val="0"/>
               </a:spcBef>
@@ -10866,7 +10878,7 @@
             <a:endParaRPr sz="2400"/>
           </a:p>
           <a:p>
-            <a:pPr indent="-381000" lvl="0" marL="457200" rtl="0" algn="l">
+            <a:pPr marL="457200" lvl="0" indent="-381000" algn="l" rtl="0">
               <a:spcBef>
                 <a:spcPts val="0"/>
               </a:spcBef>
@@ -10893,11 +10905,11 @@
 </file>
 
 <file path=ppt/slides/slide9.xml><?xml version="1.0" encoding="utf-8"?>
-<p:sld xmlns:a="http://schemas.openxmlformats.org/drawingml/2006/main" xmlns:r="http://schemas.openxmlformats.org/officeDocument/2006/relationships" xmlns:mc="http://schemas.openxmlformats.org/markup-compatibility/2006" xmlns:mv="urn:schemas-microsoft-com:mac:vml" xmlns:p="http://schemas.openxmlformats.org/presentationml/2006/main" xmlns:c="http://schemas.openxmlformats.org/drawingml/2006/chart" xmlns:dgm="http://schemas.openxmlformats.org/drawingml/2006/diagram" xmlns:o="urn:schemas-microsoft-com:office:office" xmlns:v="urn:schemas-microsoft-com:vml" xmlns:pvml="urn:schemas-microsoft-com:office:powerpoint" xmlns:com="http://schemas.openxmlformats.org/drawingml/2006/compatibility" xmlns:p14="http://schemas.microsoft.com/office/powerpoint/2010/main" xmlns:p15="http://schemas.microsoft.com/office/powerpoint/2012/main" xmlns:ahyp="http://schemas.microsoft.com/office/drawing/2018/hyperlinkcolor">
+<p:sld xmlns:a="http://schemas.openxmlformats.org/drawingml/2006/main" xmlns:r="http://schemas.openxmlformats.org/officeDocument/2006/relationships" xmlns:p="http://schemas.openxmlformats.org/presentationml/2006/main">
   <p:cSld>
     <p:spTree>
       <p:nvGrpSpPr>
-        <p:cNvPr id="176" name="Shape 176"/>
+        <p:cNvPr id="1" name="Shape 176"/>
         <p:cNvGrpSpPr/>
         <p:nvPr/>
       </p:nvGrpSpPr>
@@ -10912,7 +10924,9 @@
       <p:sp>
         <p:nvSpPr>
           <p:cNvPr id="177" name="Google Shape;177;p21"/>
-          <p:cNvSpPr txBox="1"/>
+          <p:cNvSpPr txBox="1">
+            <a:spLocks noGrp="1"/>
+          </p:cNvSpPr>
           <p:nvPr>
             <p:ph type="title"/>
           </p:nvPr>
@@ -10927,12 +10941,12 @@
           </a:prstGeom>
         </p:spPr>
         <p:txBody>
-          <a:bodyPr anchorCtr="0" anchor="ctr" bIns="91425" lIns="91425" spcFirstLastPara="1" rIns="91425" wrap="square" tIns="91425">
+          <a:bodyPr spcFirstLastPara="1" wrap="square" lIns="91425" tIns="91425" rIns="91425" bIns="91425" anchor="ctr" anchorCtr="0">
             <a:normAutofit fontScale="90000"/>
           </a:bodyPr>
           <a:lstStyle/>
           <a:p>
-            <a:pPr indent="0" lvl="0" marL="0" rtl="0" algn="ctr">
+            <a:pPr marL="0" lvl="0" indent="0" algn="ctr" rtl="0">
               <a:spcBef>
                 <a:spcPts val="0"/>
               </a:spcBef>
@@ -10958,7 +10972,288 @@
 </file>
 
 <file path=ppt/theme/theme1.xml><?xml version="1.0" encoding="utf-8"?>
-<a:theme xmlns:a="http://schemas.openxmlformats.org/drawingml/2006/main" xmlns:r="http://schemas.openxmlformats.org/officeDocument/2006/relationships">
+<a:theme xmlns:a="http://schemas.openxmlformats.org/drawingml/2006/main" name="Shift">
+  <a:themeElements>
+    <a:clrScheme name="Shift">
+      <a:dk1>
+        <a:srgbClr val="FFFFFF"/>
+      </a:dk1>
+      <a:lt1>
+        <a:srgbClr val="AF7B51"/>
+      </a:lt1>
+      <a:dk2>
+        <a:srgbClr val="233A44"/>
+      </a:dk2>
+      <a:lt2>
+        <a:srgbClr val="D9D9D9"/>
+      </a:lt2>
+      <a:accent1>
+        <a:srgbClr val="00796B"/>
+      </a:accent1>
+      <a:accent2>
+        <a:srgbClr val="D9563F"/>
+      </a:accent2>
+      <a:accent3>
+        <a:srgbClr val="C4A15A"/>
+      </a:accent3>
+      <a:accent4>
+        <a:srgbClr val="14F597"/>
+      </a:accent4>
+      <a:accent5>
+        <a:srgbClr val="3D4594"/>
+      </a:accent5>
+      <a:accent6>
+        <a:srgbClr val="163EF5"/>
+      </a:accent6>
+      <a:hlink>
+        <a:srgbClr val="3D4594"/>
+      </a:hlink>
+      <a:folHlink>
+        <a:srgbClr val="3D4594"/>
+      </a:folHlink>
+    </a:clrScheme>
+    <a:fontScheme name="Office">
+      <a:majorFont>
+        <a:latin typeface="Arial"/>
+        <a:ea typeface=""/>
+        <a:cs typeface=""/>
+        <a:font script="Jpan" typeface="ＭＳ Ｐゴシック"/>
+        <a:font script="Hang" typeface="맑은 고딕"/>
+        <a:font script="Hans" typeface="宋体"/>
+        <a:font script="Hant" typeface="新細明體"/>
+        <a:font script="Arab" typeface="Times New Roman"/>
+        <a:font script="Hebr" typeface="Times New Roman"/>
+        <a:font script="Thai" typeface="Angsana New"/>
+        <a:font script="Ethi" typeface="Nyala"/>
+        <a:font script="Beng" typeface="Vrinda"/>
+        <a:font script="Gujr" typeface="Shruti"/>
+        <a:font script="Khmr" typeface="MoolBoran"/>
+        <a:font script="Knda" typeface="Tunga"/>
+        <a:font script="Guru" typeface="Raavi"/>
+        <a:font script="Cans" typeface="Euphemia"/>
+        <a:font script="Cher" typeface="Plantagenet Cherokee"/>
+        <a:font script="Yiii" typeface="Microsoft Yi Baiti"/>
+        <a:font script="Tibt" typeface="Microsoft Himalaya"/>
+        <a:font script="Thaa" typeface="MV Boli"/>
+        <a:font script="Deva" typeface="Mangal"/>
+        <a:font script="Telu" typeface="Gautami"/>
+        <a:font script="Taml" typeface="Latha"/>
+        <a:font script="Syrc" typeface="Estrangelo Edessa"/>
+        <a:font script="Orya" typeface="Kalinga"/>
+        <a:font script="Mlym" typeface="Kartika"/>
+        <a:font script="Laoo" typeface="DokChampa"/>
+        <a:font script="Sinh" typeface="Iskoola Pota"/>
+        <a:font script="Mong" typeface="Mongolian Baiti"/>
+        <a:font script="Viet" typeface="Times New Roman"/>
+        <a:font script="Uigh" typeface="Microsoft Uighur"/>
+        <a:font script="Geor" typeface="Sylfaen"/>
+      </a:majorFont>
+      <a:minorFont>
+        <a:latin typeface="Arial"/>
+        <a:ea typeface=""/>
+        <a:cs typeface=""/>
+        <a:font script="Jpan" typeface="ＭＳ Ｐゴシック"/>
+        <a:font script="Hang" typeface="맑은 고딕"/>
+        <a:font script="Hans" typeface="宋体"/>
+        <a:font script="Hant" typeface="新細明體"/>
+        <a:font script="Arab" typeface="Arial"/>
+        <a:font script="Hebr" typeface="Arial"/>
+        <a:font script="Thai" typeface="Cordia New"/>
+        <a:font script="Ethi" typeface="Nyala"/>
+        <a:font script="Beng" typeface="Vrinda"/>
+        <a:font script="Gujr" typeface="Shruti"/>
+        <a:font script="Khmr" typeface="DaunPenh"/>
+        <a:font script="Knda" typeface="Tunga"/>
+        <a:font script="Guru" typeface="Raavi"/>
+        <a:font script="Cans" typeface="Euphemia"/>
+        <a:font script="Cher" typeface="Plantagenet Cherokee"/>
+        <a:font script="Yiii" typeface="Microsoft Yi Baiti"/>
+        <a:font script="Tibt" typeface="Microsoft Himalaya"/>
+        <a:font script="Thaa" typeface="MV Boli"/>
+        <a:font script="Deva" typeface="Mangal"/>
+        <a:font script="Telu" typeface="Gautami"/>
+        <a:font script="Taml" typeface="Latha"/>
+        <a:font script="Syrc" typeface="Estrangelo Edessa"/>
+        <a:font script="Orya" typeface="Kalinga"/>
+        <a:font script="Mlym" typeface="Kartika"/>
+        <a:font script="Laoo" typeface="DokChampa"/>
+        <a:font script="Sinh" typeface="Iskoola Pota"/>
+        <a:font script="Mong" typeface="Mongolian Baiti"/>
+        <a:font script="Viet" typeface="Arial"/>
+        <a:font script="Uigh" typeface="Microsoft Uighur"/>
+        <a:font script="Geor" typeface="Sylfaen"/>
+      </a:minorFont>
+    </a:fontScheme>
+    <a:fmtScheme name="Office">
+      <a:fillStyleLst>
+        <a:solidFill>
+          <a:schemeClr val="phClr"/>
+        </a:solidFill>
+        <a:gradFill rotWithShape="1">
+          <a:gsLst>
+            <a:gs pos="0">
+              <a:schemeClr val="phClr">
+                <a:tint val="50000"/>
+                <a:satMod val="300000"/>
+              </a:schemeClr>
+            </a:gs>
+            <a:gs pos="35000">
+              <a:schemeClr val="phClr">
+                <a:tint val="37000"/>
+                <a:satMod val="300000"/>
+              </a:schemeClr>
+            </a:gs>
+            <a:gs pos="100000">
+              <a:schemeClr val="phClr">
+                <a:tint val="15000"/>
+                <a:satMod val="350000"/>
+              </a:schemeClr>
+            </a:gs>
+          </a:gsLst>
+          <a:lin ang="16200000" scaled="1"/>
+        </a:gradFill>
+        <a:gradFill rotWithShape="1">
+          <a:gsLst>
+            <a:gs pos="0">
+              <a:schemeClr val="phClr">
+                <a:tint val="100000"/>
+                <a:shade val="100000"/>
+                <a:satMod val="130000"/>
+              </a:schemeClr>
+            </a:gs>
+            <a:gs pos="100000">
+              <a:schemeClr val="phClr">
+                <a:tint val="50000"/>
+                <a:shade val="100000"/>
+                <a:satMod val="350000"/>
+              </a:schemeClr>
+            </a:gs>
+          </a:gsLst>
+          <a:lin ang="16200000" scaled="0"/>
+        </a:gradFill>
+      </a:fillStyleLst>
+      <a:lnStyleLst>
+        <a:ln w="9525" cap="flat" cmpd="sng" algn="ctr">
+          <a:solidFill>
+            <a:schemeClr val="phClr">
+              <a:shade val="95000"/>
+              <a:satMod val="105000"/>
+            </a:schemeClr>
+          </a:solidFill>
+          <a:prstDash val="solid"/>
+        </a:ln>
+        <a:ln w="25400" cap="flat" cmpd="sng" algn="ctr">
+          <a:solidFill>
+            <a:schemeClr val="phClr"/>
+          </a:solidFill>
+          <a:prstDash val="solid"/>
+        </a:ln>
+        <a:ln w="38100" cap="flat" cmpd="sng" algn="ctr">
+          <a:solidFill>
+            <a:schemeClr val="phClr"/>
+          </a:solidFill>
+          <a:prstDash val="solid"/>
+        </a:ln>
+      </a:lnStyleLst>
+      <a:effectStyleLst>
+        <a:effectStyle>
+          <a:effectLst>
+            <a:outerShdw blurRad="40000" dist="20000" dir="5400000" rotWithShape="0">
+              <a:srgbClr val="000000">
+                <a:alpha val="38000"/>
+              </a:srgbClr>
+            </a:outerShdw>
+          </a:effectLst>
+        </a:effectStyle>
+        <a:effectStyle>
+          <a:effectLst>
+            <a:outerShdw blurRad="40000" dist="23000" dir="5400000" rotWithShape="0">
+              <a:srgbClr val="000000">
+                <a:alpha val="35000"/>
+              </a:srgbClr>
+            </a:outerShdw>
+          </a:effectLst>
+        </a:effectStyle>
+        <a:effectStyle>
+          <a:effectLst>
+            <a:outerShdw blurRad="40000" dist="23000" dir="5400000" rotWithShape="0">
+              <a:srgbClr val="000000">
+                <a:alpha val="35000"/>
+              </a:srgbClr>
+            </a:outerShdw>
+          </a:effectLst>
+          <a:scene3d>
+            <a:camera prst="orthographicFront">
+              <a:rot lat="0" lon="0" rev="0"/>
+            </a:camera>
+            <a:lightRig rig="threePt" dir="t">
+              <a:rot lat="0" lon="0" rev="1200000"/>
+            </a:lightRig>
+          </a:scene3d>
+          <a:sp3d>
+            <a:bevelT w="63500" h="25400"/>
+          </a:sp3d>
+        </a:effectStyle>
+      </a:effectStyleLst>
+      <a:bgFillStyleLst>
+        <a:solidFill>
+          <a:schemeClr val="phClr"/>
+        </a:solidFill>
+        <a:gradFill rotWithShape="1">
+          <a:gsLst>
+            <a:gs pos="0">
+              <a:schemeClr val="phClr">
+                <a:tint val="40000"/>
+                <a:satMod val="350000"/>
+              </a:schemeClr>
+            </a:gs>
+            <a:gs pos="40000">
+              <a:schemeClr val="phClr">
+                <a:tint val="45000"/>
+                <a:shade val="99000"/>
+                <a:satMod val="350000"/>
+              </a:schemeClr>
+            </a:gs>
+            <a:gs pos="100000">
+              <a:schemeClr val="phClr">
+                <a:shade val="20000"/>
+                <a:satMod val="255000"/>
+              </a:schemeClr>
+            </a:gs>
+          </a:gsLst>
+          <a:path path="circle">
+            <a:fillToRect l="50000" t="-80000" r="50000" b="180000"/>
+          </a:path>
+        </a:gradFill>
+        <a:gradFill rotWithShape="1">
+          <a:gsLst>
+            <a:gs pos="0">
+              <a:schemeClr val="phClr">
+                <a:tint val="80000"/>
+                <a:satMod val="300000"/>
+              </a:schemeClr>
+            </a:gs>
+            <a:gs pos="100000">
+              <a:schemeClr val="phClr">
+                <a:shade val="30000"/>
+                <a:satMod val="200000"/>
+              </a:schemeClr>
+            </a:gs>
+          </a:gsLst>
+          <a:path path="circle">
+            <a:fillToRect l="50000" t="50000" r="50000" b="50000"/>
+          </a:path>
+        </a:gradFill>
+      </a:bgFillStyleLst>
+    </a:fmtScheme>
+  </a:themeElements>
+  <a:objectDefaults/>
+  <a:extraClrSchemeLst/>
+</a:theme>
+</file>
+
+<file path=ppt/theme/theme2.xml><?xml version="1.0" encoding="utf-8"?>
+<a:theme xmlns:a="http://schemas.openxmlformats.org/drawingml/2006/main">
   <a:themeElements>
     <a:clrScheme name="Default">
       <a:dk1>
@@ -11233,284 +11528,7 @@
       </a:bgFillStyleLst>
     </a:fmtScheme>
   </a:themeElements>
-</a:theme>
-</file>
-
-<file path=ppt/theme/theme2.xml><?xml version="1.0" encoding="utf-8"?>
-<a:theme xmlns:a="http://schemas.openxmlformats.org/drawingml/2006/main" xmlns:r="http://schemas.openxmlformats.org/officeDocument/2006/relationships" name="Shift">
-  <a:themeElements>
-    <a:clrScheme name="Shift">
-      <a:dk1>
-        <a:srgbClr val="FFFFFF"/>
-      </a:dk1>
-      <a:lt1>
-        <a:srgbClr val="AF7B51"/>
-      </a:lt1>
-      <a:dk2>
-        <a:srgbClr val="233A44"/>
-      </a:dk2>
-      <a:lt2>
-        <a:srgbClr val="D9D9D9"/>
-      </a:lt2>
-      <a:accent1>
-        <a:srgbClr val="00796B"/>
-      </a:accent1>
-      <a:accent2>
-        <a:srgbClr val="D9563F"/>
-      </a:accent2>
-      <a:accent3>
-        <a:srgbClr val="C4A15A"/>
-      </a:accent3>
-      <a:accent4>
-        <a:srgbClr val="14F597"/>
-      </a:accent4>
-      <a:accent5>
-        <a:srgbClr val="3D4594"/>
-      </a:accent5>
-      <a:accent6>
-        <a:srgbClr val="163EF5"/>
-      </a:accent6>
-      <a:hlink>
-        <a:srgbClr val="3D4594"/>
-      </a:hlink>
-      <a:folHlink>
-        <a:srgbClr val="3D4594"/>
-      </a:folHlink>
-    </a:clrScheme>
-    <a:fontScheme name="Office">
-      <a:majorFont>
-        <a:latin typeface="Arial"/>
-        <a:ea typeface=""/>
-        <a:cs typeface=""/>
-        <a:font script="Jpan" typeface="ＭＳ Ｐゴシック"/>
-        <a:font script="Hang" typeface="맑은 고딕"/>
-        <a:font script="Hans" typeface="宋体"/>
-        <a:font script="Hant" typeface="新細明體"/>
-        <a:font script="Arab" typeface="Times New Roman"/>
-        <a:font script="Hebr" typeface="Times New Roman"/>
-        <a:font script="Thai" typeface="Angsana New"/>
-        <a:font script="Ethi" typeface="Nyala"/>
-        <a:font script="Beng" typeface="Vrinda"/>
-        <a:font script="Gujr" typeface="Shruti"/>
-        <a:font script="Khmr" typeface="MoolBoran"/>
-        <a:font script="Knda" typeface="Tunga"/>
-        <a:font script="Guru" typeface="Raavi"/>
-        <a:font script="Cans" typeface="Euphemia"/>
-        <a:font script="Cher" typeface="Plantagenet Cherokee"/>
-        <a:font script="Yiii" typeface="Microsoft Yi Baiti"/>
-        <a:font script="Tibt" typeface="Microsoft Himalaya"/>
-        <a:font script="Thaa" typeface="MV Boli"/>
-        <a:font script="Deva" typeface="Mangal"/>
-        <a:font script="Telu" typeface="Gautami"/>
-        <a:font script="Taml" typeface="Latha"/>
-        <a:font script="Syrc" typeface="Estrangelo Edessa"/>
-        <a:font script="Orya" typeface="Kalinga"/>
-        <a:font script="Mlym" typeface="Kartika"/>
-        <a:font script="Laoo" typeface="DokChampa"/>
-        <a:font script="Sinh" typeface="Iskoola Pota"/>
-        <a:font script="Mong" typeface="Mongolian Baiti"/>
-        <a:font script="Viet" typeface="Times New Roman"/>
-        <a:font script="Uigh" typeface="Microsoft Uighur"/>
-        <a:font script="Geor" typeface="Sylfaen"/>
-      </a:majorFont>
-      <a:minorFont>
-        <a:latin typeface="Arial"/>
-        <a:ea typeface=""/>
-        <a:cs typeface=""/>
-        <a:font script="Jpan" typeface="ＭＳ Ｐゴシック"/>
-        <a:font script="Hang" typeface="맑은 고딕"/>
-        <a:font script="Hans" typeface="宋体"/>
-        <a:font script="Hant" typeface="新細明體"/>
-        <a:font script="Arab" typeface="Arial"/>
-        <a:font script="Hebr" typeface="Arial"/>
-        <a:font script="Thai" typeface="Cordia New"/>
-        <a:font script="Ethi" typeface="Nyala"/>
-        <a:font script="Beng" typeface="Vrinda"/>
-        <a:font script="Gujr" typeface="Shruti"/>
-        <a:font script="Khmr" typeface="DaunPenh"/>
-        <a:font script="Knda" typeface="Tunga"/>
-        <a:font script="Guru" typeface="Raavi"/>
-        <a:font script="Cans" typeface="Euphemia"/>
-        <a:font script="Cher" typeface="Plantagenet Cherokee"/>
-        <a:font script="Yiii" typeface="Microsoft Yi Baiti"/>
-        <a:font script="Tibt" typeface="Microsoft Himalaya"/>
-        <a:font script="Thaa" typeface="MV Boli"/>
-        <a:font script="Deva" typeface="Mangal"/>
-        <a:font script="Telu" typeface="Gautami"/>
-        <a:font script="Taml" typeface="Latha"/>
-        <a:font script="Syrc" typeface="Estrangelo Edessa"/>
-        <a:font script="Orya" typeface="Kalinga"/>
-        <a:font script="Mlym" typeface="Kartika"/>
-        <a:font script="Laoo" typeface="DokChampa"/>
-        <a:font script="Sinh" typeface="Iskoola Pota"/>
-        <a:font script="Mong" typeface="Mongolian Baiti"/>
-        <a:font script="Viet" typeface="Arial"/>
-        <a:font script="Uigh" typeface="Microsoft Uighur"/>
-        <a:font script="Geor" typeface="Sylfaen"/>
-      </a:minorFont>
-    </a:fontScheme>
-    <a:fmtScheme name="Office">
-      <a:fillStyleLst>
-        <a:solidFill>
-          <a:schemeClr val="phClr"/>
-        </a:solidFill>
-        <a:gradFill rotWithShape="1">
-          <a:gsLst>
-            <a:gs pos="0">
-              <a:schemeClr val="phClr">
-                <a:tint val="50000"/>
-                <a:satMod val="300000"/>
-              </a:schemeClr>
-            </a:gs>
-            <a:gs pos="35000">
-              <a:schemeClr val="phClr">
-                <a:tint val="37000"/>
-                <a:satMod val="300000"/>
-              </a:schemeClr>
-            </a:gs>
-            <a:gs pos="100000">
-              <a:schemeClr val="phClr">
-                <a:tint val="15000"/>
-                <a:satMod val="350000"/>
-              </a:schemeClr>
-            </a:gs>
-          </a:gsLst>
-          <a:lin ang="16200000" scaled="1"/>
-        </a:gradFill>
-        <a:gradFill rotWithShape="1">
-          <a:gsLst>
-            <a:gs pos="0">
-              <a:schemeClr val="phClr">
-                <a:tint val="100000"/>
-                <a:shade val="100000"/>
-                <a:satMod val="130000"/>
-              </a:schemeClr>
-            </a:gs>
-            <a:gs pos="100000">
-              <a:schemeClr val="phClr">
-                <a:tint val="50000"/>
-                <a:shade val="100000"/>
-                <a:satMod val="350000"/>
-              </a:schemeClr>
-            </a:gs>
-          </a:gsLst>
-          <a:lin ang="16200000" scaled="0"/>
-        </a:gradFill>
-      </a:fillStyleLst>
-      <a:lnStyleLst>
-        <a:ln w="9525" cap="flat" cmpd="sng" algn="ctr">
-          <a:solidFill>
-            <a:schemeClr val="phClr">
-              <a:shade val="95000"/>
-              <a:satMod val="105000"/>
-            </a:schemeClr>
-          </a:solidFill>
-          <a:prstDash val="solid"/>
-        </a:ln>
-        <a:ln w="25400" cap="flat" cmpd="sng" algn="ctr">
-          <a:solidFill>
-            <a:schemeClr val="phClr"/>
-          </a:solidFill>
-          <a:prstDash val="solid"/>
-        </a:ln>
-        <a:ln w="38100" cap="flat" cmpd="sng" algn="ctr">
-          <a:solidFill>
-            <a:schemeClr val="phClr"/>
-          </a:solidFill>
-          <a:prstDash val="solid"/>
-        </a:ln>
-      </a:lnStyleLst>
-      <a:effectStyleLst>
-        <a:effectStyle>
-          <a:effectLst>
-            <a:outerShdw blurRad="40000" dist="20000" dir="5400000" rotWithShape="0">
-              <a:srgbClr val="000000">
-                <a:alpha val="38000"/>
-              </a:srgbClr>
-            </a:outerShdw>
-          </a:effectLst>
-        </a:effectStyle>
-        <a:effectStyle>
-          <a:effectLst>
-            <a:outerShdw blurRad="40000" dist="23000" dir="5400000" rotWithShape="0">
-              <a:srgbClr val="000000">
-                <a:alpha val="35000"/>
-              </a:srgbClr>
-            </a:outerShdw>
-          </a:effectLst>
-        </a:effectStyle>
-        <a:effectStyle>
-          <a:effectLst>
-            <a:outerShdw blurRad="40000" dist="23000" dir="5400000" rotWithShape="0">
-              <a:srgbClr val="000000">
-                <a:alpha val="35000"/>
-              </a:srgbClr>
-            </a:outerShdw>
-          </a:effectLst>
-          <a:scene3d>
-            <a:camera prst="orthographicFront">
-              <a:rot lat="0" lon="0" rev="0"/>
-            </a:camera>
-            <a:lightRig rig="threePt" dir="t">
-              <a:rot lat="0" lon="0" rev="1200000"/>
-            </a:lightRig>
-          </a:scene3d>
-          <a:sp3d>
-            <a:bevelT w="63500" h="25400"/>
-          </a:sp3d>
-        </a:effectStyle>
-      </a:effectStyleLst>
-      <a:bgFillStyleLst>
-        <a:solidFill>
-          <a:schemeClr val="phClr"/>
-        </a:solidFill>
-        <a:gradFill rotWithShape="1">
-          <a:gsLst>
-            <a:gs pos="0">
-              <a:schemeClr val="phClr">
-                <a:tint val="40000"/>
-                <a:satMod val="350000"/>
-              </a:schemeClr>
-            </a:gs>
-            <a:gs pos="40000">
-              <a:schemeClr val="phClr">
-                <a:tint val="45000"/>
-                <a:shade val="99000"/>
-                <a:satMod val="350000"/>
-              </a:schemeClr>
-            </a:gs>
-            <a:gs pos="100000">
-              <a:schemeClr val="phClr">
-                <a:shade val="20000"/>
-                <a:satMod val="255000"/>
-              </a:schemeClr>
-            </a:gs>
-          </a:gsLst>
-          <a:path path="circle">
-            <a:fillToRect l="50000" t="-80000" r="50000" b="180000"/>
-          </a:path>
-        </a:gradFill>
-        <a:gradFill rotWithShape="1">
-          <a:gsLst>
-            <a:gs pos="0">
-              <a:schemeClr val="phClr">
-                <a:tint val="80000"/>
-                <a:satMod val="300000"/>
-              </a:schemeClr>
-            </a:gs>
-            <a:gs pos="100000">
-              <a:schemeClr val="phClr">
-                <a:shade val="30000"/>
-                <a:satMod val="200000"/>
-              </a:schemeClr>
-            </a:gs>
-          </a:gsLst>
-          <a:path path="circle">
-            <a:fillToRect l="50000" t="50000" r="50000" b="50000"/>
-          </a:path>
-        </a:gradFill>
-      </a:bgFillStyleLst>
-    </a:fmtScheme>
-  </a:themeElements>
+  <a:objectDefaults/>
+  <a:extraClrSchemeLst/>
 </a:theme>
 </file>